--- a/05_es6_node/NodeJS_demo/03_asynchronous_code_promises/AsynchronousCode_Promises.pptx
+++ b/05_es6_node/NodeJS_demo/03_asynchronous_code_promises/AsynchronousCode_Promises.pptx
@@ -5,12 +5,17 @@
     <p:sldMasterId id="2147483648" r:id="rId4"/>
   </p:sldMasterIdLst>
   <p:notesMasterIdLst>
-    <p:notesMasterId r:id="rId8"/>
+    <p:notesMasterId r:id="rId13"/>
   </p:notesMasterIdLst>
   <p:sldIdLst>
     <p:sldId id="256" r:id="rId5"/>
     <p:sldId id="258" r:id="rId6"/>
     <p:sldId id="259" r:id="rId7"/>
+    <p:sldId id="260" r:id="rId8"/>
+    <p:sldId id="261" r:id="rId9"/>
+    <p:sldId id="262" r:id="rId10"/>
+    <p:sldId id="263" r:id="rId11"/>
+    <p:sldId id="264" r:id="rId12"/>
   </p:sldIdLst>
   <p:sldSz cx="12192000" cy="6858000"/>
   <p:notesSz cx="6858000" cy="9144000"/>
@@ -130,122 +135,6 @@
 
 <file path=ppt/changesInfos/changesInfo1.xml><?xml version="1.0" encoding="utf-8"?>
 <pc:chgInfo xmlns:a="http://schemas.openxmlformats.org/drawingml/2006/main" xmlns:r="http://schemas.openxmlformats.org/officeDocument/2006/relationships" xmlns:ac="http://schemas.microsoft.com/office/drawing/2013/main/command" xmlns:pc="http://schemas.microsoft.com/office/powerpoint/2013/main/command">
-  <pc:docChgLst>
-    <pc:chgData name="Välimäki Juhani" userId="0494df6c-5b8e-4ae2-805b-7081aacdc9fa" providerId="ADAL" clId="{DCE3D7FE-63ED-4063-BA27-2EEBC47B2894}"/>
-    <pc:docChg chg="undo addSld delSld modSld">
-      <pc:chgData name="Välimäki Juhani" userId="0494df6c-5b8e-4ae2-805b-7081aacdc9fa" providerId="ADAL" clId="{DCE3D7FE-63ED-4063-BA27-2EEBC47B2894}" dt="2023-02-05T20:57:26.459" v="64" actId="6549"/>
-      <pc:docMkLst>
-        <pc:docMk/>
-      </pc:docMkLst>
-      <pc:sldChg chg="modSp add del">
-        <pc:chgData name="Välimäki Juhani" userId="0494df6c-5b8e-4ae2-805b-7081aacdc9fa" providerId="ADAL" clId="{DCE3D7FE-63ED-4063-BA27-2EEBC47B2894}" dt="2023-02-05T20:57:26.459" v="64" actId="6549"/>
-        <pc:sldMkLst>
-          <pc:docMk/>
-          <pc:sldMk cId="3436236697" sldId="256"/>
-        </pc:sldMkLst>
-        <pc:spChg chg="mod">
-          <ac:chgData name="Välimäki Juhani" userId="0494df6c-5b8e-4ae2-805b-7081aacdc9fa" providerId="ADAL" clId="{DCE3D7FE-63ED-4063-BA27-2EEBC47B2894}" dt="2023-02-05T20:57:20.001" v="63" actId="20577"/>
-          <ac:spMkLst>
-            <pc:docMk/>
-            <pc:sldMk cId="3436236697" sldId="256"/>
-            <ac:spMk id="2" creationId="{E3D088A5-A888-E24C-9E8C-131F880EED57}"/>
-          </ac:spMkLst>
-        </pc:spChg>
-        <pc:spChg chg="mod">
-          <ac:chgData name="Välimäki Juhani" userId="0494df6c-5b8e-4ae2-805b-7081aacdc9fa" providerId="ADAL" clId="{DCE3D7FE-63ED-4063-BA27-2EEBC47B2894}" dt="2023-02-05T20:57:26.459" v="64" actId="6549"/>
-          <ac:spMkLst>
-            <pc:docMk/>
-            <pc:sldMk cId="3436236697" sldId="256"/>
-            <ac:spMk id="3" creationId="{A0D3DE56-58EC-744D-BFE0-22D8C9079928}"/>
-          </ac:spMkLst>
-        </pc:spChg>
-      </pc:sldChg>
-      <pc:sldChg chg="del">
-        <pc:chgData name="Välimäki Juhani" userId="0494df6c-5b8e-4ae2-805b-7081aacdc9fa" providerId="ADAL" clId="{DCE3D7FE-63ED-4063-BA27-2EEBC47B2894}" dt="2023-02-05T20:56:19.945" v="0" actId="2696"/>
-        <pc:sldMkLst>
-          <pc:docMk/>
-          <pc:sldMk cId="1587126786" sldId="257"/>
-        </pc:sldMkLst>
-      </pc:sldChg>
-      <pc:sldChg chg="add del">
-        <pc:chgData name="Välimäki Juhani" userId="0494df6c-5b8e-4ae2-805b-7081aacdc9fa" providerId="ADAL" clId="{DCE3D7FE-63ED-4063-BA27-2EEBC47B2894}" dt="2023-02-05T20:56:32.686" v="14" actId="2696"/>
-        <pc:sldMkLst>
-          <pc:docMk/>
-          <pc:sldMk cId="111015751" sldId="258"/>
-        </pc:sldMkLst>
-      </pc:sldChg>
-      <pc:sldChg chg="del">
-        <pc:chgData name="Välimäki Juhani" userId="0494df6c-5b8e-4ae2-805b-7081aacdc9fa" providerId="ADAL" clId="{DCE3D7FE-63ED-4063-BA27-2EEBC47B2894}" dt="2023-02-05T20:56:26.951" v="1" actId="2696"/>
-        <pc:sldMkLst>
-          <pc:docMk/>
-          <pc:sldMk cId="485904878" sldId="259"/>
-        </pc:sldMkLst>
-      </pc:sldChg>
-      <pc:sldChg chg="del">
-        <pc:chgData name="Välimäki Juhani" userId="0494df6c-5b8e-4ae2-805b-7081aacdc9fa" providerId="ADAL" clId="{DCE3D7FE-63ED-4063-BA27-2EEBC47B2894}" dt="2023-02-05T20:56:27.636" v="2" actId="2696"/>
-        <pc:sldMkLst>
-          <pc:docMk/>
-          <pc:sldMk cId="566556200" sldId="260"/>
-        </pc:sldMkLst>
-      </pc:sldChg>
-      <pc:sldChg chg="del">
-        <pc:chgData name="Välimäki Juhani" userId="0494df6c-5b8e-4ae2-805b-7081aacdc9fa" providerId="ADAL" clId="{DCE3D7FE-63ED-4063-BA27-2EEBC47B2894}" dt="2023-02-05T20:56:28.155" v="3" actId="2696"/>
-        <pc:sldMkLst>
-          <pc:docMk/>
-          <pc:sldMk cId="2372945670" sldId="261"/>
-        </pc:sldMkLst>
-      </pc:sldChg>
-      <pc:sldChg chg="del">
-        <pc:chgData name="Välimäki Juhani" userId="0494df6c-5b8e-4ae2-805b-7081aacdc9fa" providerId="ADAL" clId="{DCE3D7FE-63ED-4063-BA27-2EEBC47B2894}" dt="2023-02-05T20:56:28.583" v="4" actId="2696"/>
-        <pc:sldMkLst>
-          <pc:docMk/>
-          <pc:sldMk cId="4024190807" sldId="262"/>
-        </pc:sldMkLst>
-      </pc:sldChg>
-      <pc:sldChg chg="del">
-        <pc:chgData name="Välimäki Juhani" userId="0494df6c-5b8e-4ae2-805b-7081aacdc9fa" providerId="ADAL" clId="{DCE3D7FE-63ED-4063-BA27-2EEBC47B2894}" dt="2023-02-05T20:56:28.993" v="5" actId="2696"/>
-        <pc:sldMkLst>
-          <pc:docMk/>
-          <pc:sldMk cId="1434232355" sldId="263"/>
-        </pc:sldMkLst>
-      </pc:sldChg>
-      <pc:sldChg chg="del">
-        <pc:chgData name="Välimäki Juhani" userId="0494df6c-5b8e-4ae2-805b-7081aacdc9fa" providerId="ADAL" clId="{DCE3D7FE-63ED-4063-BA27-2EEBC47B2894}" dt="2023-02-05T20:56:29.276" v="6" actId="2696"/>
-        <pc:sldMkLst>
-          <pc:docMk/>
-          <pc:sldMk cId="3594989764" sldId="264"/>
-        </pc:sldMkLst>
-      </pc:sldChg>
-      <pc:sldChg chg="del">
-        <pc:chgData name="Välimäki Juhani" userId="0494df6c-5b8e-4ae2-805b-7081aacdc9fa" providerId="ADAL" clId="{DCE3D7FE-63ED-4063-BA27-2EEBC47B2894}" dt="2023-02-05T20:56:29.517" v="7" actId="2696"/>
-        <pc:sldMkLst>
-          <pc:docMk/>
-          <pc:sldMk cId="3018981822" sldId="265"/>
-        </pc:sldMkLst>
-      </pc:sldChg>
-      <pc:sldChg chg="del">
-        <pc:chgData name="Välimäki Juhani" userId="0494df6c-5b8e-4ae2-805b-7081aacdc9fa" providerId="ADAL" clId="{DCE3D7FE-63ED-4063-BA27-2EEBC47B2894}" dt="2023-02-05T20:56:29.754" v="8" actId="2696"/>
-        <pc:sldMkLst>
-          <pc:docMk/>
-          <pc:sldMk cId="2997406791" sldId="266"/>
-        </pc:sldMkLst>
-      </pc:sldChg>
-      <pc:sldChg chg="del">
-        <pc:chgData name="Välimäki Juhani" userId="0494df6c-5b8e-4ae2-805b-7081aacdc9fa" providerId="ADAL" clId="{DCE3D7FE-63ED-4063-BA27-2EEBC47B2894}" dt="2023-02-05T20:56:29.945" v="9" actId="2696"/>
-        <pc:sldMkLst>
-          <pc:docMk/>
-          <pc:sldMk cId="4055866308" sldId="267"/>
-        </pc:sldMkLst>
-      </pc:sldChg>
-      <pc:sldChg chg="del">
-        <pc:chgData name="Välimäki Juhani" userId="0494df6c-5b8e-4ae2-805b-7081aacdc9fa" providerId="ADAL" clId="{DCE3D7FE-63ED-4063-BA27-2EEBC47B2894}" dt="2023-02-05T20:56:30.143" v="10" actId="2696"/>
-        <pc:sldMkLst>
-          <pc:docMk/>
-          <pc:sldMk cId="3413226821" sldId="268"/>
-        </pc:sldMkLst>
-      </pc:sldChg>
-    </pc:docChg>
-  </pc:docChgLst>
   <pc:docChgLst>
     <pc:chgData name="Välimäki Juhani" userId="0494df6c-5b8e-4ae2-805b-7081aacdc9fa" providerId="ADAL" clId="{0F64B24A-43E7-424D-BDDD-B8E7B27BAFBF}"/>
     <pc:docChg chg="custSel addSld modSld">
@@ -488,6 +377,122 @@
             <ac:spMk id="9" creationId="{ACDE61D8-A75A-F94B-B57A-46F276C03311}"/>
           </ac:spMkLst>
         </pc:spChg>
+      </pc:sldChg>
+    </pc:docChg>
+  </pc:docChgLst>
+  <pc:docChgLst>
+    <pc:chgData name="Välimäki Juhani" userId="0494df6c-5b8e-4ae2-805b-7081aacdc9fa" providerId="ADAL" clId="{DCE3D7FE-63ED-4063-BA27-2EEBC47B2894}"/>
+    <pc:docChg chg="undo addSld delSld modSld">
+      <pc:chgData name="Välimäki Juhani" userId="0494df6c-5b8e-4ae2-805b-7081aacdc9fa" providerId="ADAL" clId="{DCE3D7FE-63ED-4063-BA27-2EEBC47B2894}" dt="2023-02-05T20:57:26.459" v="64" actId="6549"/>
+      <pc:docMkLst>
+        <pc:docMk/>
+      </pc:docMkLst>
+      <pc:sldChg chg="modSp add del">
+        <pc:chgData name="Välimäki Juhani" userId="0494df6c-5b8e-4ae2-805b-7081aacdc9fa" providerId="ADAL" clId="{DCE3D7FE-63ED-4063-BA27-2EEBC47B2894}" dt="2023-02-05T20:57:26.459" v="64" actId="6549"/>
+        <pc:sldMkLst>
+          <pc:docMk/>
+          <pc:sldMk cId="3436236697" sldId="256"/>
+        </pc:sldMkLst>
+        <pc:spChg chg="mod">
+          <ac:chgData name="Välimäki Juhani" userId="0494df6c-5b8e-4ae2-805b-7081aacdc9fa" providerId="ADAL" clId="{DCE3D7FE-63ED-4063-BA27-2EEBC47B2894}" dt="2023-02-05T20:57:20.001" v="63" actId="20577"/>
+          <ac:spMkLst>
+            <pc:docMk/>
+            <pc:sldMk cId="3436236697" sldId="256"/>
+            <ac:spMk id="2" creationId="{E3D088A5-A888-E24C-9E8C-131F880EED57}"/>
+          </ac:spMkLst>
+        </pc:spChg>
+        <pc:spChg chg="mod">
+          <ac:chgData name="Välimäki Juhani" userId="0494df6c-5b8e-4ae2-805b-7081aacdc9fa" providerId="ADAL" clId="{DCE3D7FE-63ED-4063-BA27-2EEBC47B2894}" dt="2023-02-05T20:57:26.459" v="64" actId="6549"/>
+          <ac:spMkLst>
+            <pc:docMk/>
+            <pc:sldMk cId="3436236697" sldId="256"/>
+            <ac:spMk id="3" creationId="{A0D3DE56-58EC-744D-BFE0-22D8C9079928}"/>
+          </ac:spMkLst>
+        </pc:spChg>
+      </pc:sldChg>
+      <pc:sldChg chg="del">
+        <pc:chgData name="Välimäki Juhani" userId="0494df6c-5b8e-4ae2-805b-7081aacdc9fa" providerId="ADAL" clId="{DCE3D7FE-63ED-4063-BA27-2EEBC47B2894}" dt="2023-02-05T20:56:19.945" v="0" actId="2696"/>
+        <pc:sldMkLst>
+          <pc:docMk/>
+          <pc:sldMk cId="1587126786" sldId="257"/>
+        </pc:sldMkLst>
+      </pc:sldChg>
+      <pc:sldChg chg="add del">
+        <pc:chgData name="Välimäki Juhani" userId="0494df6c-5b8e-4ae2-805b-7081aacdc9fa" providerId="ADAL" clId="{DCE3D7FE-63ED-4063-BA27-2EEBC47B2894}" dt="2023-02-05T20:56:32.686" v="14" actId="2696"/>
+        <pc:sldMkLst>
+          <pc:docMk/>
+          <pc:sldMk cId="111015751" sldId="258"/>
+        </pc:sldMkLst>
+      </pc:sldChg>
+      <pc:sldChg chg="del">
+        <pc:chgData name="Välimäki Juhani" userId="0494df6c-5b8e-4ae2-805b-7081aacdc9fa" providerId="ADAL" clId="{DCE3D7FE-63ED-4063-BA27-2EEBC47B2894}" dt="2023-02-05T20:56:26.951" v="1" actId="2696"/>
+        <pc:sldMkLst>
+          <pc:docMk/>
+          <pc:sldMk cId="485904878" sldId="259"/>
+        </pc:sldMkLst>
+      </pc:sldChg>
+      <pc:sldChg chg="del">
+        <pc:chgData name="Välimäki Juhani" userId="0494df6c-5b8e-4ae2-805b-7081aacdc9fa" providerId="ADAL" clId="{DCE3D7FE-63ED-4063-BA27-2EEBC47B2894}" dt="2023-02-05T20:56:27.636" v="2" actId="2696"/>
+        <pc:sldMkLst>
+          <pc:docMk/>
+          <pc:sldMk cId="566556200" sldId="260"/>
+        </pc:sldMkLst>
+      </pc:sldChg>
+      <pc:sldChg chg="del">
+        <pc:chgData name="Välimäki Juhani" userId="0494df6c-5b8e-4ae2-805b-7081aacdc9fa" providerId="ADAL" clId="{DCE3D7FE-63ED-4063-BA27-2EEBC47B2894}" dt="2023-02-05T20:56:28.155" v="3" actId="2696"/>
+        <pc:sldMkLst>
+          <pc:docMk/>
+          <pc:sldMk cId="2372945670" sldId="261"/>
+        </pc:sldMkLst>
+      </pc:sldChg>
+      <pc:sldChg chg="del">
+        <pc:chgData name="Välimäki Juhani" userId="0494df6c-5b8e-4ae2-805b-7081aacdc9fa" providerId="ADAL" clId="{DCE3D7FE-63ED-4063-BA27-2EEBC47B2894}" dt="2023-02-05T20:56:28.583" v="4" actId="2696"/>
+        <pc:sldMkLst>
+          <pc:docMk/>
+          <pc:sldMk cId="4024190807" sldId="262"/>
+        </pc:sldMkLst>
+      </pc:sldChg>
+      <pc:sldChg chg="del">
+        <pc:chgData name="Välimäki Juhani" userId="0494df6c-5b8e-4ae2-805b-7081aacdc9fa" providerId="ADAL" clId="{DCE3D7FE-63ED-4063-BA27-2EEBC47B2894}" dt="2023-02-05T20:56:28.993" v="5" actId="2696"/>
+        <pc:sldMkLst>
+          <pc:docMk/>
+          <pc:sldMk cId="1434232355" sldId="263"/>
+        </pc:sldMkLst>
+      </pc:sldChg>
+      <pc:sldChg chg="del">
+        <pc:chgData name="Välimäki Juhani" userId="0494df6c-5b8e-4ae2-805b-7081aacdc9fa" providerId="ADAL" clId="{DCE3D7FE-63ED-4063-BA27-2EEBC47B2894}" dt="2023-02-05T20:56:29.276" v="6" actId="2696"/>
+        <pc:sldMkLst>
+          <pc:docMk/>
+          <pc:sldMk cId="3594989764" sldId="264"/>
+        </pc:sldMkLst>
+      </pc:sldChg>
+      <pc:sldChg chg="del">
+        <pc:chgData name="Välimäki Juhani" userId="0494df6c-5b8e-4ae2-805b-7081aacdc9fa" providerId="ADAL" clId="{DCE3D7FE-63ED-4063-BA27-2EEBC47B2894}" dt="2023-02-05T20:56:29.517" v="7" actId="2696"/>
+        <pc:sldMkLst>
+          <pc:docMk/>
+          <pc:sldMk cId="3018981822" sldId="265"/>
+        </pc:sldMkLst>
+      </pc:sldChg>
+      <pc:sldChg chg="del">
+        <pc:chgData name="Välimäki Juhani" userId="0494df6c-5b8e-4ae2-805b-7081aacdc9fa" providerId="ADAL" clId="{DCE3D7FE-63ED-4063-BA27-2EEBC47B2894}" dt="2023-02-05T20:56:29.754" v="8" actId="2696"/>
+        <pc:sldMkLst>
+          <pc:docMk/>
+          <pc:sldMk cId="2997406791" sldId="266"/>
+        </pc:sldMkLst>
+      </pc:sldChg>
+      <pc:sldChg chg="del">
+        <pc:chgData name="Välimäki Juhani" userId="0494df6c-5b8e-4ae2-805b-7081aacdc9fa" providerId="ADAL" clId="{DCE3D7FE-63ED-4063-BA27-2EEBC47B2894}" dt="2023-02-05T20:56:29.945" v="9" actId="2696"/>
+        <pc:sldMkLst>
+          <pc:docMk/>
+          <pc:sldMk cId="4055866308" sldId="267"/>
+        </pc:sldMkLst>
+      </pc:sldChg>
+      <pc:sldChg chg="del">
+        <pc:chgData name="Välimäki Juhani" userId="0494df6c-5b8e-4ae2-805b-7081aacdc9fa" providerId="ADAL" clId="{DCE3D7FE-63ED-4063-BA27-2EEBC47B2894}" dt="2023-02-05T20:56:30.143" v="10" actId="2696"/>
+        <pc:sldMkLst>
+          <pc:docMk/>
+          <pc:sldMk cId="3413226821" sldId="268"/>
+        </pc:sldMkLst>
       </pc:sldChg>
     </pc:docChg>
   </pc:docChgLst>
@@ -1559,7 +1564,7 @@
           <a:p>
             <a:fld id="{5645C365-1C26-6946-87AF-75D6A7DF4277}" type="datetimeFigureOut">
               <a:rPr lang="en-GB" smtClean="0"/>
-              <a:t>06/02/2023</a:t>
+              <a:t>08/02/2023</a:t>
             </a:fld>
             <a:endParaRPr lang="en-GB"/>
           </a:p>
@@ -2058,7 +2063,7 @@
           <a:p>
             <a:fld id="{35B864B8-8D08-7B43-B4FB-B2FB41A5D9E3}" type="datetime1">
               <a:rPr lang="fi-FI" smtClean="0"/>
-              <a:t>6.2.2023</a:t>
+              <a:t>8.2.2023</a:t>
             </a:fld>
             <a:endParaRPr lang="en-GB" dirty="0"/>
           </a:p>
@@ -2385,7 +2390,7 @@
           <a:p>
             <a:fld id="{D5AEA85A-FC56-D34C-9AA6-ECC3D2586F37}" type="datetime1">
               <a:rPr lang="fi-FI" smtClean="0"/>
-              <a:t>6.2.2023</a:t>
+              <a:t>8.2.2023</a:t>
             </a:fld>
             <a:endParaRPr lang="en-GB" dirty="0"/>
           </a:p>
@@ -2595,7 +2600,7 @@
           <a:p>
             <a:fld id="{E6BC6EEF-E660-7844-8930-418AFF95EA40}" type="datetime1">
               <a:rPr lang="fi-FI" smtClean="0"/>
-              <a:t>6.2.2023</a:t>
+              <a:t>8.2.2023</a:t>
             </a:fld>
             <a:endParaRPr lang="en-GB" dirty="0"/>
           </a:p>
@@ -2904,7 +2909,7 @@
           <a:p>
             <a:fld id="{4E10C7EC-C1C1-9849-A573-7692478FCD52}" type="datetime1">
               <a:rPr lang="fi-FI" smtClean="0"/>
-              <a:t>6.2.2023</a:t>
+              <a:t>8.2.2023</a:t>
             </a:fld>
             <a:endParaRPr lang="en-GB" dirty="0"/>
           </a:p>
@@ -3177,7 +3182,7 @@
           <a:p>
             <a:fld id="{844FF3FE-30BE-2040-9151-6FBC4992BF4F}" type="datetime1">
               <a:rPr lang="fi-FI" smtClean="0"/>
-              <a:t>6.2.2023</a:t>
+              <a:t>8.2.2023</a:t>
             </a:fld>
             <a:endParaRPr lang="en-GB" dirty="0"/>
           </a:p>
@@ -3417,7 +3422,7 @@
           <a:p>
             <a:fld id="{11EDCD7B-6966-E249-89F2-D46BDFBF56BE}" type="datetime1">
               <a:rPr lang="fi-FI" smtClean="0"/>
-              <a:t>6.2.2023</a:t>
+              <a:t>8.2.2023</a:t>
             </a:fld>
             <a:endParaRPr lang="en-GB" dirty="0"/>
           </a:p>
@@ -3710,7 +3715,7 @@
           <a:p>
             <a:fld id="{11EDCD7B-6966-E249-89F2-D46BDFBF56BE}" type="datetime1">
               <a:rPr lang="fi-FI" smtClean="0"/>
-              <a:t>6.2.2023</a:t>
+              <a:t>8.2.2023</a:t>
             </a:fld>
             <a:endParaRPr lang="en-GB" dirty="0"/>
           </a:p>
@@ -4149,7 +4154,7 @@
           <a:p>
             <a:fld id="{844FF3FE-30BE-2040-9151-6FBC4992BF4F}" type="datetime1">
               <a:rPr lang="fi-FI" smtClean="0"/>
-              <a:t>6.2.2023</a:t>
+              <a:t>8.2.2023</a:t>
             </a:fld>
             <a:endParaRPr lang="en-GB" dirty="0"/>
           </a:p>
@@ -4377,7 +4382,7 @@
           <a:p>
             <a:fld id="{11EDCD7B-6966-E249-89F2-D46BDFBF56BE}" type="datetime1">
               <a:rPr lang="fi-FI" smtClean="0"/>
-              <a:t>6.2.2023</a:t>
+              <a:t>8.2.2023</a:t>
             </a:fld>
             <a:endParaRPr lang="en-GB" dirty="0"/>
           </a:p>
@@ -4792,7 +4797,7 @@
           <a:p>
             <a:fld id="{B62E192A-D52B-F541-B2AA-4AEB9388F1F7}" type="datetime1">
               <a:rPr lang="fi-FI" smtClean="0"/>
-              <a:t>6.2.2023</a:t>
+              <a:t>8.2.2023</a:t>
             </a:fld>
             <a:endParaRPr lang="en-GB" dirty="0"/>
           </a:p>
@@ -5092,7 +5097,7 @@
           <a:p>
             <a:fld id="{EEA4FAA2-2B3E-264C-A42F-2D6D3EF33A3C}" type="datetime1">
               <a:rPr lang="fi-FI" smtClean="0"/>
-              <a:t>6.2.2023</a:t>
+              <a:t>8.2.2023</a:t>
             </a:fld>
             <a:endParaRPr lang="en-GB" dirty="0"/>
           </a:p>
@@ -5995,7 +6000,7 @@
           <a:p>
             <a:fld id="{B3114A65-8017-1743-A85A-B2A4BB835AE9}" type="datetime1">
               <a:rPr lang="fi-FI" smtClean="0"/>
-              <a:t>6.2.2023</a:t>
+              <a:t>8.2.2023</a:t>
             </a:fld>
             <a:endParaRPr lang="en-GB" dirty="0"/>
           </a:p>
@@ -6223,7 +6228,7 @@
           <a:p>
             <a:fld id="{11EDCD7B-6966-E249-89F2-D46BDFBF56BE}" type="datetime1">
               <a:rPr lang="fi-FI" smtClean="0"/>
-              <a:t>6.2.2023</a:t>
+              <a:t>8.2.2023</a:t>
             </a:fld>
             <a:endParaRPr lang="en-GB" dirty="0"/>
           </a:p>
@@ -6515,7 +6520,7 @@
           <a:p>
             <a:fld id="{45F98643-D206-614D-B596-3C8548138211}" type="datetime1">
               <a:rPr lang="fi-FI" smtClean="0"/>
-              <a:t>6.2.2023</a:t>
+              <a:t>8.2.2023</a:t>
             </a:fld>
             <a:endParaRPr lang="en-GB" dirty="0"/>
           </a:p>
@@ -7156,7 +7161,7 @@
           <a:p>
             <a:fld id="{30BF63A1-919F-FB49-ABA8-182126D24C50}" type="datetime1">
               <a:rPr lang="fi-FI" smtClean="0"/>
-              <a:t>6.2.2023</a:t>
+              <a:t>8.2.2023</a:t>
             </a:fld>
             <a:endParaRPr lang="en-GB" dirty="0"/>
           </a:p>
@@ -7371,7 +7376,7 @@
           <a:p>
             <a:fld id="{202E1EC2-47B8-044B-A09E-6A63B4D80C87}" type="datetime1">
               <a:rPr lang="fi-FI" smtClean="0"/>
-              <a:t>6.2.2023</a:t>
+              <a:t>8.2.2023</a:t>
             </a:fld>
             <a:endParaRPr lang="en-GB"/>
           </a:p>
@@ -7628,7 +7633,7 @@
           <a:p>
             <a:fld id="{202E1EC2-47B8-044B-A09E-6A63B4D80C87}" type="datetime1">
               <a:rPr lang="fi-FI" smtClean="0"/>
-              <a:t>6.2.2023</a:t>
+              <a:t>8.2.2023</a:t>
             </a:fld>
             <a:endParaRPr lang="en-GB"/>
           </a:p>
@@ -7692,6 +7697,4812 @@
     <p:extLst>
       <p:ext uri="{BB962C8B-B14F-4D97-AF65-F5344CB8AC3E}">
         <p14:creationId xmlns:p14="http://schemas.microsoft.com/office/powerpoint/2010/main" val="497313114"/>
+      </p:ext>
+    </p:extLst>
+  </p:cSld>
+  <p:clrMapOvr>
+    <a:masterClrMapping/>
+  </p:clrMapOvr>
+</p:sld>
+</file>
+
+<file path=ppt/slides/slide4.xml><?xml version="1.0" encoding="utf-8"?>
+<p:sld xmlns:a="http://schemas.openxmlformats.org/drawingml/2006/main" xmlns:r="http://schemas.openxmlformats.org/officeDocument/2006/relationships" xmlns:p="http://schemas.openxmlformats.org/presentationml/2006/main">
+  <p:cSld>
+    <p:spTree>
+      <p:nvGrpSpPr>
+        <p:cNvPr id="1" name=""/>
+        <p:cNvGrpSpPr/>
+        <p:nvPr/>
+      </p:nvGrpSpPr>
+      <p:grpSpPr>
+        <a:xfrm>
+          <a:off x="0" y="0"/>
+          <a:ext cx="0" cy="0"/>
+          <a:chOff x="0" y="0"/>
+          <a:chExt cx="0" cy="0"/>
+        </a:xfrm>
+      </p:grpSpPr>
+      <p:sp>
+        <p:nvSpPr>
+          <p:cNvPr id="8" name="Title 7">
+            <a:extLst>
+              <a:ext uri="{FF2B5EF4-FFF2-40B4-BE49-F238E27FC236}">
+                <a16:creationId xmlns:a16="http://schemas.microsoft.com/office/drawing/2014/main" id="{197044C3-CD23-D844-B780-26FABA91AD0F}"/>
+              </a:ext>
+            </a:extLst>
+          </p:cNvPr>
+          <p:cNvSpPr>
+            <a:spLocks noGrp="1"/>
+          </p:cNvSpPr>
+          <p:nvPr>
+            <p:ph type="title"/>
+          </p:nvPr>
+        </p:nvSpPr>
+        <p:spPr/>
+        <p:txBody>
+          <a:bodyPr/>
+          <a:lstStyle/>
+          <a:p>
+            <a:r>
+              <a:rPr lang="fi-FI" dirty="0" err="1"/>
+              <a:t>Promise-based</a:t>
+            </a:r>
+            <a:r>
+              <a:rPr lang="fi-FI" dirty="0"/>
+              <a:t> </a:t>
+            </a:r>
+            <a:r>
+              <a:rPr lang="fi-FI" dirty="0" err="1"/>
+              <a:t>code</a:t>
+            </a:r>
+            <a:r>
+              <a:rPr lang="fi-FI" dirty="0"/>
+              <a:t> </a:t>
+            </a:r>
+            <a:r>
+              <a:rPr lang="fi-FI" dirty="0" err="1"/>
+              <a:t>example</a:t>
+            </a:r>
+            <a:r>
+              <a:rPr lang="fi-FI" dirty="0"/>
+              <a:t> </a:t>
+            </a:r>
+            <a:r>
+              <a:rPr lang="fi-FI" dirty="0" err="1"/>
+              <a:t>from</a:t>
+            </a:r>
+            <a:r>
+              <a:rPr lang="fi-FI" dirty="0"/>
+              <a:t> </a:t>
+            </a:r>
+            <a:r>
+              <a:rPr lang="fi-FI" dirty="0" err="1"/>
+              <a:t>Node</a:t>
+            </a:r>
+            <a:r>
+              <a:rPr lang="fi-FI" dirty="0"/>
+              <a:t> </a:t>
+            </a:r>
+            <a:r>
+              <a:rPr lang="fi-FI" dirty="0" err="1"/>
+              <a:t>end-point</a:t>
+            </a:r>
+            <a:endParaRPr lang="fi-FI" dirty="0"/>
+          </a:p>
+        </p:txBody>
+      </p:sp>
+      <p:sp>
+        <p:nvSpPr>
+          <p:cNvPr id="9" name="Content Placeholder 8">
+            <a:extLst>
+              <a:ext uri="{FF2B5EF4-FFF2-40B4-BE49-F238E27FC236}">
+                <a16:creationId xmlns:a16="http://schemas.microsoft.com/office/drawing/2014/main" id="{ACDE61D8-A75A-F94B-B57A-46F276C03311}"/>
+              </a:ext>
+            </a:extLst>
+          </p:cNvPr>
+          <p:cNvSpPr>
+            <a:spLocks noGrp="1"/>
+          </p:cNvSpPr>
+          <p:nvPr>
+            <p:ph sz="half" idx="2"/>
+          </p:nvPr>
+        </p:nvSpPr>
+        <p:spPr>
+          <a:xfrm>
+            <a:off x="550864" y="1283300"/>
+            <a:ext cx="11125198" cy="4630138"/>
+          </a:xfrm>
+        </p:spPr>
+        <p:txBody>
+          <a:bodyPr>
+            <a:normAutofit/>
+          </a:bodyPr>
+          <a:lstStyle/>
+          <a:p>
+            <a:pPr marL="0" indent="0">
+              <a:buNone/>
+            </a:pPr>
+            <a:r>
+              <a:rPr lang="fi-FI" dirty="0" err="1">
+                <a:solidFill>
+                  <a:srgbClr val="0070C1"/>
+                </a:solidFill>
+                <a:latin typeface="Consolas" panose="020B0609020204030204" pitchFamily="49" charset="0"/>
+              </a:rPr>
+              <a:t>category</a:t>
+            </a:r>
+            <a:r>
+              <a:rPr lang="fi-FI" dirty="0" err="1">
+                <a:solidFill>
+                  <a:srgbClr val="000000"/>
+                </a:solidFill>
+                <a:latin typeface="Consolas" panose="020B0609020204030204" pitchFamily="49" charset="0"/>
+              </a:rPr>
+              <a:t>.</a:t>
+            </a:r>
+            <a:r>
+              <a:rPr lang="fi-FI" dirty="0" err="1">
+                <a:solidFill>
+                  <a:srgbClr val="795E26"/>
+                </a:solidFill>
+                <a:latin typeface="Consolas" panose="020B0609020204030204" pitchFamily="49" charset="0"/>
+              </a:rPr>
+              <a:t>get</a:t>
+            </a:r>
+            <a:r>
+              <a:rPr lang="fi-FI" dirty="0">
+                <a:solidFill>
+                  <a:srgbClr val="000000"/>
+                </a:solidFill>
+                <a:latin typeface="Consolas" panose="020B0609020204030204" pitchFamily="49" charset="0"/>
+              </a:rPr>
+              <a:t>(</a:t>
+            </a:r>
+            <a:r>
+              <a:rPr lang="fi-FI" dirty="0">
+                <a:solidFill>
+                  <a:srgbClr val="A31515"/>
+                </a:solidFill>
+                <a:latin typeface="Consolas" panose="020B0609020204030204" pitchFamily="49" charset="0"/>
+              </a:rPr>
+              <a:t>"/"</a:t>
+            </a:r>
+            <a:r>
+              <a:rPr lang="fi-FI" dirty="0">
+                <a:solidFill>
+                  <a:srgbClr val="000000"/>
+                </a:solidFill>
+                <a:latin typeface="Consolas" panose="020B0609020204030204" pitchFamily="49" charset="0"/>
+              </a:rPr>
+              <a:t>, </a:t>
+            </a:r>
+            <a:r>
+              <a:rPr lang="fi-FI" dirty="0" err="1">
+                <a:solidFill>
+                  <a:srgbClr val="0000FF"/>
+                </a:solidFill>
+                <a:latin typeface="Consolas" panose="020B0609020204030204" pitchFamily="49" charset="0"/>
+              </a:rPr>
+              <a:t>function</a:t>
+            </a:r>
+            <a:r>
+              <a:rPr lang="fi-FI" dirty="0">
+                <a:solidFill>
+                  <a:srgbClr val="000000"/>
+                </a:solidFill>
+                <a:latin typeface="Consolas" panose="020B0609020204030204" pitchFamily="49" charset="0"/>
+              </a:rPr>
+              <a:t>(</a:t>
+            </a:r>
+            <a:r>
+              <a:rPr lang="fi-FI" dirty="0" err="1">
+                <a:solidFill>
+                  <a:srgbClr val="001080"/>
+                </a:solidFill>
+                <a:latin typeface="Consolas" panose="020B0609020204030204" pitchFamily="49" charset="0"/>
+              </a:rPr>
+              <a:t>req</a:t>
+            </a:r>
+            <a:r>
+              <a:rPr lang="fi-FI" dirty="0">
+                <a:solidFill>
+                  <a:srgbClr val="000000"/>
+                </a:solidFill>
+                <a:latin typeface="Consolas" panose="020B0609020204030204" pitchFamily="49" charset="0"/>
+              </a:rPr>
+              <a:t>, </a:t>
+            </a:r>
+            <a:r>
+              <a:rPr lang="fi-FI" dirty="0" err="1">
+                <a:solidFill>
+                  <a:srgbClr val="001080"/>
+                </a:solidFill>
+                <a:latin typeface="Consolas" panose="020B0609020204030204" pitchFamily="49" charset="0"/>
+              </a:rPr>
+              <a:t>res</a:t>
+            </a:r>
+            <a:r>
+              <a:rPr lang="fi-FI" dirty="0">
+                <a:solidFill>
+                  <a:srgbClr val="000000"/>
+                </a:solidFill>
+                <a:latin typeface="Consolas" panose="020B0609020204030204" pitchFamily="49" charset="0"/>
+              </a:rPr>
+              <a:t>) {</a:t>
+            </a:r>
+          </a:p>
+          <a:p>
+            <a:pPr marL="0" indent="0">
+              <a:buNone/>
+            </a:pPr>
+            <a:r>
+              <a:rPr lang="fi-FI" dirty="0">
+                <a:solidFill>
+                  <a:srgbClr val="000000"/>
+                </a:solidFill>
+                <a:latin typeface="Consolas" panose="020B0609020204030204" pitchFamily="49" charset="0"/>
+              </a:rPr>
+              <a:t>  </a:t>
+            </a:r>
+            <a:r>
+              <a:rPr lang="fi-FI" dirty="0" err="1">
+                <a:solidFill>
+                  <a:srgbClr val="001080"/>
+                </a:solidFill>
+                <a:latin typeface="Consolas" panose="020B0609020204030204" pitchFamily="49" charset="0"/>
+              </a:rPr>
+              <a:t>knex</a:t>
+            </a:r>
+            <a:r>
+              <a:rPr lang="fi-FI" dirty="0" err="1">
+                <a:solidFill>
+                  <a:srgbClr val="000000"/>
+                </a:solidFill>
+                <a:latin typeface="Consolas" panose="020B0609020204030204" pitchFamily="49" charset="0"/>
+              </a:rPr>
+              <a:t>.</a:t>
+            </a:r>
+            <a:r>
+              <a:rPr lang="fi-FI" dirty="0" err="1">
+                <a:solidFill>
+                  <a:srgbClr val="795E26"/>
+                </a:solidFill>
+                <a:latin typeface="Consolas" panose="020B0609020204030204" pitchFamily="49" charset="0"/>
+              </a:rPr>
+              <a:t>select</a:t>
+            </a:r>
+            <a:r>
+              <a:rPr lang="fi-FI" dirty="0">
+                <a:solidFill>
+                  <a:srgbClr val="000000"/>
+                </a:solidFill>
+                <a:latin typeface="Consolas" panose="020B0609020204030204" pitchFamily="49" charset="0"/>
+              </a:rPr>
+              <a:t>().</a:t>
+            </a:r>
+            <a:r>
+              <a:rPr lang="fi-FI" dirty="0" err="1">
+                <a:solidFill>
+                  <a:srgbClr val="795E26"/>
+                </a:solidFill>
+                <a:latin typeface="Consolas" panose="020B0609020204030204" pitchFamily="49" charset="0"/>
+              </a:rPr>
+              <a:t>from</a:t>
+            </a:r>
+            <a:r>
+              <a:rPr lang="fi-FI" dirty="0">
+                <a:solidFill>
+                  <a:srgbClr val="000000"/>
+                </a:solidFill>
+                <a:latin typeface="Consolas" panose="020B0609020204030204" pitchFamily="49" charset="0"/>
+              </a:rPr>
+              <a:t>(</a:t>
+            </a:r>
+            <a:r>
+              <a:rPr lang="fi-FI" dirty="0">
+                <a:solidFill>
+                  <a:srgbClr val="A31515"/>
+                </a:solidFill>
+                <a:latin typeface="Consolas" panose="020B0609020204030204" pitchFamily="49" charset="0"/>
+              </a:rPr>
+              <a:t>"</a:t>
+            </a:r>
+            <a:r>
+              <a:rPr lang="fi-FI" dirty="0" err="1">
+                <a:solidFill>
+                  <a:srgbClr val="A31515"/>
+                </a:solidFill>
+                <a:latin typeface="Consolas" panose="020B0609020204030204" pitchFamily="49" charset="0"/>
+              </a:rPr>
+              <a:t>Category</a:t>
+            </a:r>
+            <a:r>
+              <a:rPr lang="fi-FI" dirty="0">
+                <a:solidFill>
+                  <a:srgbClr val="A31515"/>
+                </a:solidFill>
+                <a:latin typeface="Consolas" panose="020B0609020204030204" pitchFamily="49" charset="0"/>
+              </a:rPr>
+              <a:t>"</a:t>
+            </a:r>
+            <a:r>
+              <a:rPr lang="fi-FI" dirty="0">
+                <a:solidFill>
+                  <a:srgbClr val="000000"/>
+                </a:solidFill>
+                <a:latin typeface="Consolas" panose="020B0609020204030204" pitchFamily="49" charset="0"/>
+              </a:rPr>
+              <a:t>)</a:t>
+            </a:r>
+          </a:p>
+          <a:p>
+            <a:pPr marL="0" indent="0">
+              <a:buNone/>
+            </a:pPr>
+            <a:r>
+              <a:rPr lang="fi-FI" dirty="0">
+                <a:solidFill>
+                  <a:srgbClr val="000000"/>
+                </a:solidFill>
+                <a:latin typeface="Consolas" panose="020B0609020204030204" pitchFamily="49" charset="0"/>
+              </a:rPr>
+              <a:t>    .</a:t>
+            </a:r>
+            <a:r>
+              <a:rPr lang="fi-FI" dirty="0" err="1">
+                <a:solidFill>
+                  <a:srgbClr val="795E26"/>
+                </a:solidFill>
+                <a:latin typeface="Consolas" panose="020B0609020204030204" pitchFamily="49" charset="0"/>
+              </a:rPr>
+              <a:t>then</a:t>
+            </a:r>
+            <a:r>
+              <a:rPr lang="fi-FI" dirty="0">
+                <a:solidFill>
+                  <a:srgbClr val="000000"/>
+                </a:solidFill>
+                <a:latin typeface="Consolas" panose="020B0609020204030204" pitchFamily="49" charset="0"/>
+              </a:rPr>
+              <a:t>((</a:t>
+            </a:r>
+            <a:r>
+              <a:rPr lang="fi-FI" dirty="0">
+                <a:solidFill>
+                  <a:srgbClr val="001080"/>
+                </a:solidFill>
+                <a:latin typeface="Consolas" panose="020B0609020204030204" pitchFamily="49" charset="0"/>
+              </a:rPr>
+              <a:t>data)</a:t>
+            </a:r>
+            <a:r>
+              <a:rPr lang="fi-FI" dirty="0">
+                <a:solidFill>
+                  <a:srgbClr val="000000"/>
+                </a:solidFill>
+                <a:latin typeface="Consolas" panose="020B0609020204030204" pitchFamily="49" charset="0"/>
+              </a:rPr>
+              <a:t> </a:t>
+            </a:r>
+            <a:r>
+              <a:rPr lang="fi-FI" dirty="0">
+                <a:solidFill>
+                  <a:srgbClr val="0000FF"/>
+                </a:solidFill>
+                <a:latin typeface="Consolas" panose="020B0609020204030204" pitchFamily="49" charset="0"/>
+              </a:rPr>
+              <a:t>=&gt;</a:t>
+            </a:r>
+            <a:r>
+              <a:rPr lang="fi-FI" dirty="0">
+                <a:solidFill>
+                  <a:srgbClr val="000000"/>
+                </a:solidFill>
+                <a:latin typeface="Consolas" panose="020B0609020204030204" pitchFamily="49" charset="0"/>
+              </a:rPr>
+              <a:t> {</a:t>
+            </a:r>
+          </a:p>
+          <a:p>
+            <a:pPr marL="0" indent="0">
+              <a:buNone/>
+            </a:pPr>
+            <a:r>
+              <a:rPr lang="fi-FI" dirty="0">
+                <a:solidFill>
+                  <a:srgbClr val="000000"/>
+                </a:solidFill>
+                <a:latin typeface="Consolas" panose="020B0609020204030204" pitchFamily="49" charset="0"/>
+              </a:rPr>
+              <a:t>      </a:t>
+            </a:r>
+            <a:r>
+              <a:rPr lang="fi-FI" dirty="0" err="1">
+                <a:solidFill>
+                  <a:srgbClr val="795E26"/>
+                </a:solidFill>
+                <a:latin typeface="Consolas" panose="020B0609020204030204" pitchFamily="49" charset="0"/>
+              </a:rPr>
+              <a:t>successHandler</a:t>
+            </a:r>
+            <a:r>
+              <a:rPr lang="fi-FI" dirty="0">
+                <a:solidFill>
+                  <a:srgbClr val="000000"/>
+                </a:solidFill>
+                <a:latin typeface="Consolas" panose="020B0609020204030204" pitchFamily="49" charset="0"/>
+              </a:rPr>
+              <a:t>(</a:t>
+            </a:r>
+            <a:r>
+              <a:rPr lang="fi-FI" dirty="0" err="1">
+                <a:solidFill>
+                  <a:srgbClr val="001080"/>
+                </a:solidFill>
+                <a:latin typeface="Consolas" panose="020B0609020204030204" pitchFamily="49" charset="0"/>
+              </a:rPr>
+              <a:t>res</a:t>
+            </a:r>
+            <a:r>
+              <a:rPr lang="fi-FI" dirty="0">
+                <a:solidFill>
+                  <a:srgbClr val="000000"/>
+                </a:solidFill>
+                <a:latin typeface="Consolas" panose="020B0609020204030204" pitchFamily="49" charset="0"/>
+              </a:rPr>
+              <a:t>, </a:t>
+            </a:r>
+            <a:r>
+              <a:rPr lang="fi-FI" dirty="0">
+                <a:solidFill>
+                  <a:srgbClr val="001080"/>
+                </a:solidFill>
+                <a:latin typeface="Consolas" panose="020B0609020204030204" pitchFamily="49" charset="0"/>
+              </a:rPr>
+              <a:t>data</a:t>
+            </a:r>
+            <a:r>
+              <a:rPr lang="fi-FI" dirty="0">
+                <a:solidFill>
+                  <a:srgbClr val="000000"/>
+                </a:solidFill>
+                <a:latin typeface="Consolas" panose="020B0609020204030204" pitchFamily="49" charset="0"/>
+              </a:rPr>
+              <a:t>, </a:t>
+            </a:r>
+            <a:r>
+              <a:rPr lang="fi-FI" dirty="0">
+                <a:solidFill>
+                  <a:srgbClr val="A31515"/>
+                </a:solidFill>
+                <a:latin typeface="Consolas" panose="020B0609020204030204" pitchFamily="49" charset="0"/>
+              </a:rPr>
+              <a:t>"</a:t>
+            </a:r>
+            <a:r>
+              <a:rPr lang="fi-FI" dirty="0" err="1">
+                <a:solidFill>
+                  <a:srgbClr val="A31515"/>
+                </a:solidFill>
+                <a:latin typeface="Consolas" panose="020B0609020204030204" pitchFamily="49" charset="0"/>
+              </a:rPr>
+              <a:t>category.get</a:t>
+            </a:r>
+            <a:r>
+              <a:rPr lang="fi-FI" dirty="0">
+                <a:solidFill>
+                  <a:srgbClr val="A31515"/>
+                </a:solidFill>
+                <a:latin typeface="Consolas" panose="020B0609020204030204" pitchFamily="49" charset="0"/>
+              </a:rPr>
+              <a:t>/</a:t>
+            </a:r>
+            <a:r>
+              <a:rPr lang="fi-FI" dirty="0" err="1">
+                <a:solidFill>
+                  <a:srgbClr val="A31515"/>
+                </a:solidFill>
+                <a:latin typeface="Consolas" panose="020B0609020204030204" pitchFamily="49" charset="0"/>
+              </a:rPr>
+              <a:t>all</a:t>
+            </a:r>
+            <a:r>
+              <a:rPr lang="fi-FI" dirty="0">
+                <a:solidFill>
+                  <a:srgbClr val="A31515"/>
+                </a:solidFill>
+                <a:latin typeface="Consolas" panose="020B0609020204030204" pitchFamily="49" charset="0"/>
+              </a:rPr>
+              <a:t>: </a:t>
+            </a:r>
+            <a:r>
+              <a:rPr lang="fi-FI" dirty="0" err="1">
+                <a:solidFill>
+                  <a:srgbClr val="A31515"/>
+                </a:solidFill>
+                <a:latin typeface="Consolas" panose="020B0609020204030204" pitchFamily="49" charset="0"/>
+              </a:rPr>
+              <a:t>listed</a:t>
+            </a:r>
+            <a:r>
+              <a:rPr lang="fi-FI" dirty="0">
+                <a:solidFill>
+                  <a:srgbClr val="A31515"/>
+                </a:solidFill>
+                <a:latin typeface="Consolas" panose="020B0609020204030204" pitchFamily="49" charset="0"/>
+              </a:rPr>
+              <a:t> ok </a:t>
+            </a:r>
+            <a:r>
+              <a:rPr lang="fi-FI" dirty="0" err="1">
+                <a:solidFill>
+                  <a:srgbClr val="A31515"/>
+                </a:solidFill>
+                <a:latin typeface="Consolas" panose="020B0609020204030204" pitchFamily="49" charset="0"/>
+              </a:rPr>
+              <a:t>from</a:t>
+            </a:r>
+            <a:r>
+              <a:rPr lang="fi-FI" dirty="0">
+                <a:solidFill>
+                  <a:srgbClr val="A31515"/>
+                </a:solidFill>
+                <a:latin typeface="Consolas" panose="020B0609020204030204" pitchFamily="49" charset="0"/>
+              </a:rPr>
+              <a:t> DB"</a:t>
+            </a:r>
+            <a:r>
+              <a:rPr lang="fi-FI" dirty="0">
+                <a:solidFill>
+                  <a:srgbClr val="000000"/>
+                </a:solidFill>
+                <a:latin typeface="Consolas" panose="020B0609020204030204" pitchFamily="49" charset="0"/>
+              </a:rPr>
+              <a:t>);</a:t>
+            </a:r>
+          </a:p>
+          <a:p>
+            <a:pPr marL="0" indent="0">
+              <a:buNone/>
+            </a:pPr>
+            <a:r>
+              <a:rPr lang="fi-FI" dirty="0">
+                <a:solidFill>
+                  <a:srgbClr val="000000"/>
+                </a:solidFill>
+                <a:latin typeface="Consolas" panose="020B0609020204030204" pitchFamily="49" charset="0"/>
+              </a:rPr>
+              <a:t>    })</a:t>
+            </a:r>
+          </a:p>
+          <a:p>
+            <a:pPr marL="0" indent="0">
+              <a:buNone/>
+            </a:pPr>
+            <a:r>
+              <a:rPr lang="fi-FI" dirty="0">
+                <a:solidFill>
+                  <a:srgbClr val="000000"/>
+                </a:solidFill>
+                <a:latin typeface="Consolas" panose="020B0609020204030204" pitchFamily="49" charset="0"/>
+              </a:rPr>
+              <a:t>    .</a:t>
+            </a:r>
+            <a:r>
+              <a:rPr lang="fi-FI" dirty="0" err="1">
+                <a:solidFill>
+                  <a:srgbClr val="795E26"/>
+                </a:solidFill>
+                <a:latin typeface="Consolas" panose="020B0609020204030204" pitchFamily="49" charset="0"/>
+              </a:rPr>
+              <a:t>catch</a:t>
+            </a:r>
+            <a:r>
+              <a:rPr lang="fi-FI" dirty="0">
+                <a:solidFill>
+                  <a:srgbClr val="000000"/>
+                </a:solidFill>
+                <a:latin typeface="Consolas" panose="020B0609020204030204" pitchFamily="49" charset="0"/>
+              </a:rPr>
+              <a:t>((</a:t>
+            </a:r>
+            <a:r>
+              <a:rPr lang="fi-FI" dirty="0" err="1">
+                <a:solidFill>
+                  <a:srgbClr val="001080"/>
+                </a:solidFill>
+                <a:latin typeface="Consolas" panose="020B0609020204030204" pitchFamily="49" charset="0"/>
+              </a:rPr>
+              <a:t>error</a:t>
+            </a:r>
+            <a:r>
+              <a:rPr lang="fi-FI" dirty="0">
+                <a:solidFill>
+                  <a:srgbClr val="000000"/>
+                </a:solidFill>
+                <a:latin typeface="Consolas" panose="020B0609020204030204" pitchFamily="49" charset="0"/>
+              </a:rPr>
+              <a:t>) </a:t>
+            </a:r>
+            <a:r>
+              <a:rPr lang="fi-FI" dirty="0">
+                <a:solidFill>
+                  <a:srgbClr val="0000FF"/>
+                </a:solidFill>
+                <a:latin typeface="Consolas" panose="020B0609020204030204" pitchFamily="49" charset="0"/>
+              </a:rPr>
+              <a:t>=&gt;</a:t>
+            </a:r>
+            <a:r>
+              <a:rPr lang="fi-FI" dirty="0">
+                <a:solidFill>
+                  <a:srgbClr val="000000"/>
+                </a:solidFill>
+                <a:latin typeface="Consolas" panose="020B0609020204030204" pitchFamily="49" charset="0"/>
+              </a:rPr>
+              <a:t> {</a:t>
+            </a:r>
+          </a:p>
+          <a:p>
+            <a:pPr marL="0" indent="0">
+              <a:buNone/>
+            </a:pPr>
+            <a:r>
+              <a:rPr lang="fi-FI" dirty="0">
+                <a:solidFill>
+                  <a:srgbClr val="000000"/>
+                </a:solidFill>
+                <a:latin typeface="Consolas" panose="020B0609020204030204" pitchFamily="49" charset="0"/>
+              </a:rPr>
+              <a:t>      </a:t>
+            </a:r>
+            <a:r>
+              <a:rPr lang="fi-FI" dirty="0" err="1">
+                <a:solidFill>
+                  <a:srgbClr val="795E26"/>
+                </a:solidFill>
+                <a:latin typeface="Consolas" panose="020B0609020204030204" pitchFamily="49" charset="0"/>
+              </a:rPr>
+              <a:t>databaseErrorHandler</a:t>
+            </a:r>
+            <a:r>
+              <a:rPr lang="fi-FI" dirty="0">
+                <a:solidFill>
+                  <a:srgbClr val="000000"/>
+                </a:solidFill>
+                <a:latin typeface="Consolas" panose="020B0609020204030204" pitchFamily="49" charset="0"/>
+              </a:rPr>
+              <a:t>(</a:t>
+            </a:r>
+            <a:r>
+              <a:rPr lang="fi-FI" dirty="0" err="1">
+                <a:solidFill>
+                  <a:srgbClr val="001080"/>
+                </a:solidFill>
+                <a:latin typeface="Consolas" panose="020B0609020204030204" pitchFamily="49" charset="0"/>
+              </a:rPr>
+              <a:t>res</a:t>
+            </a:r>
+            <a:r>
+              <a:rPr lang="fi-FI" dirty="0">
+                <a:solidFill>
+                  <a:srgbClr val="000000"/>
+                </a:solidFill>
+                <a:latin typeface="Consolas" panose="020B0609020204030204" pitchFamily="49" charset="0"/>
+              </a:rPr>
+              <a:t>, </a:t>
+            </a:r>
+            <a:r>
+              <a:rPr lang="fi-FI" dirty="0" err="1">
+                <a:solidFill>
+                  <a:srgbClr val="001080"/>
+                </a:solidFill>
+                <a:latin typeface="Consolas" panose="020B0609020204030204" pitchFamily="49" charset="0"/>
+              </a:rPr>
+              <a:t>error</a:t>
+            </a:r>
+            <a:r>
+              <a:rPr lang="fi-FI" dirty="0">
+                <a:solidFill>
+                  <a:srgbClr val="000000"/>
+                </a:solidFill>
+                <a:latin typeface="Consolas" panose="020B0609020204030204" pitchFamily="49" charset="0"/>
+              </a:rPr>
+              <a:t>, </a:t>
+            </a:r>
+            <a:r>
+              <a:rPr lang="fi-FI" dirty="0">
+                <a:solidFill>
+                  <a:srgbClr val="A31515"/>
+                </a:solidFill>
+                <a:latin typeface="Consolas" panose="020B0609020204030204" pitchFamily="49" charset="0"/>
+              </a:rPr>
+              <a:t>"</a:t>
+            </a:r>
+            <a:r>
+              <a:rPr lang="fi-FI" dirty="0" err="1">
+                <a:solidFill>
+                  <a:srgbClr val="A31515"/>
+                </a:solidFill>
+                <a:latin typeface="Consolas" panose="020B0609020204030204" pitchFamily="49" charset="0"/>
+              </a:rPr>
+              <a:t>category.get</a:t>
+            </a:r>
+            <a:r>
+              <a:rPr lang="fi-FI" dirty="0">
+                <a:solidFill>
+                  <a:srgbClr val="A31515"/>
+                </a:solidFill>
+                <a:latin typeface="Consolas" panose="020B0609020204030204" pitchFamily="49" charset="0"/>
+              </a:rPr>
+              <a:t>/</a:t>
+            </a:r>
+            <a:r>
+              <a:rPr lang="fi-FI" dirty="0" err="1">
+                <a:solidFill>
+                  <a:srgbClr val="A31515"/>
+                </a:solidFill>
+                <a:latin typeface="Consolas" panose="020B0609020204030204" pitchFamily="49" charset="0"/>
+              </a:rPr>
+              <a:t>all</a:t>
+            </a:r>
+            <a:r>
+              <a:rPr lang="fi-FI" dirty="0">
+                <a:solidFill>
+                  <a:srgbClr val="A31515"/>
+                </a:solidFill>
+                <a:latin typeface="Consolas" panose="020B0609020204030204" pitchFamily="49" charset="0"/>
+              </a:rPr>
+              <a:t>: "</a:t>
+            </a:r>
+            <a:r>
+              <a:rPr lang="fi-FI" dirty="0">
+                <a:solidFill>
+                  <a:srgbClr val="000000"/>
+                </a:solidFill>
+                <a:latin typeface="Consolas" panose="020B0609020204030204" pitchFamily="49" charset="0"/>
+              </a:rPr>
+              <a:t>);</a:t>
+            </a:r>
+          </a:p>
+          <a:p>
+            <a:pPr marL="0" indent="0">
+              <a:buNone/>
+            </a:pPr>
+            <a:r>
+              <a:rPr lang="fi-FI" dirty="0">
+                <a:solidFill>
+                  <a:srgbClr val="000000"/>
+                </a:solidFill>
+                <a:latin typeface="Consolas" panose="020B0609020204030204" pitchFamily="49" charset="0"/>
+              </a:rPr>
+              <a:t>    });</a:t>
+            </a:r>
+          </a:p>
+          <a:p>
+            <a:pPr marL="0" indent="0">
+              <a:buNone/>
+            </a:pPr>
+            <a:r>
+              <a:rPr lang="fi-FI" dirty="0">
+                <a:solidFill>
+                  <a:srgbClr val="000000"/>
+                </a:solidFill>
+                <a:latin typeface="Consolas" panose="020B0609020204030204" pitchFamily="49" charset="0"/>
+              </a:rPr>
+              <a:t>});</a:t>
+            </a:r>
+          </a:p>
+          <a:p>
+            <a:pPr marL="0" indent="0">
+              <a:buNone/>
+            </a:pPr>
+            <a:endParaRPr lang="en-US" b="1" i="1" dirty="0"/>
+          </a:p>
+          <a:p>
+            <a:pPr marL="0" indent="0">
+              <a:buNone/>
+            </a:pPr>
+            <a:r>
+              <a:rPr lang="en-US" b="1" i="1" dirty="0"/>
+              <a:t>// What to see in this code? First, when is each part of the code executed? First think, then see the answer on the next slide</a:t>
+            </a:r>
+          </a:p>
+        </p:txBody>
+      </p:sp>
+      <p:sp>
+        <p:nvSpPr>
+          <p:cNvPr id="5" name="Date Placeholder 4">
+            <a:extLst>
+              <a:ext uri="{FF2B5EF4-FFF2-40B4-BE49-F238E27FC236}">
+                <a16:creationId xmlns:a16="http://schemas.microsoft.com/office/drawing/2014/main" id="{976244E2-AA76-2742-B2EC-FEC79276155C}"/>
+              </a:ext>
+            </a:extLst>
+          </p:cNvPr>
+          <p:cNvSpPr>
+            <a:spLocks noGrp="1"/>
+          </p:cNvSpPr>
+          <p:nvPr>
+            <p:ph type="dt" sz="half" idx="10"/>
+          </p:nvPr>
+        </p:nvSpPr>
+        <p:spPr/>
+        <p:txBody>
+          <a:bodyPr/>
+          <a:lstStyle/>
+          <a:p>
+            <a:fld id="{202E1EC2-47B8-044B-A09E-6A63B4D80C87}" type="datetime1">
+              <a:rPr lang="fi-FI" smtClean="0"/>
+              <a:t>8.2.2023</a:t>
+            </a:fld>
+            <a:endParaRPr lang="en-GB"/>
+          </a:p>
+        </p:txBody>
+      </p:sp>
+      <p:sp>
+        <p:nvSpPr>
+          <p:cNvPr id="6" name="Footer Placeholder 5">
+            <a:extLst>
+              <a:ext uri="{FF2B5EF4-FFF2-40B4-BE49-F238E27FC236}">
+                <a16:creationId xmlns:a16="http://schemas.microsoft.com/office/drawing/2014/main" id="{588CE607-4137-8840-8FEA-42EAC857E3A3}"/>
+              </a:ext>
+            </a:extLst>
+          </p:cNvPr>
+          <p:cNvSpPr>
+            <a:spLocks noGrp="1"/>
+          </p:cNvSpPr>
+          <p:nvPr>
+            <p:ph type="ftr" sz="quarter" idx="11"/>
+          </p:nvPr>
+        </p:nvSpPr>
+        <p:spPr/>
+        <p:txBody>
+          <a:bodyPr/>
+          <a:lstStyle/>
+          <a:p>
+            <a:endParaRPr lang="en-GB"/>
+          </a:p>
+        </p:txBody>
+      </p:sp>
+      <p:sp>
+        <p:nvSpPr>
+          <p:cNvPr id="7" name="Slide Number Placeholder 6">
+            <a:extLst>
+              <a:ext uri="{FF2B5EF4-FFF2-40B4-BE49-F238E27FC236}">
+                <a16:creationId xmlns:a16="http://schemas.microsoft.com/office/drawing/2014/main" id="{2E133A96-6C73-0844-B8CB-27C2B5F4CFB1}"/>
+              </a:ext>
+            </a:extLst>
+          </p:cNvPr>
+          <p:cNvSpPr>
+            <a:spLocks noGrp="1"/>
+          </p:cNvSpPr>
+          <p:nvPr>
+            <p:ph type="sldNum" sz="quarter" idx="12"/>
+          </p:nvPr>
+        </p:nvSpPr>
+        <p:spPr/>
+        <p:txBody>
+          <a:bodyPr/>
+          <a:lstStyle/>
+          <a:p>
+            <a:fld id="{76BAB7ED-EDE9-4D4B-9A2D-30E18C47C16E}" type="slidenum">
+              <a:rPr lang="en-GB" smtClean="0"/>
+              <a:t>4</a:t>
+            </a:fld>
+            <a:endParaRPr lang="en-GB"/>
+          </a:p>
+        </p:txBody>
+      </p:sp>
+    </p:spTree>
+    <p:extLst>
+      <p:ext uri="{BB962C8B-B14F-4D97-AF65-F5344CB8AC3E}">
+        <p14:creationId xmlns:p14="http://schemas.microsoft.com/office/powerpoint/2010/main" val="75825825"/>
+      </p:ext>
+    </p:extLst>
+  </p:cSld>
+  <p:clrMapOvr>
+    <a:masterClrMapping/>
+  </p:clrMapOvr>
+</p:sld>
+</file>
+
+<file path=ppt/slides/slide5.xml><?xml version="1.0" encoding="utf-8"?>
+<p:sld xmlns:a="http://schemas.openxmlformats.org/drawingml/2006/main" xmlns:r="http://schemas.openxmlformats.org/officeDocument/2006/relationships" xmlns:p="http://schemas.openxmlformats.org/presentationml/2006/main">
+  <p:cSld>
+    <p:spTree>
+      <p:nvGrpSpPr>
+        <p:cNvPr id="1" name=""/>
+        <p:cNvGrpSpPr/>
+        <p:nvPr/>
+      </p:nvGrpSpPr>
+      <p:grpSpPr>
+        <a:xfrm>
+          <a:off x="0" y="0"/>
+          <a:ext cx="0" cy="0"/>
+          <a:chOff x="0" y="0"/>
+          <a:chExt cx="0" cy="0"/>
+        </a:xfrm>
+      </p:grpSpPr>
+      <p:sp>
+        <p:nvSpPr>
+          <p:cNvPr id="8" name="Title 7">
+            <a:extLst>
+              <a:ext uri="{FF2B5EF4-FFF2-40B4-BE49-F238E27FC236}">
+                <a16:creationId xmlns:a16="http://schemas.microsoft.com/office/drawing/2014/main" id="{197044C3-CD23-D844-B780-26FABA91AD0F}"/>
+              </a:ext>
+            </a:extLst>
+          </p:cNvPr>
+          <p:cNvSpPr>
+            <a:spLocks noGrp="1"/>
+          </p:cNvSpPr>
+          <p:nvPr>
+            <p:ph type="title"/>
+          </p:nvPr>
+        </p:nvSpPr>
+        <p:spPr/>
+        <p:txBody>
+          <a:bodyPr/>
+          <a:lstStyle/>
+          <a:p>
+            <a:r>
+              <a:rPr lang="fi-FI" dirty="0" err="1"/>
+              <a:t>Code</a:t>
+            </a:r>
+            <a:r>
+              <a:rPr lang="fi-FI" dirty="0"/>
+              <a:t> </a:t>
+            </a:r>
+            <a:r>
+              <a:rPr lang="fi-FI" dirty="0" err="1"/>
+              <a:t>executed</a:t>
+            </a:r>
+            <a:r>
+              <a:rPr lang="fi-FI" dirty="0"/>
+              <a:t> in </a:t>
+            </a:r>
+            <a:r>
+              <a:rPr lang="fi-FI" dirty="0" err="1"/>
+              <a:t>three</a:t>
+            </a:r>
+            <a:r>
+              <a:rPr lang="fi-FI" dirty="0"/>
+              <a:t> </a:t>
+            </a:r>
+            <a:r>
+              <a:rPr lang="fi-FI" dirty="0" err="1"/>
+              <a:t>different</a:t>
+            </a:r>
+            <a:r>
+              <a:rPr lang="fi-FI" dirty="0"/>
+              <a:t> </a:t>
+            </a:r>
+            <a:r>
+              <a:rPr lang="fi-FI" dirty="0" err="1"/>
+              <a:t>moments</a:t>
+            </a:r>
+            <a:r>
+              <a:rPr lang="fi-FI" dirty="0"/>
+              <a:t> in </a:t>
+            </a:r>
+            <a:r>
+              <a:rPr lang="fi-FI" dirty="0" err="1"/>
+              <a:t>time</a:t>
+            </a:r>
+            <a:endParaRPr lang="fi-FI" dirty="0"/>
+          </a:p>
+        </p:txBody>
+      </p:sp>
+      <p:sp>
+        <p:nvSpPr>
+          <p:cNvPr id="9" name="Content Placeholder 8">
+            <a:extLst>
+              <a:ext uri="{FF2B5EF4-FFF2-40B4-BE49-F238E27FC236}">
+                <a16:creationId xmlns:a16="http://schemas.microsoft.com/office/drawing/2014/main" id="{ACDE61D8-A75A-F94B-B57A-46F276C03311}"/>
+              </a:ext>
+            </a:extLst>
+          </p:cNvPr>
+          <p:cNvSpPr>
+            <a:spLocks noGrp="1"/>
+          </p:cNvSpPr>
+          <p:nvPr>
+            <p:ph sz="half" idx="2"/>
+          </p:nvPr>
+        </p:nvSpPr>
+        <p:spPr>
+          <a:xfrm>
+            <a:off x="550864" y="1283300"/>
+            <a:ext cx="11125198" cy="4630138"/>
+          </a:xfrm>
+        </p:spPr>
+        <p:txBody>
+          <a:bodyPr>
+            <a:normAutofit/>
+          </a:bodyPr>
+          <a:lstStyle/>
+          <a:p>
+            <a:pPr marL="0" indent="0">
+              <a:buNone/>
+            </a:pPr>
+            <a:r>
+              <a:rPr lang="fi-FI" b="1" u="sng" dirty="0" err="1">
+                <a:solidFill>
+                  <a:srgbClr val="0070C1"/>
+                </a:solidFill>
+                <a:latin typeface="Consolas" panose="020B0609020204030204" pitchFamily="49" charset="0"/>
+              </a:rPr>
+              <a:t>category</a:t>
+            </a:r>
+            <a:r>
+              <a:rPr lang="fi-FI" b="1" u="sng" dirty="0" err="1">
+                <a:solidFill>
+                  <a:srgbClr val="000000"/>
+                </a:solidFill>
+                <a:latin typeface="Consolas" panose="020B0609020204030204" pitchFamily="49" charset="0"/>
+              </a:rPr>
+              <a:t>.</a:t>
+            </a:r>
+            <a:r>
+              <a:rPr lang="fi-FI" b="1" u="sng" dirty="0" err="1">
+                <a:solidFill>
+                  <a:srgbClr val="795E26"/>
+                </a:solidFill>
+                <a:latin typeface="Consolas" panose="020B0609020204030204" pitchFamily="49" charset="0"/>
+              </a:rPr>
+              <a:t>get</a:t>
+            </a:r>
+            <a:r>
+              <a:rPr lang="fi-FI" b="1" u="sng" dirty="0">
+                <a:solidFill>
+                  <a:srgbClr val="000000"/>
+                </a:solidFill>
+                <a:latin typeface="Consolas" panose="020B0609020204030204" pitchFamily="49" charset="0"/>
+              </a:rPr>
+              <a:t>(</a:t>
+            </a:r>
+            <a:r>
+              <a:rPr lang="fi-FI" b="1" u="sng" dirty="0">
+                <a:solidFill>
+                  <a:srgbClr val="A31515"/>
+                </a:solidFill>
+                <a:latin typeface="Consolas" panose="020B0609020204030204" pitchFamily="49" charset="0"/>
+              </a:rPr>
+              <a:t>"/"</a:t>
+            </a:r>
+            <a:r>
+              <a:rPr lang="fi-FI" b="1" u="sng" dirty="0">
+                <a:solidFill>
+                  <a:srgbClr val="000000"/>
+                </a:solidFill>
+                <a:latin typeface="Consolas" panose="020B0609020204030204" pitchFamily="49" charset="0"/>
+              </a:rPr>
+              <a:t>,</a:t>
+            </a:r>
+            <a:r>
+              <a:rPr lang="fi-FI" b="1" dirty="0">
+                <a:solidFill>
+                  <a:srgbClr val="000000"/>
+                </a:solidFill>
+                <a:latin typeface="Consolas" panose="020B0609020204030204" pitchFamily="49" charset="0"/>
+              </a:rPr>
+              <a:t> </a:t>
+            </a:r>
+            <a:r>
+              <a:rPr lang="fi-FI" dirty="0" err="1">
+                <a:solidFill>
+                  <a:srgbClr val="0000FF"/>
+                </a:solidFill>
+                <a:latin typeface="Consolas" panose="020B0609020204030204" pitchFamily="49" charset="0"/>
+              </a:rPr>
+              <a:t>function</a:t>
+            </a:r>
+            <a:r>
+              <a:rPr lang="fi-FI" dirty="0">
+                <a:solidFill>
+                  <a:srgbClr val="000000"/>
+                </a:solidFill>
+                <a:latin typeface="Consolas" panose="020B0609020204030204" pitchFamily="49" charset="0"/>
+              </a:rPr>
+              <a:t>(</a:t>
+            </a:r>
+            <a:r>
+              <a:rPr lang="fi-FI" dirty="0" err="1">
+                <a:solidFill>
+                  <a:srgbClr val="001080"/>
+                </a:solidFill>
+                <a:latin typeface="Consolas" panose="020B0609020204030204" pitchFamily="49" charset="0"/>
+              </a:rPr>
+              <a:t>req</a:t>
+            </a:r>
+            <a:r>
+              <a:rPr lang="fi-FI" dirty="0">
+                <a:solidFill>
+                  <a:srgbClr val="000000"/>
+                </a:solidFill>
+                <a:latin typeface="Consolas" panose="020B0609020204030204" pitchFamily="49" charset="0"/>
+              </a:rPr>
+              <a:t>, </a:t>
+            </a:r>
+            <a:r>
+              <a:rPr lang="fi-FI" dirty="0" err="1">
+                <a:solidFill>
+                  <a:srgbClr val="001080"/>
+                </a:solidFill>
+                <a:latin typeface="Consolas" panose="020B0609020204030204" pitchFamily="49" charset="0"/>
+              </a:rPr>
+              <a:t>res</a:t>
+            </a:r>
+            <a:r>
+              <a:rPr lang="fi-FI" dirty="0">
+                <a:solidFill>
+                  <a:srgbClr val="000000"/>
+                </a:solidFill>
+                <a:latin typeface="Consolas" panose="020B0609020204030204" pitchFamily="49" charset="0"/>
+              </a:rPr>
+              <a:t>) {</a:t>
+            </a:r>
+          </a:p>
+          <a:p>
+            <a:pPr marL="0" indent="0">
+              <a:buNone/>
+            </a:pPr>
+            <a:r>
+              <a:rPr lang="fi-FI" dirty="0">
+                <a:solidFill>
+                  <a:srgbClr val="000000"/>
+                </a:solidFill>
+                <a:latin typeface="Consolas" panose="020B0609020204030204" pitchFamily="49" charset="0"/>
+              </a:rPr>
+              <a:t>  </a:t>
+            </a:r>
+            <a:r>
+              <a:rPr lang="fi-FI" dirty="0" err="1">
+                <a:solidFill>
+                  <a:srgbClr val="001080"/>
+                </a:solidFill>
+                <a:latin typeface="Consolas" panose="020B0609020204030204" pitchFamily="49" charset="0"/>
+              </a:rPr>
+              <a:t>knex</a:t>
+            </a:r>
+            <a:r>
+              <a:rPr lang="fi-FI" dirty="0" err="1">
+                <a:solidFill>
+                  <a:srgbClr val="000000"/>
+                </a:solidFill>
+                <a:latin typeface="Consolas" panose="020B0609020204030204" pitchFamily="49" charset="0"/>
+              </a:rPr>
+              <a:t>.</a:t>
+            </a:r>
+            <a:r>
+              <a:rPr lang="fi-FI" dirty="0" err="1">
+                <a:solidFill>
+                  <a:srgbClr val="795E26"/>
+                </a:solidFill>
+                <a:latin typeface="Consolas" panose="020B0609020204030204" pitchFamily="49" charset="0"/>
+              </a:rPr>
+              <a:t>select</a:t>
+            </a:r>
+            <a:r>
+              <a:rPr lang="fi-FI" dirty="0">
+                <a:solidFill>
+                  <a:srgbClr val="000000"/>
+                </a:solidFill>
+                <a:latin typeface="Consolas" panose="020B0609020204030204" pitchFamily="49" charset="0"/>
+              </a:rPr>
+              <a:t>().</a:t>
+            </a:r>
+            <a:r>
+              <a:rPr lang="fi-FI" dirty="0" err="1">
+                <a:solidFill>
+                  <a:srgbClr val="795E26"/>
+                </a:solidFill>
+                <a:latin typeface="Consolas" panose="020B0609020204030204" pitchFamily="49" charset="0"/>
+              </a:rPr>
+              <a:t>from</a:t>
+            </a:r>
+            <a:r>
+              <a:rPr lang="fi-FI" dirty="0">
+                <a:solidFill>
+                  <a:srgbClr val="000000"/>
+                </a:solidFill>
+                <a:latin typeface="Consolas" panose="020B0609020204030204" pitchFamily="49" charset="0"/>
+              </a:rPr>
+              <a:t>(</a:t>
+            </a:r>
+            <a:r>
+              <a:rPr lang="fi-FI" dirty="0">
+                <a:solidFill>
+                  <a:srgbClr val="A31515"/>
+                </a:solidFill>
+                <a:latin typeface="Consolas" panose="020B0609020204030204" pitchFamily="49" charset="0"/>
+              </a:rPr>
+              <a:t>"</a:t>
+            </a:r>
+            <a:r>
+              <a:rPr lang="fi-FI" dirty="0" err="1">
+                <a:solidFill>
+                  <a:srgbClr val="A31515"/>
+                </a:solidFill>
+                <a:latin typeface="Consolas" panose="020B0609020204030204" pitchFamily="49" charset="0"/>
+              </a:rPr>
+              <a:t>Category</a:t>
+            </a:r>
+            <a:r>
+              <a:rPr lang="fi-FI" dirty="0">
+                <a:solidFill>
+                  <a:srgbClr val="A31515"/>
+                </a:solidFill>
+                <a:latin typeface="Consolas" panose="020B0609020204030204" pitchFamily="49" charset="0"/>
+              </a:rPr>
+              <a:t>"</a:t>
+            </a:r>
+            <a:r>
+              <a:rPr lang="fi-FI" dirty="0">
+                <a:solidFill>
+                  <a:srgbClr val="000000"/>
+                </a:solidFill>
+                <a:latin typeface="Consolas" panose="020B0609020204030204" pitchFamily="49" charset="0"/>
+              </a:rPr>
+              <a:t>)</a:t>
+            </a:r>
+          </a:p>
+          <a:p>
+            <a:pPr marL="0" indent="0">
+              <a:buNone/>
+            </a:pPr>
+            <a:r>
+              <a:rPr lang="fi-FI" dirty="0">
+                <a:solidFill>
+                  <a:srgbClr val="000000"/>
+                </a:solidFill>
+                <a:latin typeface="Consolas" panose="020B0609020204030204" pitchFamily="49" charset="0"/>
+              </a:rPr>
+              <a:t>    .</a:t>
+            </a:r>
+            <a:r>
+              <a:rPr lang="fi-FI" dirty="0" err="1">
+                <a:solidFill>
+                  <a:srgbClr val="795E26"/>
+                </a:solidFill>
+                <a:latin typeface="Consolas" panose="020B0609020204030204" pitchFamily="49" charset="0"/>
+              </a:rPr>
+              <a:t>then</a:t>
+            </a:r>
+            <a:r>
+              <a:rPr lang="fi-FI" dirty="0">
+                <a:solidFill>
+                  <a:srgbClr val="000000"/>
+                </a:solidFill>
+                <a:latin typeface="Consolas" panose="020B0609020204030204" pitchFamily="49" charset="0"/>
+              </a:rPr>
+              <a:t>((</a:t>
+            </a:r>
+            <a:r>
+              <a:rPr lang="fi-FI" dirty="0">
+                <a:solidFill>
+                  <a:srgbClr val="001080"/>
+                </a:solidFill>
+                <a:latin typeface="Consolas" panose="020B0609020204030204" pitchFamily="49" charset="0"/>
+              </a:rPr>
+              <a:t>data)</a:t>
+            </a:r>
+            <a:r>
+              <a:rPr lang="fi-FI" dirty="0">
+                <a:solidFill>
+                  <a:srgbClr val="000000"/>
+                </a:solidFill>
+                <a:latin typeface="Consolas" panose="020B0609020204030204" pitchFamily="49" charset="0"/>
+              </a:rPr>
+              <a:t> </a:t>
+            </a:r>
+            <a:r>
+              <a:rPr lang="fi-FI" dirty="0">
+                <a:solidFill>
+                  <a:srgbClr val="0000FF"/>
+                </a:solidFill>
+                <a:latin typeface="Consolas" panose="020B0609020204030204" pitchFamily="49" charset="0"/>
+              </a:rPr>
+              <a:t>=&gt;</a:t>
+            </a:r>
+            <a:r>
+              <a:rPr lang="fi-FI" dirty="0">
+                <a:solidFill>
+                  <a:srgbClr val="000000"/>
+                </a:solidFill>
+                <a:latin typeface="Consolas" panose="020B0609020204030204" pitchFamily="49" charset="0"/>
+              </a:rPr>
+              <a:t> {</a:t>
+            </a:r>
+          </a:p>
+          <a:p>
+            <a:pPr marL="0" indent="0">
+              <a:buNone/>
+            </a:pPr>
+            <a:r>
+              <a:rPr lang="fi-FI" dirty="0">
+                <a:solidFill>
+                  <a:srgbClr val="000000"/>
+                </a:solidFill>
+                <a:latin typeface="Consolas" panose="020B0609020204030204" pitchFamily="49" charset="0"/>
+              </a:rPr>
+              <a:t>      </a:t>
+            </a:r>
+            <a:r>
+              <a:rPr lang="fi-FI" dirty="0" err="1">
+                <a:solidFill>
+                  <a:srgbClr val="795E26"/>
+                </a:solidFill>
+                <a:latin typeface="Consolas" panose="020B0609020204030204" pitchFamily="49" charset="0"/>
+              </a:rPr>
+              <a:t>successHandler</a:t>
+            </a:r>
+            <a:r>
+              <a:rPr lang="fi-FI" dirty="0">
+                <a:solidFill>
+                  <a:srgbClr val="000000"/>
+                </a:solidFill>
+                <a:latin typeface="Consolas" panose="020B0609020204030204" pitchFamily="49" charset="0"/>
+              </a:rPr>
+              <a:t>(</a:t>
+            </a:r>
+            <a:r>
+              <a:rPr lang="fi-FI" dirty="0" err="1">
+                <a:solidFill>
+                  <a:srgbClr val="001080"/>
+                </a:solidFill>
+                <a:latin typeface="Consolas" panose="020B0609020204030204" pitchFamily="49" charset="0"/>
+              </a:rPr>
+              <a:t>res</a:t>
+            </a:r>
+            <a:r>
+              <a:rPr lang="fi-FI" dirty="0">
+                <a:solidFill>
+                  <a:srgbClr val="000000"/>
+                </a:solidFill>
+                <a:latin typeface="Consolas" panose="020B0609020204030204" pitchFamily="49" charset="0"/>
+              </a:rPr>
+              <a:t>, </a:t>
+            </a:r>
+            <a:r>
+              <a:rPr lang="fi-FI" dirty="0">
+                <a:solidFill>
+                  <a:srgbClr val="001080"/>
+                </a:solidFill>
+                <a:latin typeface="Consolas" panose="020B0609020204030204" pitchFamily="49" charset="0"/>
+              </a:rPr>
+              <a:t>data</a:t>
+            </a:r>
+            <a:r>
+              <a:rPr lang="fi-FI" dirty="0">
+                <a:solidFill>
+                  <a:srgbClr val="000000"/>
+                </a:solidFill>
+                <a:latin typeface="Consolas" panose="020B0609020204030204" pitchFamily="49" charset="0"/>
+              </a:rPr>
+              <a:t>, </a:t>
+            </a:r>
+            <a:r>
+              <a:rPr lang="fi-FI" dirty="0">
+                <a:solidFill>
+                  <a:srgbClr val="A31515"/>
+                </a:solidFill>
+                <a:latin typeface="Consolas" panose="020B0609020204030204" pitchFamily="49" charset="0"/>
+              </a:rPr>
+              <a:t>"</a:t>
+            </a:r>
+            <a:r>
+              <a:rPr lang="fi-FI" dirty="0" err="1">
+                <a:solidFill>
+                  <a:srgbClr val="A31515"/>
+                </a:solidFill>
+                <a:latin typeface="Consolas" panose="020B0609020204030204" pitchFamily="49" charset="0"/>
+              </a:rPr>
+              <a:t>category.get</a:t>
+            </a:r>
+            <a:r>
+              <a:rPr lang="fi-FI" dirty="0">
+                <a:solidFill>
+                  <a:srgbClr val="A31515"/>
+                </a:solidFill>
+                <a:latin typeface="Consolas" panose="020B0609020204030204" pitchFamily="49" charset="0"/>
+              </a:rPr>
+              <a:t>/</a:t>
+            </a:r>
+            <a:r>
+              <a:rPr lang="fi-FI" dirty="0" err="1">
+                <a:solidFill>
+                  <a:srgbClr val="A31515"/>
+                </a:solidFill>
+                <a:latin typeface="Consolas" panose="020B0609020204030204" pitchFamily="49" charset="0"/>
+              </a:rPr>
+              <a:t>all</a:t>
+            </a:r>
+            <a:r>
+              <a:rPr lang="fi-FI" dirty="0">
+                <a:solidFill>
+                  <a:srgbClr val="A31515"/>
+                </a:solidFill>
+                <a:latin typeface="Consolas" panose="020B0609020204030204" pitchFamily="49" charset="0"/>
+              </a:rPr>
+              <a:t>: </a:t>
+            </a:r>
+            <a:r>
+              <a:rPr lang="fi-FI" dirty="0" err="1">
+                <a:solidFill>
+                  <a:srgbClr val="A31515"/>
+                </a:solidFill>
+                <a:latin typeface="Consolas" panose="020B0609020204030204" pitchFamily="49" charset="0"/>
+              </a:rPr>
+              <a:t>listed</a:t>
+            </a:r>
+            <a:r>
+              <a:rPr lang="fi-FI" dirty="0">
+                <a:solidFill>
+                  <a:srgbClr val="A31515"/>
+                </a:solidFill>
+                <a:latin typeface="Consolas" panose="020B0609020204030204" pitchFamily="49" charset="0"/>
+              </a:rPr>
+              <a:t> ok </a:t>
+            </a:r>
+            <a:r>
+              <a:rPr lang="fi-FI" dirty="0" err="1">
+                <a:solidFill>
+                  <a:srgbClr val="A31515"/>
+                </a:solidFill>
+                <a:latin typeface="Consolas" panose="020B0609020204030204" pitchFamily="49" charset="0"/>
+              </a:rPr>
+              <a:t>from</a:t>
+            </a:r>
+            <a:r>
+              <a:rPr lang="fi-FI" dirty="0">
+                <a:solidFill>
+                  <a:srgbClr val="A31515"/>
+                </a:solidFill>
+                <a:latin typeface="Consolas" panose="020B0609020204030204" pitchFamily="49" charset="0"/>
+              </a:rPr>
+              <a:t> DB"</a:t>
+            </a:r>
+            <a:r>
+              <a:rPr lang="fi-FI" dirty="0">
+                <a:solidFill>
+                  <a:srgbClr val="000000"/>
+                </a:solidFill>
+                <a:latin typeface="Consolas" panose="020B0609020204030204" pitchFamily="49" charset="0"/>
+              </a:rPr>
+              <a:t>);</a:t>
+            </a:r>
+          </a:p>
+          <a:p>
+            <a:pPr marL="0" indent="0">
+              <a:buNone/>
+            </a:pPr>
+            <a:r>
+              <a:rPr lang="fi-FI" dirty="0">
+                <a:solidFill>
+                  <a:srgbClr val="000000"/>
+                </a:solidFill>
+                <a:latin typeface="Consolas" panose="020B0609020204030204" pitchFamily="49" charset="0"/>
+              </a:rPr>
+              <a:t>    })</a:t>
+            </a:r>
+          </a:p>
+          <a:p>
+            <a:pPr marL="0" indent="0">
+              <a:buNone/>
+            </a:pPr>
+            <a:r>
+              <a:rPr lang="fi-FI" dirty="0">
+                <a:solidFill>
+                  <a:srgbClr val="000000"/>
+                </a:solidFill>
+                <a:latin typeface="Consolas" panose="020B0609020204030204" pitchFamily="49" charset="0"/>
+              </a:rPr>
+              <a:t>    .</a:t>
+            </a:r>
+            <a:r>
+              <a:rPr lang="fi-FI" dirty="0" err="1">
+                <a:solidFill>
+                  <a:srgbClr val="795E26"/>
+                </a:solidFill>
+                <a:latin typeface="Consolas" panose="020B0609020204030204" pitchFamily="49" charset="0"/>
+              </a:rPr>
+              <a:t>catch</a:t>
+            </a:r>
+            <a:r>
+              <a:rPr lang="fi-FI" dirty="0">
+                <a:solidFill>
+                  <a:srgbClr val="000000"/>
+                </a:solidFill>
+                <a:latin typeface="Consolas" panose="020B0609020204030204" pitchFamily="49" charset="0"/>
+              </a:rPr>
+              <a:t>((</a:t>
+            </a:r>
+            <a:r>
+              <a:rPr lang="fi-FI" dirty="0" err="1">
+                <a:solidFill>
+                  <a:srgbClr val="001080"/>
+                </a:solidFill>
+                <a:latin typeface="Consolas" panose="020B0609020204030204" pitchFamily="49" charset="0"/>
+              </a:rPr>
+              <a:t>error</a:t>
+            </a:r>
+            <a:r>
+              <a:rPr lang="fi-FI" dirty="0">
+                <a:solidFill>
+                  <a:srgbClr val="000000"/>
+                </a:solidFill>
+                <a:latin typeface="Consolas" panose="020B0609020204030204" pitchFamily="49" charset="0"/>
+              </a:rPr>
+              <a:t>) </a:t>
+            </a:r>
+            <a:r>
+              <a:rPr lang="fi-FI" dirty="0">
+                <a:solidFill>
+                  <a:srgbClr val="0000FF"/>
+                </a:solidFill>
+                <a:latin typeface="Consolas" panose="020B0609020204030204" pitchFamily="49" charset="0"/>
+              </a:rPr>
+              <a:t>=&gt;</a:t>
+            </a:r>
+            <a:r>
+              <a:rPr lang="fi-FI" dirty="0">
+                <a:solidFill>
+                  <a:srgbClr val="000000"/>
+                </a:solidFill>
+                <a:latin typeface="Consolas" panose="020B0609020204030204" pitchFamily="49" charset="0"/>
+              </a:rPr>
+              <a:t> {</a:t>
+            </a:r>
+          </a:p>
+          <a:p>
+            <a:pPr marL="0" indent="0">
+              <a:buNone/>
+            </a:pPr>
+            <a:r>
+              <a:rPr lang="fi-FI" dirty="0">
+                <a:solidFill>
+                  <a:srgbClr val="000000"/>
+                </a:solidFill>
+                <a:latin typeface="Consolas" panose="020B0609020204030204" pitchFamily="49" charset="0"/>
+              </a:rPr>
+              <a:t>      </a:t>
+            </a:r>
+            <a:r>
+              <a:rPr lang="fi-FI" dirty="0" err="1">
+                <a:solidFill>
+                  <a:srgbClr val="795E26"/>
+                </a:solidFill>
+                <a:latin typeface="Consolas" panose="020B0609020204030204" pitchFamily="49" charset="0"/>
+              </a:rPr>
+              <a:t>databaseErrorHandler</a:t>
+            </a:r>
+            <a:r>
+              <a:rPr lang="fi-FI" dirty="0">
+                <a:solidFill>
+                  <a:srgbClr val="000000"/>
+                </a:solidFill>
+                <a:latin typeface="Consolas" panose="020B0609020204030204" pitchFamily="49" charset="0"/>
+              </a:rPr>
+              <a:t>(</a:t>
+            </a:r>
+            <a:r>
+              <a:rPr lang="fi-FI" dirty="0" err="1">
+                <a:solidFill>
+                  <a:srgbClr val="001080"/>
+                </a:solidFill>
+                <a:latin typeface="Consolas" panose="020B0609020204030204" pitchFamily="49" charset="0"/>
+              </a:rPr>
+              <a:t>res</a:t>
+            </a:r>
+            <a:r>
+              <a:rPr lang="fi-FI" dirty="0">
+                <a:solidFill>
+                  <a:srgbClr val="000000"/>
+                </a:solidFill>
+                <a:latin typeface="Consolas" panose="020B0609020204030204" pitchFamily="49" charset="0"/>
+              </a:rPr>
+              <a:t>, </a:t>
+            </a:r>
+            <a:r>
+              <a:rPr lang="fi-FI" dirty="0" err="1">
+                <a:solidFill>
+                  <a:srgbClr val="001080"/>
+                </a:solidFill>
+                <a:latin typeface="Consolas" panose="020B0609020204030204" pitchFamily="49" charset="0"/>
+              </a:rPr>
+              <a:t>error</a:t>
+            </a:r>
+            <a:r>
+              <a:rPr lang="fi-FI" dirty="0">
+                <a:solidFill>
+                  <a:srgbClr val="000000"/>
+                </a:solidFill>
+                <a:latin typeface="Consolas" panose="020B0609020204030204" pitchFamily="49" charset="0"/>
+              </a:rPr>
+              <a:t>, </a:t>
+            </a:r>
+            <a:r>
+              <a:rPr lang="fi-FI" dirty="0">
+                <a:solidFill>
+                  <a:srgbClr val="A31515"/>
+                </a:solidFill>
+                <a:latin typeface="Consolas" panose="020B0609020204030204" pitchFamily="49" charset="0"/>
+              </a:rPr>
+              <a:t>"</a:t>
+            </a:r>
+            <a:r>
+              <a:rPr lang="fi-FI" dirty="0" err="1">
+                <a:solidFill>
+                  <a:srgbClr val="A31515"/>
+                </a:solidFill>
+                <a:latin typeface="Consolas" panose="020B0609020204030204" pitchFamily="49" charset="0"/>
+              </a:rPr>
+              <a:t>category.get</a:t>
+            </a:r>
+            <a:r>
+              <a:rPr lang="fi-FI" dirty="0">
+                <a:solidFill>
+                  <a:srgbClr val="A31515"/>
+                </a:solidFill>
+                <a:latin typeface="Consolas" panose="020B0609020204030204" pitchFamily="49" charset="0"/>
+              </a:rPr>
+              <a:t>/</a:t>
+            </a:r>
+            <a:r>
+              <a:rPr lang="fi-FI" dirty="0" err="1">
+                <a:solidFill>
+                  <a:srgbClr val="A31515"/>
+                </a:solidFill>
+                <a:latin typeface="Consolas" panose="020B0609020204030204" pitchFamily="49" charset="0"/>
+              </a:rPr>
+              <a:t>all</a:t>
+            </a:r>
+            <a:r>
+              <a:rPr lang="fi-FI" dirty="0">
+                <a:solidFill>
+                  <a:srgbClr val="A31515"/>
+                </a:solidFill>
+                <a:latin typeface="Consolas" panose="020B0609020204030204" pitchFamily="49" charset="0"/>
+              </a:rPr>
+              <a:t>: "</a:t>
+            </a:r>
+            <a:r>
+              <a:rPr lang="fi-FI" dirty="0">
+                <a:solidFill>
+                  <a:srgbClr val="000000"/>
+                </a:solidFill>
+                <a:latin typeface="Consolas" panose="020B0609020204030204" pitchFamily="49" charset="0"/>
+              </a:rPr>
+              <a:t>);</a:t>
+            </a:r>
+          </a:p>
+          <a:p>
+            <a:pPr marL="0" indent="0">
+              <a:buNone/>
+            </a:pPr>
+            <a:r>
+              <a:rPr lang="fi-FI" dirty="0">
+                <a:solidFill>
+                  <a:srgbClr val="000000"/>
+                </a:solidFill>
+                <a:latin typeface="Consolas" panose="020B0609020204030204" pitchFamily="49" charset="0"/>
+              </a:rPr>
+              <a:t>    });</a:t>
+            </a:r>
+          </a:p>
+          <a:p>
+            <a:pPr marL="0" indent="0">
+              <a:buNone/>
+            </a:pPr>
+            <a:r>
+              <a:rPr lang="fi-FI" dirty="0">
+                <a:solidFill>
+                  <a:srgbClr val="000000"/>
+                </a:solidFill>
+                <a:latin typeface="Consolas" panose="020B0609020204030204" pitchFamily="49" charset="0"/>
+              </a:rPr>
+              <a:t>}</a:t>
+            </a:r>
+            <a:r>
+              <a:rPr lang="fi-FI" b="1" u="sng" dirty="0">
+                <a:solidFill>
+                  <a:srgbClr val="000000"/>
+                </a:solidFill>
+                <a:latin typeface="Consolas" panose="020B0609020204030204" pitchFamily="49" charset="0"/>
+              </a:rPr>
+              <a:t>);</a:t>
+            </a:r>
+          </a:p>
+          <a:p>
+            <a:pPr marL="0" indent="0">
+              <a:buNone/>
+            </a:pPr>
+            <a:endParaRPr lang="en-US" b="1" i="1" dirty="0"/>
+          </a:p>
+          <a:p>
+            <a:pPr marL="0" indent="0">
+              <a:buNone/>
+            </a:pPr>
+            <a:r>
+              <a:rPr lang="en-US" b="1" i="1" dirty="0"/>
+              <a:t>// Bolded underline parts are _executed_ at the server setup/startup! Rest of the code is _definition_ of the request handler, executed when and if a matching request will later arrive. Maybe days later.</a:t>
+            </a:r>
+          </a:p>
+        </p:txBody>
+      </p:sp>
+      <p:sp>
+        <p:nvSpPr>
+          <p:cNvPr id="5" name="Date Placeholder 4">
+            <a:extLst>
+              <a:ext uri="{FF2B5EF4-FFF2-40B4-BE49-F238E27FC236}">
+                <a16:creationId xmlns:a16="http://schemas.microsoft.com/office/drawing/2014/main" id="{976244E2-AA76-2742-B2EC-FEC79276155C}"/>
+              </a:ext>
+            </a:extLst>
+          </p:cNvPr>
+          <p:cNvSpPr>
+            <a:spLocks noGrp="1"/>
+          </p:cNvSpPr>
+          <p:nvPr>
+            <p:ph type="dt" sz="half" idx="10"/>
+          </p:nvPr>
+        </p:nvSpPr>
+        <p:spPr/>
+        <p:txBody>
+          <a:bodyPr/>
+          <a:lstStyle/>
+          <a:p>
+            <a:fld id="{202E1EC2-47B8-044B-A09E-6A63B4D80C87}" type="datetime1">
+              <a:rPr lang="fi-FI" smtClean="0"/>
+              <a:t>8.2.2023</a:t>
+            </a:fld>
+            <a:endParaRPr lang="en-GB"/>
+          </a:p>
+        </p:txBody>
+      </p:sp>
+      <p:sp>
+        <p:nvSpPr>
+          <p:cNvPr id="6" name="Footer Placeholder 5">
+            <a:extLst>
+              <a:ext uri="{FF2B5EF4-FFF2-40B4-BE49-F238E27FC236}">
+                <a16:creationId xmlns:a16="http://schemas.microsoft.com/office/drawing/2014/main" id="{588CE607-4137-8840-8FEA-42EAC857E3A3}"/>
+              </a:ext>
+            </a:extLst>
+          </p:cNvPr>
+          <p:cNvSpPr>
+            <a:spLocks noGrp="1"/>
+          </p:cNvSpPr>
+          <p:nvPr>
+            <p:ph type="ftr" sz="quarter" idx="11"/>
+          </p:nvPr>
+        </p:nvSpPr>
+        <p:spPr/>
+        <p:txBody>
+          <a:bodyPr/>
+          <a:lstStyle/>
+          <a:p>
+            <a:endParaRPr lang="en-GB"/>
+          </a:p>
+        </p:txBody>
+      </p:sp>
+      <p:sp>
+        <p:nvSpPr>
+          <p:cNvPr id="7" name="Slide Number Placeholder 6">
+            <a:extLst>
+              <a:ext uri="{FF2B5EF4-FFF2-40B4-BE49-F238E27FC236}">
+                <a16:creationId xmlns:a16="http://schemas.microsoft.com/office/drawing/2014/main" id="{2E133A96-6C73-0844-B8CB-27C2B5F4CFB1}"/>
+              </a:ext>
+            </a:extLst>
+          </p:cNvPr>
+          <p:cNvSpPr>
+            <a:spLocks noGrp="1"/>
+          </p:cNvSpPr>
+          <p:nvPr>
+            <p:ph type="sldNum" sz="quarter" idx="12"/>
+          </p:nvPr>
+        </p:nvSpPr>
+        <p:spPr/>
+        <p:txBody>
+          <a:bodyPr/>
+          <a:lstStyle/>
+          <a:p>
+            <a:fld id="{76BAB7ED-EDE9-4D4B-9A2D-30E18C47C16E}" type="slidenum">
+              <a:rPr lang="en-GB" smtClean="0"/>
+              <a:t>5</a:t>
+            </a:fld>
+            <a:endParaRPr lang="en-GB"/>
+          </a:p>
+        </p:txBody>
+      </p:sp>
+    </p:spTree>
+    <p:extLst>
+      <p:ext uri="{BB962C8B-B14F-4D97-AF65-F5344CB8AC3E}">
+        <p14:creationId xmlns:p14="http://schemas.microsoft.com/office/powerpoint/2010/main" val="266385217"/>
+      </p:ext>
+    </p:extLst>
+  </p:cSld>
+  <p:clrMapOvr>
+    <a:masterClrMapping/>
+  </p:clrMapOvr>
+</p:sld>
+</file>
+
+<file path=ppt/slides/slide6.xml><?xml version="1.0" encoding="utf-8"?>
+<p:sld xmlns:a="http://schemas.openxmlformats.org/drawingml/2006/main" xmlns:r="http://schemas.openxmlformats.org/officeDocument/2006/relationships" xmlns:p="http://schemas.openxmlformats.org/presentationml/2006/main">
+  <p:cSld>
+    <p:spTree>
+      <p:nvGrpSpPr>
+        <p:cNvPr id="1" name=""/>
+        <p:cNvGrpSpPr/>
+        <p:nvPr/>
+      </p:nvGrpSpPr>
+      <p:grpSpPr>
+        <a:xfrm>
+          <a:off x="0" y="0"/>
+          <a:ext cx="0" cy="0"/>
+          <a:chOff x="0" y="0"/>
+          <a:chExt cx="0" cy="0"/>
+        </a:xfrm>
+      </p:grpSpPr>
+      <p:sp>
+        <p:nvSpPr>
+          <p:cNvPr id="8" name="Title 7">
+            <a:extLst>
+              <a:ext uri="{FF2B5EF4-FFF2-40B4-BE49-F238E27FC236}">
+                <a16:creationId xmlns:a16="http://schemas.microsoft.com/office/drawing/2014/main" id="{197044C3-CD23-D844-B780-26FABA91AD0F}"/>
+              </a:ext>
+            </a:extLst>
+          </p:cNvPr>
+          <p:cNvSpPr>
+            <a:spLocks noGrp="1"/>
+          </p:cNvSpPr>
+          <p:nvPr>
+            <p:ph type="title"/>
+          </p:nvPr>
+        </p:nvSpPr>
+        <p:spPr/>
+        <p:txBody>
+          <a:bodyPr/>
+          <a:lstStyle/>
+          <a:p>
+            <a:r>
+              <a:rPr lang="fi-FI" dirty="0" err="1"/>
+              <a:t>Code</a:t>
+            </a:r>
+            <a:r>
+              <a:rPr lang="fi-FI" dirty="0"/>
+              <a:t> </a:t>
+            </a:r>
+            <a:r>
+              <a:rPr lang="fi-FI" dirty="0" err="1"/>
+              <a:t>execution</a:t>
+            </a:r>
+            <a:r>
+              <a:rPr lang="fi-FI" dirty="0"/>
+              <a:t> </a:t>
+            </a:r>
+            <a:r>
+              <a:rPr lang="fi-FI" dirty="0" err="1"/>
+              <a:t>phase</a:t>
+            </a:r>
+            <a:r>
+              <a:rPr lang="fi-FI" dirty="0"/>
+              <a:t> </a:t>
+            </a:r>
+            <a:r>
+              <a:rPr lang="fi-FI" dirty="0" err="1"/>
+              <a:t>two</a:t>
+            </a:r>
+            <a:r>
+              <a:rPr lang="fi-FI" dirty="0"/>
+              <a:t> – </a:t>
+            </a:r>
+            <a:r>
+              <a:rPr lang="fi-FI" dirty="0" err="1"/>
+              <a:t>Request</a:t>
+            </a:r>
+            <a:r>
+              <a:rPr lang="fi-FI" dirty="0"/>
+              <a:t> </a:t>
+            </a:r>
+            <a:r>
+              <a:rPr lang="fi-FI" dirty="0" err="1"/>
+              <a:t>arrived</a:t>
+            </a:r>
+            <a:endParaRPr lang="fi-FI" dirty="0"/>
+          </a:p>
+        </p:txBody>
+      </p:sp>
+      <p:sp>
+        <p:nvSpPr>
+          <p:cNvPr id="9" name="Content Placeholder 8">
+            <a:extLst>
+              <a:ext uri="{FF2B5EF4-FFF2-40B4-BE49-F238E27FC236}">
+                <a16:creationId xmlns:a16="http://schemas.microsoft.com/office/drawing/2014/main" id="{ACDE61D8-A75A-F94B-B57A-46F276C03311}"/>
+              </a:ext>
+            </a:extLst>
+          </p:cNvPr>
+          <p:cNvSpPr>
+            <a:spLocks noGrp="1"/>
+          </p:cNvSpPr>
+          <p:nvPr>
+            <p:ph sz="half" idx="2"/>
+          </p:nvPr>
+        </p:nvSpPr>
+        <p:spPr>
+          <a:xfrm>
+            <a:off x="550864" y="1283300"/>
+            <a:ext cx="11125198" cy="4630138"/>
+          </a:xfrm>
+        </p:spPr>
+        <p:txBody>
+          <a:bodyPr>
+            <a:normAutofit/>
+          </a:bodyPr>
+          <a:lstStyle/>
+          <a:p>
+            <a:pPr marL="0" indent="0">
+              <a:buNone/>
+            </a:pPr>
+            <a:r>
+              <a:rPr lang="fi-FI" dirty="0" err="1">
+                <a:solidFill>
+                  <a:srgbClr val="0070C1"/>
+                </a:solidFill>
+                <a:latin typeface="Consolas" panose="020B0609020204030204" pitchFamily="49" charset="0"/>
+              </a:rPr>
+              <a:t>category</a:t>
+            </a:r>
+            <a:r>
+              <a:rPr lang="fi-FI" dirty="0" err="1">
+                <a:solidFill>
+                  <a:srgbClr val="000000"/>
+                </a:solidFill>
+                <a:latin typeface="Consolas" panose="020B0609020204030204" pitchFamily="49" charset="0"/>
+              </a:rPr>
+              <a:t>.</a:t>
+            </a:r>
+            <a:r>
+              <a:rPr lang="fi-FI" dirty="0" err="1">
+                <a:solidFill>
+                  <a:srgbClr val="795E26"/>
+                </a:solidFill>
+                <a:latin typeface="Consolas" panose="020B0609020204030204" pitchFamily="49" charset="0"/>
+              </a:rPr>
+              <a:t>get</a:t>
+            </a:r>
+            <a:r>
+              <a:rPr lang="fi-FI" dirty="0">
+                <a:solidFill>
+                  <a:srgbClr val="000000"/>
+                </a:solidFill>
+                <a:latin typeface="Consolas" panose="020B0609020204030204" pitchFamily="49" charset="0"/>
+              </a:rPr>
+              <a:t>(</a:t>
+            </a:r>
+            <a:r>
+              <a:rPr lang="fi-FI" dirty="0">
+                <a:solidFill>
+                  <a:srgbClr val="A31515"/>
+                </a:solidFill>
+                <a:latin typeface="Consolas" panose="020B0609020204030204" pitchFamily="49" charset="0"/>
+              </a:rPr>
+              <a:t>"/"</a:t>
+            </a:r>
+            <a:r>
+              <a:rPr lang="fi-FI" dirty="0">
+                <a:solidFill>
+                  <a:srgbClr val="000000"/>
+                </a:solidFill>
+                <a:latin typeface="Consolas" panose="020B0609020204030204" pitchFamily="49" charset="0"/>
+              </a:rPr>
+              <a:t>, </a:t>
+            </a:r>
+            <a:r>
+              <a:rPr lang="fi-FI" b="1" u="sng" dirty="0" err="1">
+                <a:solidFill>
+                  <a:srgbClr val="0000FF"/>
+                </a:solidFill>
+                <a:latin typeface="Consolas" panose="020B0609020204030204" pitchFamily="49" charset="0"/>
+              </a:rPr>
+              <a:t>function</a:t>
+            </a:r>
+            <a:r>
+              <a:rPr lang="fi-FI" b="1" u="sng" dirty="0">
+                <a:solidFill>
+                  <a:srgbClr val="000000"/>
+                </a:solidFill>
+                <a:latin typeface="Consolas" panose="020B0609020204030204" pitchFamily="49" charset="0"/>
+              </a:rPr>
+              <a:t>(</a:t>
+            </a:r>
+            <a:r>
+              <a:rPr lang="fi-FI" b="1" u="sng" dirty="0" err="1">
+                <a:solidFill>
+                  <a:srgbClr val="001080"/>
+                </a:solidFill>
+                <a:latin typeface="Consolas" panose="020B0609020204030204" pitchFamily="49" charset="0"/>
+              </a:rPr>
+              <a:t>req</a:t>
+            </a:r>
+            <a:r>
+              <a:rPr lang="fi-FI" b="1" u="sng" dirty="0">
+                <a:solidFill>
+                  <a:srgbClr val="000000"/>
+                </a:solidFill>
+                <a:latin typeface="Consolas" panose="020B0609020204030204" pitchFamily="49" charset="0"/>
+              </a:rPr>
+              <a:t>, </a:t>
+            </a:r>
+            <a:r>
+              <a:rPr lang="fi-FI" b="1" u="sng" dirty="0" err="1">
+                <a:solidFill>
+                  <a:srgbClr val="001080"/>
+                </a:solidFill>
+                <a:latin typeface="Consolas" panose="020B0609020204030204" pitchFamily="49" charset="0"/>
+              </a:rPr>
+              <a:t>res</a:t>
+            </a:r>
+            <a:r>
+              <a:rPr lang="fi-FI" b="1" u="sng" dirty="0">
+                <a:solidFill>
+                  <a:srgbClr val="000000"/>
+                </a:solidFill>
+                <a:latin typeface="Consolas" panose="020B0609020204030204" pitchFamily="49" charset="0"/>
+              </a:rPr>
+              <a:t>) {</a:t>
+            </a:r>
+          </a:p>
+          <a:p>
+            <a:pPr marL="0" indent="0">
+              <a:buNone/>
+            </a:pPr>
+            <a:r>
+              <a:rPr lang="fi-FI" dirty="0">
+                <a:solidFill>
+                  <a:srgbClr val="000000"/>
+                </a:solidFill>
+                <a:latin typeface="Consolas" panose="020B0609020204030204" pitchFamily="49" charset="0"/>
+              </a:rPr>
+              <a:t>  </a:t>
+            </a:r>
+            <a:r>
+              <a:rPr lang="fi-FI" b="1" u="sng" dirty="0" err="1">
+                <a:solidFill>
+                  <a:srgbClr val="001080"/>
+                </a:solidFill>
+                <a:latin typeface="Consolas" panose="020B0609020204030204" pitchFamily="49" charset="0"/>
+              </a:rPr>
+              <a:t>knex</a:t>
+            </a:r>
+            <a:r>
+              <a:rPr lang="fi-FI" b="1" u="sng" dirty="0" err="1">
+                <a:solidFill>
+                  <a:srgbClr val="000000"/>
+                </a:solidFill>
+                <a:latin typeface="Consolas" panose="020B0609020204030204" pitchFamily="49" charset="0"/>
+              </a:rPr>
+              <a:t>.</a:t>
+            </a:r>
+            <a:r>
+              <a:rPr lang="fi-FI" b="1" u="sng" dirty="0" err="1">
+                <a:solidFill>
+                  <a:srgbClr val="795E26"/>
+                </a:solidFill>
+                <a:latin typeface="Consolas" panose="020B0609020204030204" pitchFamily="49" charset="0"/>
+              </a:rPr>
+              <a:t>select</a:t>
+            </a:r>
+            <a:r>
+              <a:rPr lang="fi-FI" b="1" u="sng" dirty="0">
+                <a:solidFill>
+                  <a:srgbClr val="000000"/>
+                </a:solidFill>
+                <a:latin typeface="Consolas" panose="020B0609020204030204" pitchFamily="49" charset="0"/>
+              </a:rPr>
+              <a:t>().</a:t>
+            </a:r>
+            <a:r>
+              <a:rPr lang="fi-FI" b="1" u="sng" dirty="0" err="1">
+                <a:solidFill>
+                  <a:srgbClr val="795E26"/>
+                </a:solidFill>
+                <a:latin typeface="Consolas" panose="020B0609020204030204" pitchFamily="49" charset="0"/>
+              </a:rPr>
+              <a:t>from</a:t>
+            </a:r>
+            <a:r>
+              <a:rPr lang="fi-FI" b="1" u="sng" dirty="0">
+                <a:solidFill>
+                  <a:srgbClr val="000000"/>
+                </a:solidFill>
+                <a:latin typeface="Consolas" panose="020B0609020204030204" pitchFamily="49" charset="0"/>
+              </a:rPr>
+              <a:t>(</a:t>
+            </a:r>
+            <a:r>
+              <a:rPr lang="fi-FI" b="1" u="sng" dirty="0">
+                <a:solidFill>
+                  <a:srgbClr val="A31515"/>
+                </a:solidFill>
+                <a:latin typeface="Consolas" panose="020B0609020204030204" pitchFamily="49" charset="0"/>
+              </a:rPr>
+              <a:t>"</a:t>
+            </a:r>
+            <a:r>
+              <a:rPr lang="fi-FI" b="1" u="sng" dirty="0" err="1">
+                <a:solidFill>
+                  <a:srgbClr val="A31515"/>
+                </a:solidFill>
+                <a:latin typeface="Consolas" panose="020B0609020204030204" pitchFamily="49" charset="0"/>
+              </a:rPr>
+              <a:t>Category</a:t>
+            </a:r>
+            <a:r>
+              <a:rPr lang="fi-FI" b="1" u="sng" dirty="0">
+                <a:solidFill>
+                  <a:srgbClr val="A31515"/>
+                </a:solidFill>
+                <a:latin typeface="Consolas" panose="020B0609020204030204" pitchFamily="49" charset="0"/>
+              </a:rPr>
+              <a:t>"</a:t>
+            </a:r>
+            <a:r>
+              <a:rPr lang="fi-FI" b="1" u="sng" dirty="0">
+                <a:solidFill>
+                  <a:srgbClr val="000000"/>
+                </a:solidFill>
+                <a:latin typeface="Consolas" panose="020B0609020204030204" pitchFamily="49" charset="0"/>
+              </a:rPr>
+              <a:t>)</a:t>
+            </a:r>
+          </a:p>
+          <a:p>
+            <a:pPr marL="0" indent="0">
+              <a:buNone/>
+            </a:pPr>
+            <a:r>
+              <a:rPr lang="fi-FI" dirty="0">
+                <a:solidFill>
+                  <a:srgbClr val="000000"/>
+                </a:solidFill>
+                <a:latin typeface="Consolas" panose="020B0609020204030204" pitchFamily="49" charset="0"/>
+              </a:rPr>
+              <a:t>    </a:t>
+            </a:r>
+            <a:r>
+              <a:rPr lang="fi-FI" b="1" u="sng" dirty="0">
+                <a:solidFill>
+                  <a:srgbClr val="000000"/>
+                </a:solidFill>
+                <a:latin typeface="Consolas" panose="020B0609020204030204" pitchFamily="49" charset="0"/>
+              </a:rPr>
+              <a:t>.</a:t>
+            </a:r>
+            <a:r>
+              <a:rPr lang="fi-FI" b="1" u="sng" dirty="0" err="1">
+                <a:solidFill>
+                  <a:srgbClr val="795E26"/>
+                </a:solidFill>
+                <a:latin typeface="Consolas" panose="020B0609020204030204" pitchFamily="49" charset="0"/>
+              </a:rPr>
+              <a:t>then</a:t>
+            </a:r>
+            <a:r>
+              <a:rPr lang="fi-FI" b="1" u="sng" dirty="0">
+                <a:solidFill>
+                  <a:srgbClr val="000000"/>
+                </a:solidFill>
+                <a:latin typeface="Consolas" panose="020B0609020204030204" pitchFamily="49" charset="0"/>
+              </a:rPr>
+              <a:t>(</a:t>
+            </a:r>
+            <a:r>
+              <a:rPr lang="fi-FI" dirty="0">
+                <a:solidFill>
+                  <a:srgbClr val="000000"/>
+                </a:solidFill>
+                <a:latin typeface="Consolas" panose="020B0609020204030204" pitchFamily="49" charset="0"/>
+              </a:rPr>
+              <a:t>(</a:t>
+            </a:r>
+            <a:r>
+              <a:rPr lang="fi-FI" dirty="0">
+                <a:solidFill>
+                  <a:srgbClr val="001080"/>
+                </a:solidFill>
+                <a:latin typeface="Consolas" panose="020B0609020204030204" pitchFamily="49" charset="0"/>
+              </a:rPr>
+              <a:t>data)</a:t>
+            </a:r>
+            <a:r>
+              <a:rPr lang="fi-FI" dirty="0">
+                <a:solidFill>
+                  <a:srgbClr val="000000"/>
+                </a:solidFill>
+                <a:latin typeface="Consolas" panose="020B0609020204030204" pitchFamily="49" charset="0"/>
+              </a:rPr>
+              <a:t> </a:t>
+            </a:r>
+            <a:r>
+              <a:rPr lang="fi-FI" dirty="0">
+                <a:solidFill>
+                  <a:srgbClr val="0000FF"/>
+                </a:solidFill>
+                <a:latin typeface="Consolas" panose="020B0609020204030204" pitchFamily="49" charset="0"/>
+              </a:rPr>
+              <a:t>=&gt;</a:t>
+            </a:r>
+            <a:r>
+              <a:rPr lang="fi-FI" dirty="0">
+                <a:solidFill>
+                  <a:srgbClr val="000000"/>
+                </a:solidFill>
+                <a:latin typeface="Consolas" panose="020B0609020204030204" pitchFamily="49" charset="0"/>
+              </a:rPr>
+              <a:t> {</a:t>
+            </a:r>
+          </a:p>
+          <a:p>
+            <a:pPr marL="0" indent="0">
+              <a:buNone/>
+            </a:pPr>
+            <a:r>
+              <a:rPr lang="fi-FI" dirty="0">
+                <a:solidFill>
+                  <a:srgbClr val="000000"/>
+                </a:solidFill>
+                <a:latin typeface="Consolas" panose="020B0609020204030204" pitchFamily="49" charset="0"/>
+              </a:rPr>
+              <a:t>      </a:t>
+            </a:r>
+            <a:r>
+              <a:rPr lang="fi-FI" dirty="0" err="1">
+                <a:solidFill>
+                  <a:srgbClr val="795E26"/>
+                </a:solidFill>
+                <a:latin typeface="Consolas" panose="020B0609020204030204" pitchFamily="49" charset="0"/>
+              </a:rPr>
+              <a:t>successHandler</a:t>
+            </a:r>
+            <a:r>
+              <a:rPr lang="fi-FI" dirty="0">
+                <a:solidFill>
+                  <a:srgbClr val="000000"/>
+                </a:solidFill>
+                <a:latin typeface="Consolas" panose="020B0609020204030204" pitchFamily="49" charset="0"/>
+              </a:rPr>
+              <a:t>(</a:t>
+            </a:r>
+            <a:r>
+              <a:rPr lang="fi-FI" dirty="0" err="1">
+                <a:solidFill>
+                  <a:srgbClr val="001080"/>
+                </a:solidFill>
+                <a:latin typeface="Consolas" panose="020B0609020204030204" pitchFamily="49" charset="0"/>
+              </a:rPr>
+              <a:t>res</a:t>
+            </a:r>
+            <a:r>
+              <a:rPr lang="fi-FI" dirty="0">
+                <a:solidFill>
+                  <a:srgbClr val="000000"/>
+                </a:solidFill>
+                <a:latin typeface="Consolas" panose="020B0609020204030204" pitchFamily="49" charset="0"/>
+              </a:rPr>
+              <a:t>, </a:t>
+            </a:r>
+            <a:r>
+              <a:rPr lang="fi-FI" dirty="0">
+                <a:solidFill>
+                  <a:srgbClr val="001080"/>
+                </a:solidFill>
+                <a:latin typeface="Consolas" panose="020B0609020204030204" pitchFamily="49" charset="0"/>
+              </a:rPr>
+              <a:t>data</a:t>
+            </a:r>
+            <a:r>
+              <a:rPr lang="fi-FI" dirty="0">
+                <a:solidFill>
+                  <a:srgbClr val="000000"/>
+                </a:solidFill>
+                <a:latin typeface="Consolas" panose="020B0609020204030204" pitchFamily="49" charset="0"/>
+              </a:rPr>
+              <a:t>, </a:t>
+            </a:r>
+            <a:r>
+              <a:rPr lang="fi-FI" dirty="0">
+                <a:solidFill>
+                  <a:srgbClr val="A31515"/>
+                </a:solidFill>
+                <a:latin typeface="Consolas" panose="020B0609020204030204" pitchFamily="49" charset="0"/>
+              </a:rPr>
+              <a:t>"</a:t>
+            </a:r>
+            <a:r>
+              <a:rPr lang="fi-FI" dirty="0" err="1">
+                <a:solidFill>
+                  <a:srgbClr val="A31515"/>
+                </a:solidFill>
+                <a:latin typeface="Consolas" panose="020B0609020204030204" pitchFamily="49" charset="0"/>
+              </a:rPr>
+              <a:t>category.get</a:t>
+            </a:r>
+            <a:r>
+              <a:rPr lang="fi-FI" dirty="0">
+                <a:solidFill>
+                  <a:srgbClr val="A31515"/>
+                </a:solidFill>
+                <a:latin typeface="Consolas" panose="020B0609020204030204" pitchFamily="49" charset="0"/>
+              </a:rPr>
+              <a:t>/</a:t>
+            </a:r>
+            <a:r>
+              <a:rPr lang="fi-FI" dirty="0" err="1">
+                <a:solidFill>
+                  <a:srgbClr val="A31515"/>
+                </a:solidFill>
+                <a:latin typeface="Consolas" panose="020B0609020204030204" pitchFamily="49" charset="0"/>
+              </a:rPr>
+              <a:t>all</a:t>
+            </a:r>
+            <a:r>
+              <a:rPr lang="fi-FI" dirty="0">
+                <a:solidFill>
+                  <a:srgbClr val="A31515"/>
+                </a:solidFill>
+                <a:latin typeface="Consolas" panose="020B0609020204030204" pitchFamily="49" charset="0"/>
+              </a:rPr>
+              <a:t>: </a:t>
+            </a:r>
+            <a:r>
+              <a:rPr lang="fi-FI" dirty="0" err="1">
+                <a:solidFill>
+                  <a:srgbClr val="A31515"/>
+                </a:solidFill>
+                <a:latin typeface="Consolas" panose="020B0609020204030204" pitchFamily="49" charset="0"/>
+              </a:rPr>
+              <a:t>listed</a:t>
+            </a:r>
+            <a:r>
+              <a:rPr lang="fi-FI" dirty="0">
+                <a:solidFill>
+                  <a:srgbClr val="A31515"/>
+                </a:solidFill>
+                <a:latin typeface="Consolas" panose="020B0609020204030204" pitchFamily="49" charset="0"/>
+              </a:rPr>
+              <a:t> ok </a:t>
+            </a:r>
+            <a:r>
+              <a:rPr lang="fi-FI" dirty="0" err="1">
+                <a:solidFill>
+                  <a:srgbClr val="A31515"/>
+                </a:solidFill>
+                <a:latin typeface="Consolas" panose="020B0609020204030204" pitchFamily="49" charset="0"/>
+              </a:rPr>
+              <a:t>from</a:t>
+            </a:r>
+            <a:r>
+              <a:rPr lang="fi-FI" dirty="0">
+                <a:solidFill>
+                  <a:srgbClr val="A31515"/>
+                </a:solidFill>
+                <a:latin typeface="Consolas" panose="020B0609020204030204" pitchFamily="49" charset="0"/>
+              </a:rPr>
+              <a:t> DB"</a:t>
+            </a:r>
+            <a:r>
+              <a:rPr lang="fi-FI" dirty="0">
+                <a:solidFill>
+                  <a:srgbClr val="000000"/>
+                </a:solidFill>
+                <a:latin typeface="Consolas" panose="020B0609020204030204" pitchFamily="49" charset="0"/>
+              </a:rPr>
+              <a:t>);</a:t>
+            </a:r>
+          </a:p>
+          <a:p>
+            <a:pPr marL="0" indent="0">
+              <a:buNone/>
+            </a:pPr>
+            <a:r>
+              <a:rPr lang="fi-FI" dirty="0">
+                <a:solidFill>
+                  <a:srgbClr val="000000"/>
+                </a:solidFill>
+                <a:latin typeface="Consolas" panose="020B0609020204030204" pitchFamily="49" charset="0"/>
+              </a:rPr>
+              <a:t>    }</a:t>
+            </a:r>
+            <a:r>
+              <a:rPr lang="fi-FI" b="1" u="sng" dirty="0">
+                <a:solidFill>
+                  <a:srgbClr val="000000"/>
+                </a:solidFill>
+                <a:latin typeface="Consolas" panose="020B0609020204030204" pitchFamily="49" charset="0"/>
+              </a:rPr>
+              <a:t>)</a:t>
+            </a:r>
+          </a:p>
+          <a:p>
+            <a:pPr marL="0" indent="0">
+              <a:buNone/>
+            </a:pPr>
+            <a:r>
+              <a:rPr lang="fi-FI" dirty="0">
+                <a:solidFill>
+                  <a:srgbClr val="000000"/>
+                </a:solidFill>
+                <a:latin typeface="Consolas" panose="020B0609020204030204" pitchFamily="49" charset="0"/>
+              </a:rPr>
+              <a:t>    </a:t>
+            </a:r>
+            <a:r>
+              <a:rPr lang="fi-FI" b="1" u="sng" dirty="0">
+                <a:solidFill>
+                  <a:srgbClr val="000000"/>
+                </a:solidFill>
+                <a:latin typeface="Consolas" panose="020B0609020204030204" pitchFamily="49" charset="0"/>
+              </a:rPr>
+              <a:t>.</a:t>
+            </a:r>
+            <a:r>
+              <a:rPr lang="fi-FI" b="1" u="sng" dirty="0" err="1">
+                <a:solidFill>
+                  <a:srgbClr val="795E26"/>
+                </a:solidFill>
+                <a:latin typeface="Consolas" panose="020B0609020204030204" pitchFamily="49" charset="0"/>
+              </a:rPr>
+              <a:t>catch</a:t>
+            </a:r>
+            <a:r>
+              <a:rPr lang="fi-FI" b="1" u="sng" dirty="0">
+                <a:solidFill>
+                  <a:srgbClr val="000000"/>
+                </a:solidFill>
+                <a:latin typeface="Consolas" panose="020B0609020204030204" pitchFamily="49" charset="0"/>
+              </a:rPr>
+              <a:t>(</a:t>
+            </a:r>
+            <a:r>
+              <a:rPr lang="fi-FI" dirty="0">
+                <a:solidFill>
+                  <a:srgbClr val="000000"/>
+                </a:solidFill>
+                <a:latin typeface="Consolas" panose="020B0609020204030204" pitchFamily="49" charset="0"/>
+              </a:rPr>
+              <a:t>(</a:t>
+            </a:r>
+            <a:r>
+              <a:rPr lang="fi-FI" dirty="0" err="1">
+                <a:solidFill>
+                  <a:srgbClr val="001080"/>
+                </a:solidFill>
+                <a:latin typeface="Consolas" panose="020B0609020204030204" pitchFamily="49" charset="0"/>
+              </a:rPr>
+              <a:t>error</a:t>
+            </a:r>
+            <a:r>
+              <a:rPr lang="fi-FI" dirty="0">
+                <a:solidFill>
+                  <a:srgbClr val="000000"/>
+                </a:solidFill>
+                <a:latin typeface="Consolas" panose="020B0609020204030204" pitchFamily="49" charset="0"/>
+              </a:rPr>
+              <a:t>) </a:t>
+            </a:r>
+            <a:r>
+              <a:rPr lang="fi-FI" dirty="0">
+                <a:solidFill>
+                  <a:srgbClr val="0000FF"/>
+                </a:solidFill>
+                <a:latin typeface="Consolas" panose="020B0609020204030204" pitchFamily="49" charset="0"/>
+              </a:rPr>
+              <a:t>=&gt;</a:t>
+            </a:r>
+            <a:r>
+              <a:rPr lang="fi-FI" dirty="0">
+                <a:solidFill>
+                  <a:srgbClr val="000000"/>
+                </a:solidFill>
+                <a:latin typeface="Consolas" panose="020B0609020204030204" pitchFamily="49" charset="0"/>
+              </a:rPr>
+              <a:t> {</a:t>
+            </a:r>
+          </a:p>
+          <a:p>
+            <a:pPr marL="0" indent="0">
+              <a:buNone/>
+            </a:pPr>
+            <a:r>
+              <a:rPr lang="fi-FI" dirty="0">
+                <a:solidFill>
+                  <a:srgbClr val="000000"/>
+                </a:solidFill>
+                <a:latin typeface="Consolas" panose="020B0609020204030204" pitchFamily="49" charset="0"/>
+              </a:rPr>
+              <a:t>      </a:t>
+            </a:r>
+            <a:r>
+              <a:rPr lang="fi-FI" dirty="0" err="1">
+                <a:solidFill>
+                  <a:srgbClr val="795E26"/>
+                </a:solidFill>
+                <a:latin typeface="Consolas" panose="020B0609020204030204" pitchFamily="49" charset="0"/>
+              </a:rPr>
+              <a:t>databaseErrorHandler</a:t>
+            </a:r>
+            <a:r>
+              <a:rPr lang="fi-FI" dirty="0">
+                <a:solidFill>
+                  <a:srgbClr val="000000"/>
+                </a:solidFill>
+                <a:latin typeface="Consolas" panose="020B0609020204030204" pitchFamily="49" charset="0"/>
+              </a:rPr>
+              <a:t>(</a:t>
+            </a:r>
+            <a:r>
+              <a:rPr lang="fi-FI" dirty="0" err="1">
+                <a:solidFill>
+                  <a:srgbClr val="001080"/>
+                </a:solidFill>
+                <a:latin typeface="Consolas" panose="020B0609020204030204" pitchFamily="49" charset="0"/>
+              </a:rPr>
+              <a:t>res</a:t>
+            </a:r>
+            <a:r>
+              <a:rPr lang="fi-FI" dirty="0">
+                <a:solidFill>
+                  <a:srgbClr val="000000"/>
+                </a:solidFill>
+                <a:latin typeface="Consolas" panose="020B0609020204030204" pitchFamily="49" charset="0"/>
+              </a:rPr>
+              <a:t>, </a:t>
+            </a:r>
+            <a:r>
+              <a:rPr lang="fi-FI" dirty="0" err="1">
+                <a:solidFill>
+                  <a:srgbClr val="001080"/>
+                </a:solidFill>
+                <a:latin typeface="Consolas" panose="020B0609020204030204" pitchFamily="49" charset="0"/>
+              </a:rPr>
+              <a:t>error</a:t>
+            </a:r>
+            <a:r>
+              <a:rPr lang="fi-FI" dirty="0">
+                <a:solidFill>
+                  <a:srgbClr val="000000"/>
+                </a:solidFill>
+                <a:latin typeface="Consolas" panose="020B0609020204030204" pitchFamily="49" charset="0"/>
+              </a:rPr>
+              <a:t>, </a:t>
+            </a:r>
+            <a:r>
+              <a:rPr lang="fi-FI" dirty="0">
+                <a:solidFill>
+                  <a:srgbClr val="A31515"/>
+                </a:solidFill>
+                <a:latin typeface="Consolas" panose="020B0609020204030204" pitchFamily="49" charset="0"/>
+              </a:rPr>
+              <a:t>"</a:t>
+            </a:r>
+            <a:r>
+              <a:rPr lang="fi-FI" dirty="0" err="1">
+                <a:solidFill>
+                  <a:srgbClr val="A31515"/>
+                </a:solidFill>
+                <a:latin typeface="Consolas" panose="020B0609020204030204" pitchFamily="49" charset="0"/>
+              </a:rPr>
+              <a:t>category.get</a:t>
+            </a:r>
+            <a:r>
+              <a:rPr lang="fi-FI" dirty="0">
+                <a:solidFill>
+                  <a:srgbClr val="A31515"/>
+                </a:solidFill>
+                <a:latin typeface="Consolas" panose="020B0609020204030204" pitchFamily="49" charset="0"/>
+              </a:rPr>
+              <a:t>/</a:t>
+            </a:r>
+            <a:r>
+              <a:rPr lang="fi-FI" dirty="0" err="1">
+                <a:solidFill>
+                  <a:srgbClr val="A31515"/>
+                </a:solidFill>
+                <a:latin typeface="Consolas" panose="020B0609020204030204" pitchFamily="49" charset="0"/>
+              </a:rPr>
+              <a:t>all</a:t>
+            </a:r>
+            <a:r>
+              <a:rPr lang="fi-FI" dirty="0">
+                <a:solidFill>
+                  <a:srgbClr val="A31515"/>
+                </a:solidFill>
+                <a:latin typeface="Consolas" panose="020B0609020204030204" pitchFamily="49" charset="0"/>
+              </a:rPr>
+              <a:t>: "</a:t>
+            </a:r>
+            <a:r>
+              <a:rPr lang="fi-FI" dirty="0">
+                <a:solidFill>
+                  <a:srgbClr val="000000"/>
+                </a:solidFill>
+                <a:latin typeface="Consolas" panose="020B0609020204030204" pitchFamily="49" charset="0"/>
+              </a:rPr>
+              <a:t>);</a:t>
+            </a:r>
+          </a:p>
+          <a:p>
+            <a:pPr marL="0" indent="0">
+              <a:buNone/>
+            </a:pPr>
+            <a:r>
+              <a:rPr lang="fi-FI" dirty="0">
+                <a:solidFill>
+                  <a:srgbClr val="000000"/>
+                </a:solidFill>
+                <a:latin typeface="Consolas" panose="020B0609020204030204" pitchFamily="49" charset="0"/>
+              </a:rPr>
+              <a:t>    }</a:t>
+            </a:r>
+            <a:r>
+              <a:rPr lang="fi-FI" b="1" u="sng" dirty="0">
+                <a:solidFill>
+                  <a:srgbClr val="000000"/>
+                </a:solidFill>
+                <a:latin typeface="Consolas" panose="020B0609020204030204" pitchFamily="49" charset="0"/>
+              </a:rPr>
+              <a:t>);</a:t>
+            </a:r>
+          </a:p>
+          <a:p>
+            <a:pPr marL="0" indent="0">
+              <a:buNone/>
+            </a:pPr>
+            <a:r>
+              <a:rPr lang="fi-FI" dirty="0">
+                <a:solidFill>
+                  <a:srgbClr val="000000"/>
+                </a:solidFill>
+                <a:latin typeface="Consolas" panose="020B0609020204030204" pitchFamily="49" charset="0"/>
+              </a:rPr>
+              <a:t>});</a:t>
+            </a:r>
+            <a:br>
+              <a:rPr lang="fi-FI" dirty="0">
+                <a:solidFill>
+                  <a:srgbClr val="000000"/>
+                </a:solidFill>
+                <a:latin typeface="Consolas" panose="020B0609020204030204" pitchFamily="49" charset="0"/>
+              </a:rPr>
+            </a:br>
+            <a:endParaRPr lang="en-US" b="1" i="1" dirty="0"/>
+          </a:p>
+          <a:p>
+            <a:pPr marL="0" indent="0">
+              <a:buNone/>
+            </a:pPr>
+            <a:r>
+              <a:rPr lang="en-US" b="1" i="1" dirty="0"/>
+              <a:t>// Bolded underline parts are _executed_ if and when a matching request has arrived. Rest of the code is _definition_ of the database operation result handlers, executed when database operation ready. Maybe milliseconds or seconds later. (Possibly microseconds if using in-memory database).</a:t>
+            </a:r>
+          </a:p>
+        </p:txBody>
+      </p:sp>
+      <p:sp>
+        <p:nvSpPr>
+          <p:cNvPr id="5" name="Date Placeholder 4">
+            <a:extLst>
+              <a:ext uri="{FF2B5EF4-FFF2-40B4-BE49-F238E27FC236}">
+                <a16:creationId xmlns:a16="http://schemas.microsoft.com/office/drawing/2014/main" id="{976244E2-AA76-2742-B2EC-FEC79276155C}"/>
+              </a:ext>
+            </a:extLst>
+          </p:cNvPr>
+          <p:cNvSpPr>
+            <a:spLocks noGrp="1"/>
+          </p:cNvSpPr>
+          <p:nvPr>
+            <p:ph type="dt" sz="half" idx="10"/>
+          </p:nvPr>
+        </p:nvSpPr>
+        <p:spPr/>
+        <p:txBody>
+          <a:bodyPr/>
+          <a:lstStyle/>
+          <a:p>
+            <a:fld id="{202E1EC2-47B8-044B-A09E-6A63B4D80C87}" type="datetime1">
+              <a:rPr lang="fi-FI" smtClean="0"/>
+              <a:t>8.2.2023</a:t>
+            </a:fld>
+            <a:endParaRPr lang="en-GB"/>
+          </a:p>
+        </p:txBody>
+      </p:sp>
+      <p:sp>
+        <p:nvSpPr>
+          <p:cNvPr id="6" name="Footer Placeholder 5">
+            <a:extLst>
+              <a:ext uri="{FF2B5EF4-FFF2-40B4-BE49-F238E27FC236}">
+                <a16:creationId xmlns:a16="http://schemas.microsoft.com/office/drawing/2014/main" id="{588CE607-4137-8840-8FEA-42EAC857E3A3}"/>
+              </a:ext>
+            </a:extLst>
+          </p:cNvPr>
+          <p:cNvSpPr>
+            <a:spLocks noGrp="1"/>
+          </p:cNvSpPr>
+          <p:nvPr>
+            <p:ph type="ftr" sz="quarter" idx="11"/>
+          </p:nvPr>
+        </p:nvSpPr>
+        <p:spPr/>
+        <p:txBody>
+          <a:bodyPr/>
+          <a:lstStyle/>
+          <a:p>
+            <a:endParaRPr lang="en-GB"/>
+          </a:p>
+        </p:txBody>
+      </p:sp>
+      <p:sp>
+        <p:nvSpPr>
+          <p:cNvPr id="7" name="Slide Number Placeholder 6">
+            <a:extLst>
+              <a:ext uri="{FF2B5EF4-FFF2-40B4-BE49-F238E27FC236}">
+                <a16:creationId xmlns:a16="http://schemas.microsoft.com/office/drawing/2014/main" id="{2E133A96-6C73-0844-B8CB-27C2B5F4CFB1}"/>
+              </a:ext>
+            </a:extLst>
+          </p:cNvPr>
+          <p:cNvSpPr>
+            <a:spLocks noGrp="1"/>
+          </p:cNvSpPr>
+          <p:nvPr>
+            <p:ph type="sldNum" sz="quarter" idx="12"/>
+          </p:nvPr>
+        </p:nvSpPr>
+        <p:spPr/>
+        <p:txBody>
+          <a:bodyPr/>
+          <a:lstStyle/>
+          <a:p>
+            <a:fld id="{76BAB7ED-EDE9-4D4B-9A2D-30E18C47C16E}" type="slidenum">
+              <a:rPr lang="en-GB" smtClean="0"/>
+              <a:t>6</a:t>
+            </a:fld>
+            <a:endParaRPr lang="en-GB"/>
+          </a:p>
+        </p:txBody>
+      </p:sp>
+    </p:spTree>
+    <p:extLst>
+      <p:ext uri="{BB962C8B-B14F-4D97-AF65-F5344CB8AC3E}">
+        <p14:creationId xmlns:p14="http://schemas.microsoft.com/office/powerpoint/2010/main" val="851073847"/>
+      </p:ext>
+    </p:extLst>
+  </p:cSld>
+  <p:clrMapOvr>
+    <a:masterClrMapping/>
+  </p:clrMapOvr>
+</p:sld>
+</file>
+
+<file path=ppt/slides/slide7.xml><?xml version="1.0" encoding="utf-8"?>
+<p:sld xmlns:a="http://schemas.openxmlformats.org/drawingml/2006/main" xmlns:r="http://schemas.openxmlformats.org/officeDocument/2006/relationships" xmlns:p="http://schemas.openxmlformats.org/presentationml/2006/main">
+  <p:cSld>
+    <p:spTree>
+      <p:nvGrpSpPr>
+        <p:cNvPr id="1" name=""/>
+        <p:cNvGrpSpPr/>
+        <p:nvPr/>
+      </p:nvGrpSpPr>
+      <p:grpSpPr>
+        <a:xfrm>
+          <a:off x="0" y="0"/>
+          <a:ext cx="0" cy="0"/>
+          <a:chOff x="0" y="0"/>
+          <a:chExt cx="0" cy="0"/>
+        </a:xfrm>
+      </p:grpSpPr>
+      <p:sp>
+        <p:nvSpPr>
+          <p:cNvPr id="8" name="Title 7">
+            <a:extLst>
+              <a:ext uri="{FF2B5EF4-FFF2-40B4-BE49-F238E27FC236}">
+                <a16:creationId xmlns:a16="http://schemas.microsoft.com/office/drawing/2014/main" id="{197044C3-CD23-D844-B780-26FABA91AD0F}"/>
+              </a:ext>
+            </a:extLst>
+          </p:cNvPr>
+          <p:cNvSpPr>
+            <a:spLocks noGrp="1"/>
+          </p:cNvSpPr>
+          <p:nvPr>
+            <p:ph type="title"/>
+          </p:nvPr>
+        </p:nvSpPr>
+        <p:spPr/>
+        <p:txBody>
+          <a:bodyPr/>
+          <a:lstStyle/>
+          <a:p>
+            <a:r>
+              <a:rPr lang="fi-FI" dirty="0" err="1"/>
+              <a:t>Code</a:t>
+            </a:r>
+            <a:r>
+              <a:rPr lang="fi-FI" dirty="0"/>
+              <a:t> </a:t>
+            </a:r>
+            <a:r>
+              <a:rPr lang="fi-FI" dirty="0" err="1"/>
+              <a:t>execution</a:t>
+            </a:r>
+            <a:r>
+              <a:rPr lang="fi-FI" dirty="0"/>
+              <a:t> </a:t>
+            </a:r>
+            <a:r>
+              <a:rPr lang="fi-FI" dirty="0" err="1"/>
+              <a:t>phase</a:t>
+            </a:r>
+            <a:r>
+              <a:rPr lang="fi-FI" dirty="0"/>
+              <a:t> </a:t>
+            </a:r>
+            <a:r>
+              <a:rPr lang="fi-FI" dirty="0" err="1"/>
+              <a:t>three</a:t>
+            </a:r>
+            <a:r>
+              <a:rPr lang="fi-FI" dirty="0"/>
+              <a:t> – DB </a:t>
+            </a:r>
+            <a:r>
+              <a:rPr lang="fi-FI" dirty="0" err="1"/>
+              <a:t>operation</a:t>
+            </a:r>
+            <a:r>
+              <a:rPr lang="fi-FI" dirty="0"/>
+              <a:t> </a:t>
+            </a:r>
+            <a:r>
+              <a:rPr lang="fi-FI" dirty="0" err="1"/>
+              <a:t>ready</a:t>
+            </a:r>
+            <a:endParaRPr lang="fi-FI" dirty="0"/>
+          </a:p>
+        </p:txBody>
+      </p:sp>
+      <p:sp>
+        <p:nvSpPr>
+          <p:cNvPr id="9" name="Content Placeholder 8">
+            <a:extLst>
+              <a:ext uri="{FF2B5EF4-FFF2-40B4-BE49-F238E27FC236}">
+                <a16:creationId xmlns:a16="http://schemas.microsoft.com/office/drawing/2014/main" id="{ACDE61D8-A75A-F94B-B57A-46F276C03311}"/>
+              </a:ext>
+            </a:extLst>
+          </p:cNvPr>
+          <p:cNvSpPr>
+            <a:spLocks noGrp="1"/>
+          </p:cNvSpPr>
+          <p:nvPr>
+            <p:ph sz="half" idx="2"/>
+          </p:nvPr>
+        </p:nvSpPr>
+        <p:spPr>
+          <a:xfrm>
+            <a:off x="550864" y="1283300"/>
+            <a:ext cx="11125198" cy="4630138"/>
+          </a:xfrm>
+        </p:spPr>
+        <p:txBody>
+          <a:bodyPr>
+            <a:normAutofit/>
+          </a:bodyPr>
+          <a:lstStyle/>
+          <a:p>
+            <a:pPr marL="0" indent="0">
+              <a:buNone/>
+            </a:pPr>
+            <a:r>
+              <a:rPr lang="fi-FI" dirty="0" err="1">
+                <a:solidFill>
+                  <a:srgbClr val="0070C1"/>
+                </a:solidFill>
+                <a:latin typeface="Consolas" panose="020B0609020204030204" pitchFamily="49" charset="0"/>
+              </a:rPr>
+              <a:t>category</a:t>
+            </a:r>
+            <a:r>
+              <a:rPr lang="fi-FI" dirty="0" err="1">
+                <a:solidFill>
+                  <a:srgbClr val="000000"/>
+                </a:solidFill>
+                <a:latin typeface="Consolas" panose="020B0609020204030204" pitchFamily="49" charset="0"/>
+              </a:rPr>
+              <a:t>.</a:t>
+            </a:r>
+            <a:r>
+              <a:rPr lang="fi-FI" dirty="0" err="1">
+                <a:solidFill>
+                  <a:srgbClr val="795E26"/>
+                </a:solidFill>
+                <a:latin typeface="Consolas" panose="020B0609020204030204" pitchFamily="49" charset="0"/>
+              </a:rPr>
+              <a:t>get</a:t>
+            </a:r>
+            <a:r>
+              <a:rPr lang="fi-FI" dirty="0">
+                <a:solidFill>
+                  <a:srgbClr val="000000"/>
+                </a:solidFill>
+                <a:latin typeface="Consolas" panose="020B0609020204030204" pitchFamily="49" charset="0"/>
+              </a:rPr>
+              <a:t>(</a:t>
+            </a:r>
+            <a:r>
+              <a:rPr lang="fi-FI" dirty="0">
+                <a:solidFill>
+                  <a:srgbClr val="A31515"/>
+                </a:solidFill>
+                <a:latin typeface="Consolas" panose="020B0609020204030204" pitchFamily="49" charset="0"/>
+              </a:rPr>
+              <a:t>"/"</a:t>
+            </a:r>
+            <a:r>
+              <a:rPr lang="fi-FI" dirty="0">
+                <a:solidFill>
+                  <a:srgbClr val="000000"/>
+                </a:solidFill>
+                <a:latin typeface="Consolas" panose="020B0609020204030204" pitchFamily="49" charset="0"/>
+              </a:rPr>
+              <a:t>, </a:t>
+            </a:r>
+            <a:r>
+              <a:rPr lang="fi-FI" dirty="0" err="1">
+                <a:solidFill>
+                  <a:srgbClr val="0000FF"/>
+                </a:solidFill>
+                <a:latin typeface="Consolas" panose="020B0609020204030204" pitchFamily="49" charset="0"/>
+              </a:rPr>
+              <a:t>function</a:t>
+            </a:r>
+            <a:r>
+              <a:rPr lang="fi-FI" dirty="0">
+                <a:solidFill>
+                  <a:srgbClr val="000000"/>
+                </a:solidFill>
+                <a:latin typeface="Consolas" panose="020B0609020204030204" pitchFamily="49" charset="0"/>
+              </a:rPr>
+              <a:t>(</a:t>
+            </a:r>
+            <a:r>
+              <a:rPr lang="fi-FI" dirty="0" err="1">
+                <a:solidFill>
+                  <a:srgbClr val="001080"/>
+                </a:solidFill>
+                <a:latin typeface="Consolas" panose="020B0609020204030204" pitchFamily="49" charset="0"/>
+              </a:rPr>
+              <a:t>req</a:t>
+            </a:r>
+            <a:r>
+              <a:rPr lang="fi-FI" dirty="0">
+                <a:solidFill>
+                  <a:srgbClr val="000000"/>
+                </a:solidFill>
+                <a:latin typeface="Consolas" panose="020B0609020204030204" pitchFamily="49" charset="0"/>
+              </a:rPr>
+              <a:t>, </a:t>
+            </a:r>
+            <a:r>
+              <a:rPr lang="fi-FI" dirty="0" err="1">
+                <a:solidFill>
+                  <a:srgbClr val="001080"/>
+                </a:solidFill>
+                <a:latin typeface="Consolas" panose="020B0609020204030204" pitchFamily="49" charset="0"/>
+              </a:rPr>
+              <a:t>res</a:t>
+            </a:r>
+            <a:r>
+              <a:rPr lang="fi-FI" dirty="0">
+                <a:solidFill>
+                  <a:srgbClr val="000000"/>
+                </a:solidFill>
+                <a:latin typeface="Consolas" panose="020B0609020204030204" pitchFamily="49" charset="0"/>
+              </a:rPr>
+              <a:t>) {</a:t>
+            </a:r>
+          </a:p>
+          <a:p>
+            <a:pPr marL="0" indent="0">
+              <a:buNone/>
+            </a:pPr>
+            <a:r>
+              <a:rPr lang="fi-FI" dirty="0">
+                <a:solidFill>
+                  <a:srgbClr val="000000"/>
+                </a:solidFill>
+                <a:latin typeface="Consolas" panose="020B0609020204030204" pitchFamily="49" charset="0"/>
+              </a:rPr>
+              <a:t>  </a:t>
+            </a:r>
+            <a:r>
+              <a:rPr lang="fi-FI" dirty="0" err="1">
+                <a:solidFill>
+                  <a:srgbClr val="001080"/>
+                </a:solidFill>
+                <a:latin typeface="Consolas" panose="020B0609020204030204" pitchFamily="49" charset="0"/>
+              </a:rPr>
+              <a:t>knex</a:t>
+            </a:r>
+            <a:r>
+              <a:rPr lang="fi-FI" dirty="0" err="1">
+                <a:solidFill>
+                  <a:srgbClr val="000000"/>
+                </a:solidFill>
+                <a:latin typeface="Consolas" panose="020B0609020204030204" pitchFamily="49" charset="0"/>
+              </a:rPr>
+              <a:t>.</a:t>
+            </a:r>
+            <a:r>
+              <a:rPr lang="fi-FI" dirty="0" err="1">
+                <a:solidFill>
+                  <a:srgbClr val="795E26"/>
+                </a:solidFill>
+                <a:latin typeface="Consolas" panose="020B0609020204030204" pitchFamily="49" charset="0"/>
+              </a:rPr>
+              <a:t>select</a:t>
+            </a:r>
+            <a:r>
+              <a:rPr lang="fi-FI" dirty="0">
+                <a:solidFill>
+                  <a:srgbClr val="000000"/>
+                </a:solidFill>
+                <a:latin typeface="Consolas" panose="020B0609020204030204" pitchFamily="49" charset="0"/>
+              </a:rPr>
+              <a:t>().</a:t>
+            </a:r>
+            <a:r>
+              <a:rPr lang="fi-FI" dirty="0" err="1">
+                <a:solidFill>
+                  <a:srgbClr val="795E26"/>
+                </a:solidFill>
+                <a:latin typeface="Consolas" panose="020B0609020204030204" pitchFamily="49" charset="0"/>
+              </a:rPr>
+              <a:t>from</a:t>
+            </a:r>
+            <a:r>
+              <a:rPr lang="fi-FI" dirty="0">
+                <a:solidFill>
+                  <a:srgbClr val="000000"/>
+                </a:solidFill>
+                <a:latin typeface="Consolas" panose="020B0609020204030204" pitchFamily="49" charset="0"/>
+              </a:rPr>
+              <a:t>(</a:t>
+            </a:r>
+            <a:r>
+              <a:rPr lang="fi-FI" dirty="0">
+                <a:solidFill>
+                  <a:srgbClr val="A31515"/>
+                </a:solidFill>
+                <a:latin typeface="Consolas" panose="020B0609020204030204" pitchFamily="49" charset="0"/>
+              </a:rPr>
+              <a:t>"</a:t>
+            </a:r>
+            <a:r>
+              <a:rPr lang="fi-FI" dirty="0" err="1">
+                <a:solidFill>
+                  <a:srgbClr val="A31515"/>
+                </a:solidFill>
+                <a:latin typeface="Consolas" panose="020B0609020204030204" pitchFamily="49" charset="0"/>
+              </a:rPr>
+              <a:t>Category</a:t>
+            </a:r>
+            <a:r>
+              <a:rPr lang="fi-FI" dirty="0">
+                <a:solidFill>
+                  <a:srgbClr val="A31515"/>
+                </a:solidFill>
+                <a:latin typeface="Consolas" panose="020B0609020204030204" pitchFamily="49" charset="0"/>
+              </a:rPr>
+              <a:t>"</a:t>
+            </a:r>
+            <a:r>
+              <a:rPr lang="fi-FI" dirty="0">
+                <a:solidFill>
+                  <a:srgbClr val="000000"/>
+                </a:solidFill>
+                <a:latin typeface="Consolas" panose="020B0609020204030204" pitchFamily="49" charset="0"/>
+              </a:rPr>
+              <a:t>)</a:t>
+            </a:r>
+          </a:p>
+          <a:p>
+            <a:pPr marL="0" indent="0">
+              <a:buNone/>
+            </a:pPr>
+            <a:r>
+              <a:rPr lang="fi-FI" dirty="0">
+                <a:solidFill>
+                  <a:srgbClr val="000000"/>
+                </a:solidFill>
+                <a:latin typeface="Consolas" panose="020B0609020204030204" pitchFamily="49" charset="0"/>
+              </a:rPr>
+              <a:t>    .</a:t>
+            </a:r>
+            <a:r>
+              <a:rPr lang="fi-FI" dirty="0" err="1">
+                <a:solidFill>
+                  <a:srgbClr val="795E26"/>
+                </a:solidFill>
+                <a:latin typeface="Consolas" panose="020B0609020204030204" pitchFamily="49" charset="0"/>
+              </a:rPr>
+              <a:t>then</a:t>
+            </a:r>
+            <a:r>
+              <a:rPr lang="fi-FI" dirty="0">
+                <a:solidFill>
+                  <a:srgbClr val="000000"/>
+                </a:solidFill>
+                <a:latin typeface="Consolas" panose="020B0609020204030204" pitchFamily="49" charset="0"/>
+              </a:rPr>
+              <a:t>(</a:t>
+            </a:r>
+            <a:r>
+              <a:rPr lang="fi-FI" b="1" u="sng" dirty="0">
+                <a:solidFill>
+                  <a:srgbClr val="000000"/>
+                </a:solidFill>
+                <a:latin typeface="Consolas" panose="020B0609020204030204" pitchFamily="49" charset="0"/>
+              </a:rPr>
+              <a:t>(</a:t>
+            </a:r>
+            <a:r>
+              <a:rPr lang="fi-FI" b="1" u="sng" dirty="0">
+                <a:solidFill>
+                  <a:srgbClr val="001080"/>
+                </a:solidFill>
+                <a:latin typeface="Consolas" panose="020B0609020204030204" pitchFamily="49" charset="0"/>
+              </a:rPr>
+              <a:t>data)</a:t>
+            </a:r>
+            <a:r>
+              <a:rPr lang="fi-FI" b="1" u="sng" dirty="0">
+                <a:solidFill>
+                  <a:srgbClr val="000000"/>
+                </a:solidFill>
+                <a:latin typeface="Consolas" panose="020B0609020204030204" pitchFamily="49" charset="0"/>
+              </a:rPr>
+              <a:t> </a:t>
+            </a:r>
+            <a:r>
+              <a:rPr lang="fi-FI" b="1" u="sng" dirty="0">
+                <a:solidFill>
+                  <a:srgbClr val="0000FF"/>
+                </a:solidFill>
+                <a:latin typeface="Consolas" panose="020B0609020204030204" pitchFamily="49" charset="0"/>
+              </a:rPr>
+              <a:t>=&gt;</a:t>
+            </a:r>
+            <a:r>
+              <a:rPr lang="fi-FI" b="1" u="sng" dirty="0">
+                <a:solidFill>
+                  <a:srgbClr val="000000"/>
+                </a:solidFill>
+                <a:latin typeface="Consolas" panose="020B0609020204030204" pitchFamily="49" charset="0"/>
+              </a:rPr>
+              <a:t> {</a:t>
+            </a:r>
+          </a:p>
+          <a:p>
+            <a:pPr marL="0" indent="0">
+              <a:buNone/>
+            </a:pPr>
+            <a:r>
+              <a:rPr lang="fi-FI" dirty="0">
+                <a:solidFill>
+                  <a:srgbClr val="000000"/>
+                </a:solidFill>
+                <a:latin typeface="Consolas" panose="020B0609020204030204" pitchFamily="49" charset="0"/>
+              </a:rPr>
+              <a:t>      </a:t>
+            </a:r>
+            <a:r>
+              <a:rPr lang="fi-FI" b="1" u="sng" dirty="0" err="1">
+                <a:solidFill>
+                  <a:srgbClr val="795E26"/>
+                </a:solidFill>
+                <a:latin typeface="Consolas" panose="020B0609020204030204" pitchFamily="49" charset="0"/>
+              </a:rPr>
+              <a:t>successHandler</a:t>
+            </a:r>
+            <a:r>
+              <a:rPr lang="fi-FI" b="1" u="sng" dirty="0">
+                <a:solidFill>
+                  <a:srgbClr val="000000"/>
+                </a:solidFill>
+                <a:latin typeface="Consolas" panose="020B0609020204030204" pitchFamily="49" charset="0"/>
+              </a:rPr>
+              <a:t>(</a:t>
+            </a:r>
+            <a:r>
+              <a:rPr lang="fi-FI" b="1" u="sng" dirty="0" err="1">
+                <a:solidFill>
+                  <a:srgbClr val="001080"/>
+                </a:solidFill>
+                <a:latin typeface="Consolas" panose="020B0609020204030204" pitchFamily="49" charset="0"/>
+              </a:rPr>
+              <a:t>res</a:t>
+            </a:r>
+            <a:r>
+              <a:rPr lang="fi-FI" b="1" u="sng" dirty="0">
+                <a:solidFill>
+                  <a:srgbClr val="000000"/>
+                </a:solidFill>
+                <a:latin typeface="Consolas" panose="020B0609020204030204" pitchFamily="49" charset="0"/>
+              </a:rPr>
+              <a:t>, </a:t>
+            </a:r>
+            <a:r>
+              <a:rPr lang="fi-FI" b="1" u="sng" dirty="0">
+                <a:solidFill>
+                  <a:srgbClr val="001080"/>
+                </a:solidFill>
+                <a:latin typeface="Consolas" panose="020B0609020204030204" pitchFamily="49" charset="0"/>
+              </a:rPr>
+              <a:t>data</a:t>
+            </a:r>
+            <a:r>
+              <a:rPr lang="fi-FI" b="1" u="sng" dirty="0">
+                <a:solidFill>
+                  <a:srgbClr val="000000"/>
+                </a:solidFill>
+                <a:latin typeface="Consolas" panose="020B0609020204030204" pitchFamily="49" charset="0"/>
+              </a:rPr>
+              <a:t>, </a:t>
+            </a:r>
+            <a:r>
+              <a:rPr lang="fi-FI" b="1" u="sng" dirty="0">
+                <a:solidFill>
+                  <a:srgbClr val="A31515"/>
+                </a:solidFill>
+                <a:latin typeface="Consolas" panose="020B0609020204030204" pitchFamily="49" charset="0"/>
+              </a:rPr>
+              <a:t>"</a:t>
+            </a:r>
+            <a:r>
+              <a:rPr lang="fi-FI" b="1" u="sng" dirty="0" err="1">
+                <a:solidFill>
+                  <a:srgbClr val="A31515"/>
+                </a:solidFill>
+                <a:latin typeface="Consolas" panose="020B0609020204030204" pitchFamily="49" charset="0"/>
+              </a:rPr>
+              <a:t>category.get</a:t>
+            </a:r>
+            <a:r>
+              <a:rPr lang="fi-FI" b="1" u="sng" dirty="0">
+                <a:solidFill>
+                  <a:srgbClr val="A31515"/>
+                </a:solidFill>
+                <a:latin typeface="Consolas" panose="020B0609020204030204" pitchFamily="49" charset="0"/>
+              </a:rPr>
+              <a:t>/</a:t>
+            </a:r>
+            <a:r>
+              <a:rPr lang="fi-FI" b="1" u="sng" dirty="0" err="1">
+                <a:solidFill>
+                  <a:srgbClr val="A31515"/>
+                </a:solidFill>
+                <a:latin typeface="Consolas" panose="020B0609020204030204" pitchFamily="49" charset="0"/>
+              </a:rPr>
+              <a:t>all</a:t>
+            </a:r>
+            <a:r>
+              <a:rPr lang="fi-FI" b="1" u="sng" dirty="0">
+                <a:solidFill>
+                  <a:srgbClr val="A31515"/>
+                </a:solidFill>
+                <a:latin typeface="Consolas" panose="020B0609020204030204" pitchFamily="49" charset="0"/>
+              </a:rPr>
+              <a:t>: </a:t>
+            </a:r>
+            <a:r>
+              <a:rPr lang="fi-FI" b="1" u="sng" dirty="0" err="1">
+                <a:solidFill>
+                  <a:srgbClr val="A31515"/>
+                </a:solidFill>
+                <a:latin typeface="Consolas" panose="020B0609020204030204" pitchFamily="49" charset="0"/>
+              </a:rPr>
+              <a:t>listed</a:t>
+            </a:r>
+            <a:r>
+              <a:rPr lang="fi-FI" b="1" u="sng" dirty="0">
+                <a:solidFill>
+                  <a:srgbClr val="A31515"/>
+                </a:solidFill>
+                <a:latin typeface="Consolas" panose="020B0609020204030204" pitchFamily="49" charset="0"/>
+              </a:rPr>
+              <a:t> ok </a:t>
+            </a:r>
+            <a:r>
+              <a:rPr lang="fi-FI" b="1" u="sng" dirty="0" err="1">
+                <a:solidFill>
+                  <a:srgbClr val="A31515"/>
+                </a:solidFill>
+                <a:latin typeface="Consolas" panose="020B0609020204030204" pitchFamily="49" charset="0"/>
+              </a:rPr>
+              <a:t>from</a:t>
+            </a:r>
+            <a:r>
+              <a:rPr lang="fi-FI" b="1" u="sng" dirty="0">
+                <a:solidFill>
+                  <a:srgbClr val="A31515"/>
+                </a:solidFill>
+                <a:latin typeface="Consolas" panose="020B0609020204030204" pitchFamily="49" charset="0"/>
+              </a:rPr>
+              <a:t> DB"</a:t>
+            </a:r>
+            <a:r>
+              <a:rPr lang="fi-FI" b="1" u="sng" dirty="0">
+                <a:solidFill>
+                  <a:srgbClr val="000000"/>
+                </a:solidFill>
+                <a:latin typeface="Consolas" panose="020B0609020204030204" pitchFamily="49" charset="0"/>
+              </a:rPr>
+              <a:t>);</a:t>
+            </a:r>
+          </a:p>
+          <a:p>
+            <a:pPr marL="0" indent="0">
+              <a:buNone/>
+            </a:pPr>
+            <a:r>
+              <a:rPr lang="fi-FI" dirty="0">
+                <a:solidFill>
+                  <a:srgbClr val="000000"/>
+                </a:solidFill>
+                <a:latin typeface="Consolas" panose="020B0609020204030204" pitchFamily="49" charset="0"/>
+              </a:rPr>
+              <a:t>    </a:t>
+            </a:r>
+            <a:r>
+              <a:rPr lang="fi-FI" b="1" u="sng" dirty="0">
+                <a:solidFill>
+                  <a:srgbClr val="000000"/>
+                </a:solidFill>
+                <a:latin typeface="Consolas" panose="020B0609020204030204" pitchFamily="49" charset="0"/>
+              </a:rPr>
+              <a:t>}</a:t>
+            </a:r>
+            <a:r>
+              <a:rPr lang="fi-FI" dirty="0">
+                <a:solidFill>
+                  <a:srgbClr val="000000"/>
+                </a:solidFill>
+                <a:latin typeface="Consolas" panose="020B0609020204030204" pitchFamily="49" charset="0"/>
+              </a:rPr>
+              <a:t>)</a:t>
+            </a:r>
+          </a:p>
+          <a:p>
+            <a:pPr marL="0" indent="0">
+              <a:buNone/>
+            </a:pPr>
+            <a:r>
+              <a:rPr lang="fi-FI" dirty="0">
+                <a:solidFill>
+                  <a:srgbClr val="000000"/>
+                </a:solidFill>
+                <a:latin typeface="Consolas" panose="020B0609020204030204" pitchFamily="49" charset="0"/>
+              </a:rPr>
+              <a:t>    .</a:t>
+            </a:r>
+            <a:r>
+              <a:rPr lang="fi-FI" dirty="0" err="1">
+                <a:solidFill>
+                  <a:srgbClr val="795E26"/>
+                </a:solidFill>
+                <a:latin typeface="Consolas" panose="020B0609020204030204" pitchFamily="49" charset="0"/>
+              </a:rPr>
+              <a:t>catch</a:t>
+            </a:r>
+            <a:r>
+              <a:rPr lang="fi-FI" dirty="0">
+                <a:solidFill>
+                  <a:srgbClr val="000000"/>
+                </a:solidFill>
+                <a:latin typeface="Consolas" panose="020B0609020204030204" pitchFamily="49" charset="0"/>
+              </a:rPr>
+              <a:t>(</a:t>
+            </a:r>
+            <a:r>
+              <a:rPr lang="fi-FI" b="1" u="sng" dirty="0">
+                <a:solidFill>
+                  <a:srgbClr val="000000"/>
+                </a:solidFill>
+                <a:latin typeface="Consolas" panose="020B0609020204030204" pitchFamily="49" charset="0"/>
+              </a:rPr>
+              <a:t>(</a:t>
+            </a:r>
+            <a:r>
+              <a:rPr lang="fi-FI" b="1" u="sng" dirty="0" err="1">
+                <a:solidFill>
+                  <a:srgbClr val="001080"/>
+                </a:solidFill>
+                <a:latin typeface="Consolas" panose="020B0609020204030204" pitchFamily="49" charset="0"/>
+              </a:rPr>
+              <a:t>error</a:t>
+            </a:r>
+            <a:r>
+              <a:rPr lang="fi-FI" b="1" u="sng" dirty="0">
+                <a:solidFill>
+                  <a:srgbClr val="000000"/>
+                </a:solidFill>
+                <a:latin typeface="Consolas" panose="020B0609020204030204" pitchFamily="49" charset="0"/>
+              </a:rPr>
+              <a:t>) </a:t>
+            </a:r>
+            <a:r>
+              <a:rPr lang="fi-FI" b="1" u="sng" dirty="0">
+                <a:solidFill>
+                  <a:srgbClr val="0000FF"/>
+                </a:solidFill>
+                <a:latin typeface="Consolas" panose="020B0609020204030204" pitchFamily="49" charset="0"/>
+              </a:rPr>
+              <a:t>=&gt;</a:t>
+            </a:r>
+            <a:r>
+              <a:rPr lang="fi-FI" b="1" u="sng" dirty="0">
+                <a:solidFill>
+                  <a:srgbClr val="000000"/>
+                </a:solidFill>
+                <a:latin typeface="Consolas" panose="020B0609020204030204" pitchFamily="49" charset="0"/>
+              </a:rPr>
+              <a:t> {</a:t>
+            </a:r>
+          </a:p>
+          <a:p>
+            <a:pPr marL="0" indent="0">
+              <a:buNone/>
+            </a:pPr>
+            <a:r>
+              <a:rPr lang="fi-FI" b="1" dirty="0">
+                <a:solidFill>
+                  <a:srgbClr val="000000"/>
+                </a:solidFill>
+                <a:latin typeface="Consolas" panose="020B0609020204030204" pitchFamily="49" charset="0"/>
+              </a:rPr>
+              <a:t>      </a:t>
+            </a:r>
+            <a:r>
+              <a:rPr lang="fi-FI" b="1" u="sng" dirty="0" err="1">
+                <a:solidFill>
+                  <a:srgbClr val="795E26"/>
+                </a:solidFill>
+                <a:latin typeface="Consolas" panose="020B0609020204030204" pitchFamily="49" charset="0"/>
+              </a:rPr>
+              <a:t>databaseErrorHandler</a:t>
+            </a:r>
+            <a:r>
+              <a:rPr lang="fi-FI" b="1" u="sng" dirty="0">
+                <a:solidFill>
+                  <a:srgbClr val="000000"/>
+                </a:solidFill>
+                <a:latin typeface="Consolas" panose="020B0609020204030204" pitchFamily="49" charset="0"/>
+              </a:rPr>
+              <a:t>(</a:t>
+            </a:r>
+            <a:r>
+              <a:rPr lang="fi-FI" b="1" u="sng" dirty="0" err="1">
+                <a:solidFill>
+                  <a:srgbClr val="001080"/>
+                </a:solidFill>
+                <a:latin typeface="Consolas" panose="020B0609020204030204" pitchFamily="49" charset="0"/>
+              </a:rPr>
+              <a:t>res</a:t>
+            </a:r>
+            <a:r>
+              <a:rPr lang="fi-FI" b="1" u="sng" dirty="0">
+                <a:solidFill>
+                  <a:srgbClr val="000000"/>
+                </a:solidFill>
+                <a:latin typeface="Consolas" panose="020B0609020204030204" pitchFamily="49" charset="0"/>
+              </a:rPr>
+              <a:t>, </a:t>
+            </a:r>
+            <a:r>
+              <a:rPr lang="fi-FI" b="1" u="sng" dirty="0" err="1">
+                <a:solidFill>
+                  <a:srgbClr val="001080"/>
+                </a:solidFill>
+                <a:latin typeface="Consolas" panose="020B0609020204030204" pitchFamily="49" charset="0"/>
+              </a:rPr>
+              <a:t>error</a:t>
+            </a:r>
+            <a:r>
+              <a:rPr lang="fi-FI" b="1" u="sng" dirty="0">
+                <a:solidFill>
+                  <a:srgbClr val="000000"/>
+                </a:solidFill>
+                <a:latin typeface="Consolas" panose="020B0609020204030204" pitchFamily="49" charset="0"/>
+              </a:rPr>
+              <a:t>, </a:t>
+            </a:r>
+            <a:r>
+              <a:rPr lang="fi-FI" b="1" u="sng" dirty="0">
+                <a:solidFill>
+                  <a:srgbClr val="A31515"/>
+                </a:solidFill>
+                <a:latin typeface="Consolas" panose="020B0609020204030204" pitchFamily="49" charset="0"/>
+              </a:rPr>
+              <a:t>"</a:t>
+            </a:r>
+            <a:r>
+              <a:rPr lang="fi-FI" b="1" u="sng" dirty="0" err="1">
+                <a:solidFill>
+                  <a:srgbClr val="A31515"/>
+                </a:solidFill>
+                <a:latin typeface="Consolas" panose="020B0609020204030204" pitchFamily="49" charset="0"/>
+              </a:rPr>
+              <a:t>category.get</a:t>
+            </a:r>
+            <a:r>
+              <a:rPr lang="fi-FI" b="1" u="sng" dirty="0">
+                <a:solidFill>
+                  <a:srgbClr val="A31515"/>
+                </a:solidFill>
+                <a:latin typeface="Consolas" panose="020B0609020204030204" pitchFamily="49" charset="0"/>
+              </a:rPr>
+              <a:t>/</a:t>
+            </a:r>
+            <a:r>
+              <a:rPr lang="fi-FI" b="1" u="sng" dirty="0" err="1">
+                <a:solidFill>
+                  <a:srgbClr val="A31515"/>
+                </a:solidFill>
+                <a:latin typeface="Consolas" panose="020B0609020204030204" pitchFamily="49" charset="0"/>
+              </a:rPr>
+              <a:t>all</a:t>
+            </a:r>
+            <a:r>
+              <a:rPr lang="fi-FI" b="1" u="sng" dirty="0">
+                <a:solidFill>
+                  <a:srgbClr val="A31515"/>
+                </a:solidFill>
+                <a:latin typeface="Consolas" panose="020B0609020204030204" pitchFamily="49" charset="0"/>
+              </a:rPr>
+              <a:t>: "</a:t>
+            </a:r>
+            <a:r>
+              <a:rPr lang="fi-FI" b="1" u="sng" dirty="0">
+                <a:solidFill>
+                  <a:srgbClr val="000000"/>
+                </a:solidFill>
+                <a:latin typeface="Consolas" panose="020B0609020204030204" pitchFamily="49" charset="0"/>
+              </a:rPr>
+              <a:t>);</a:t>
+            </a:r>
+          </a:p>
+          <a:p>
+            <a:pPr marL="0" indent="0">
+              <a:buNone/>
+            </a:pPr>
+            <a:r>
+              <a:rPr lang="fi-FI" b="1" dirty="0">
+                <a:solidFill>
+                  <a:srgbClr val="000000"/>
+                </a:solidFill>
+                <a:latin typeface="Consolas" panose="020B0609020204030204" pitchFamily="49" charset="0"/>
+              </a:rPr>
+              <a:t>    </a:t>
+            </a:r>
+            <a:r>
+              <a:rPr lang="fi-FI" b="1" u="sng" dirty="0">
+                <a:solidFill>
+                  <a:srgbClr val="000000"/>
+                </a:solidFill>
+                <a:latin typeface="Consolas" panose="020B0609020204030204" pitchFamily="49" charset="0"/>
+              </a:rPr>
+              <a:t>}</a:t>
+            </a:r>
+            <a:r>
+              <a:rPr lang="fi-FI" dirty="0">
+                <a:solidFill>
+                  <a:srgbClr val="000000"/>
+                </a:solidFill>
+                <a:latin typeface="Consolas" panose="020B0609020204030204" pitchFamily="49" charset="0"/>
+              </a:rPr>
+              <a:t>);</a:t>
+            </a:r>
+          </a:p>
+          <a:p>
+            <a:pPr marL="0" indent="0">
+              <a:buNone/>
+            </a:pPr>
+            <a:r>
+              <a:rPr lang="fi-FI" dirty="0">
+                <a:solidFill>
+                  <a:srgbClr val="000000"/>
+                </a:solidFill>
+                <a:latin typeface="Consolas" panose="020B0609020204030204" pitchFamily="49" charset="0"/>
+              </a:rPr>
+              <a:t>});</a:t>
+            </a:r>
+            <a:br>
+              <a:rPr lang="fi-FI" dirty="0">
+                <a:solidFill>
+                  <a:srgbClr val="000000"/>
+                </a:solidFill>
+                <a:latin typeface="Consolas" panose="020B0609020204030204" pitchFamily="49" charset="0"/>
+              </a:rPr>
+            </a:br>
+            <a:endParaRPr lang="en-US" b="1" i="1" dirty="0"/>
+          </a:p>
+          <a:p>
+            <a:pPr marL="0" indent="0">
+              <a:buNone/>
+            </a:pPr>
+            <a:r>
+              <a:rPr lang="en-US" b="1" i="1" dirty="0"/>
+              <a:t>Now only executing code. No more definitions.</a:t>
+            </a:r>
+          </a:p>
+        </p:txBody>
+      </p:sp>
+      <p:sp>
+        <p:nvSpPr>
+          <p:cNvPr id="5" name="Date Placeholder 4">
+            <a:extLst>
+              <a:ext uri="{FF2B5EF4-FFF2-40B4-BE49-F238E27FC236}">
+                <a16:creationId xmlns:a16="http://schemas.microsoft.com/office/drawing/2014/main" id="{976244E2-AA76-2742-B2EC-FEC79276155C}"/>
+              </a:ext>
+            </a:extLst>
+          </p:cNvPr>
+          <p:cNvSpPr>
+            <a:spLocks noGrp="1"/>
+          </p:cNvSpPr>
+          <p:nvPr>
+            <p:ph type="dt" sz="half" idx="10"/>
+          </p:nvPr>
+        </p:nvSpPr>
+        <p:spPr/>
+        <p:txBody>
+          <a:bodyPr/>
+          <a:lstStyle/>
+          <a:p>
+            <a:fld id="{202E1EC2-47B8-044B-A09E-6A63B4D80C87}" type="datetime1">
+              <a:rPr lang="fi-FI" smtClean="0"/>
+              <a:t>8.2.2023</a:t>
+            </a:fld>
+            <a:endParaRPr lang="en-GB"/>
+          </a:p>
+        </p:txBody>
+      </p:sp>
+      <p:sp>
+        <p:nvSpPr>
+          <p:cNvPr id="6" name="Footer Placeholder 5">
+            <a:extLst>
+              <a:ext uri="{FF2B5EF4-FFF2-40B4-BE49-F238E27FC236}">
+                <a16:creationId xmlns:a16="http://schemas.microsoft.com/office/drawing/2014/main" id="{588CE607-4137-8840-8FEA-42EAC857E3A3}"/>
+              </a:ext>
+            </a:extLst>
+          </p:cNvPr>
+          <p:cNvSpPr>
+            <a:spLocks noGrp="1"/>
+          </p:cNvSpPr>
+          <p:nvPr>
+            <p:ph type="ftr" sz="quarter" idx="11"/>
+          </p:nvPr>
+        </p:nvSpPr>
+        <p:spPr/>
+        <p:txBody>
+          <a:bodyPr/>
+          <a:lstStyle/>
+          <a:p>
+            <a:endParaRPr lang="en-GB"/>
+          </a:p>
+        </p:txBody>
+      </p:sp>
+      <p:sp>
+        <p:nvSpPr>
+          <p:cNvPr id="7" name="Slide Number Placeholder 6">
+            <a:extLst>
+              <a:ext uri="{FF2B5EF4-FFF2-40B4-BE49-F238E27FC236}">
+                <a16:creationId xmlns:a16="http://schemas.microsoft.com/office/drawing/2014/main" id="{2E133A96-6C73-0844-B8CB-27C2B5F4CFB1}"/>
+              </a:ext>
+            </a:extLst>
+          </p:cNvPr>
+          <p:cNvSpPr>
+            <a:spLocks noGrp="1"/>
+          </p:cNvSpPr>
+          <p:nvPr>
+            <p:ph type="sldNum" sz="quarter" idx="12"/>
+          </p:nvPr>
+        </p:nvSpPr>
+        <p:spPr/>
+        <p:txBody>
+          <a:bodyPr/>
+          <a:lstStyle/>
+          <a:p>
+            <a:fld id="{76BAB7ED-EDE9-4D4B-9A2D-30E18C47C16E}" type="slidenum">
+              <a:rPr lang="en-GB" smtClean="0"/>
+              <a:t>7</a:t>
+            </a:fld>
+            <a:endParaRPr lang="en-GB"/>
+          </a:p>
+        </p:txBody>
+      </p:sp>
+    </p:spTree>
+    <p:extLst>
+      <p:ext uri="{BB962C8B-B14F-4D97-AF65-F5344CB8AC3E}">
+        <p14:creationId xmlns:p14="http://schemas.microsoft.com/office/powerpoint/2010/main" val="354146035"/>
+      </p:ext>
+    </p:extLst>
+  </p:cSld>
+  <p:clrMapOvr>
+    <a:masterClrMapping/>
+  </p:clrMapOvr>
+</p:sld>
+</file>
+
+<file path=ppt/slides/slide8.xml><?xml version="1.0" encoding="utf-8"?>
+<p:sld xmlns:a="http://schemas.openxmlformats.org/drawingml/2006/main" xmlns:r="http://schemas.openxmlformats.org/officeDocument/2006/relationships" xmlns:p="http://schemas.openxmlformats.org/presentationml/2006/main">
+  <p:cSld>
+    <p:spTree>
+      <p:nvGrpSpPr>
+        <p:cNvPr id="1" name=""/>
+        <p:cNvGrpSpPr/>
+        <p:nvPr/>
+      </p:nvGrpSpPr>
+      <p:grpSpPr>
+        <a:xfrm>
+          <a:off x="0" y="0"/>
+          <a:ext cx="0" cy="0"/>
+          <a:chOff x="0" y="0"/>
+          <a:chExt cx="0" cy="0"/>
+        </a:xfrm>
+      </p:grpSpPr>
+      <p:sp>
+        <p:nvSpPr>
+          <p:cNvPr id="8" name="Title 7">
+            <a:extLst>
+              <a:ext uri="{FF2B5EF4-FFF2-40B4-BE49-F238E27FC236}">
+                <a16:creationId xmlns:a16="http://schemas.microsoft.com/office/drawing/2014/main" id="{197044C3-CD23-D844-B780-26FABA91AD0F}"/>
+              </a:ext>
+            </a:extLst>
+          </p:cNvPr>
+          <p:cNvSpPr>
+            <a:spLocks noGrp="1"/>
+          </p:cNvSpPr>
+          <p:nvPr>
+            <p:ph type="title"/>
+          </p:nvPr>
+        </p:nvSpPr>
+        <p:spPr/>
+        <p:txBody>
+          <a:bodyPr/>
+          <a:lstStyle/>
+          <a:p>
+            <a:r>
+              <a:rPr lang="fi-FI" dirty="0" err="1"/>
+              <a:t>What</a:t>
+            </a:r>
+            <a:r>
+              <a:rPr lang="fi-FI" dirty="0"/>
+              <a:t> to </a:t>
+            </a:r>
+            <a:r>
+              <a:rPr lang="fi-FI" dirty="0" err="1"/>
+              <a:t>remember</a:t>
+            </a:r>
+            <a:r>
+              <a:rPr lang="fi-FI" dirty="0"/>
+              <a:t> in </a:t>
+            </a:r>
+            <a:r>
+              <a:rPr lang="fi-FI" dirty="0" err="1"/>
+              <a:t>Promise-based</a:t>
+            </a:r>
+            <a:r>
+              <a:rPr lang="fi-FI" dirty="0"/>
+              <a:t> </a:t>
+            </a:r>
+            <a:r>
+              <a:rPr lang="fi-FI" dirty="0" err="1"/>
+              <a:t>coding</a:t>
+            </a:r>
+            <a:r>
+              <a:rPr lang="fi-FI" dirty="0"/>
+              <a:t>?</a:t>
+            </a:r>
+          </a:p>
+        </p:txBody>
+      </p:sp>
+      <p:sp>
+        <p:nvSpPr>
+          <p:cNvPr id="9" name="Content Placeholder 8">
+            <a:extLst>
+              <a:ext uri="{FF2B5EF4-FFF2-40B4-BE49-F238E27FC236}">
+                <a16:creationId xmlns:a16="http://schemas.microsoft.com/office/drawing/2014/main" id="{ACDE61D8-A75A-F94B-B57A-46F276C03311}"/>
+              </a:ext>
+            </a:extLst>
+          </p:cNvPr>
+          <p:cNvSpPr>
+            <a:spLocks noGrp="1"/>
+          </p:cNvSpPr>
+          <p:nvPr>
+            <p:ph sz="half" idx="2"/>
+          </p:nvPr>
+        </p:nvSpPr>
+        <p:spPr>
+          <a:xfrm>
+            <a:off x="550864" y="1149531"/>
+            <a:ext cx="11458256" cy="4990011"/>
+          </a:xfrm>
+        </p:spPr>
+        <p:txBody>
+          <a:bodyPr>
+            <a:normAutofit/>
+          </a:bodyPr>
+          <a:lstStyle/>
+          <a:p>
+            <a:pPr marL="0" indent="0">
+              <a:buNone/>
+            </a:pPr>
+            <a:r>
+              <a:rPr lang="fi-FI" dirty="0" err="1">
+                <a:solidFill>
+                  <a:srgbClr val="0070C1"/>
+                </a:solidFill>
+                <a:latin typeface="Consolas" panose="020B0609020204030204" pitchFamily="49" charset="0"/>
+              </a:rPr>
+              <a:t>category</a:t>
+            </a:r>
+            <a:r>
+              <a:rPr lang="fi-FI" dirty="0" err="1">
+                <a:solidFill>
+                  <a:srgbClr val="000000"/>
+                </a:solidFill>
+                <a:latin typeface="Consolas" panose="020B0609020204030204" pitchFamily="49" charset="0"/>
+              </a:rPr>
+              <a:t>.</a:t>
+            </a:r>
+            <a:r>
+              <a:rPr lang="fi-FI" dirty="0" err="1">
+                <a:solidFill>
+                  <a:srgbClr val="795E26"/>
+                </a:solidFill>
+                <a:latin typeface="Consolas" panose="020B0609020204030204" pitchFamily="49" charset="0"/>
+              </a:rPr>
+              <a:t>get</a:t>
+            </a:r>
+            <a:r>
+              <a:rPr lang="fi-FI" dirty="0">
+                <a:solidFill>
+                  <a:srgbClr val="000000"/>
+                </a:solidFill>
+                <a:latin typeface="Consolas" panose="020B0609020204030204" pitchFamily="49" charset="0"/>
+              </a:rPr>
+              <a:t>(</a:t>
+            </a:r>
+            <a:r>
+              <a:rPr lang="fi-FI" dirty="0">
+                <a:solidFill>
+                  <a:srgbClr val="A31515"/>
+                </a:solidFill>
+                <a:latin typeface="Consolas" panose="020B0609020204030204" pitchFamily="49" charset="0"/>
+              </a:rPr>
+              <a:t>"/"</a:t>
+            </a:r>
+            <a:r>
+              <a:rPr lang="fi-FI" dirty="0">
+                <a:solidFill>
+                  <a:srgbClr val="000000"/>
+                </a:solidFill>
+                <a:latin typeface="Consolas" panose="020B0609020204030204" pitchFamily="49" charset="0"/>
+              </a:rPr>
+              <a:t>, </a:t>
+            </a:r>
+            <a:r>
+              <a:rPr lang="fi-FI" dirty="0" err="1">
+                <a:solidFill>
+                  <a:srgbClr val="0000FF"/>
+                </a:solidFill>
+                <a:latin typeface="Consolas" panose="020B0609020204030204" pitchFamily="49" charset="0"/>
+              </a:rPr>
+              <a:t>function</a:t>
+            </a:r>
+            <a:r>
+              <a:rPr lang="fi-FI" dirty="0">
+                <a:solidFill>
+                  <a:srgbClr val="000000"/>
+                </a:solidFill>
+                <a:latin typeface="Consolas" panose="020B0609020204030204" pitchFamily="49" charset="0"/>
+              </a:rPr>
+              <a:t>(</a:t>
+            </a:r>
+            <a:r>
+              <a:rPr lang="fi-FI" dirty="0" err="1">
+                <a:solidFill>
+                  <a:srgbClr val="001080"/>
+                </a:solidFill>
+                <a:latin typeface="Consolas" panose="020B0609020204030204" pitchFamily="49" charset="0"/>
+              </a:rPr>
+              <a:t>req</a:t>
+            </a:r>
+            <a:r>
+              <a:rPr lang="fi-FI" dirty="0">
+                <a:solidFill>
+                  <a:srgbClr val="000000"/>
+                </a:solidFill>
+                <a:latin typeface="Consolas" panose="020B0609020204030204" pitchFamily="49" charset="0"/>
+              </a:rPr>
+              <a:t>, </a:t>
+            </a:r>
+            <a:r>
+              <a:rPr lang="fi-FI" dirty="0" err="1">
+                <a:solidFill>
+                  <a:srgbClr val="001080"/>
+                </a:solidFill>
+                <a:latin typeface="Consolas" panose="020B0609020204030204" pitchFamily="49" charset="0"/>
+              </a:rPr>
+              <a:t>res</a:t>
+            </a:r>
+            <a:r>
+              <a:rPr lang="fi-FI" dirty="0">
+                <a:solidFill>
+                  <a:srgbClr val="000000"/>
+                </a:solidFill>
+                <a:latin typeface="Consolas" panose="020B0609020204030204" pitchFamily="49" charset="0"/>
+              </a:rPr>
+              <a:t>) {</a:t>
+            </a:r>
+          </a:p>
+          <a:p>
+            <a:pPr marL="0" indent="0">
+              <a:buNone/>
+            </a:pPr>
+            <a:r>
+              <a:rPr lang="fi-FI" dirty="0">
+                <a:solidFill>
+                  <a:srgbClr val="000000"/>
+                </a:solidFill>
+                <a:latin typeface="Consolas" panose="020B0609020204030204" pitchFamily="49" charset="0"/>
+              </a:rPr>
+              <a:t>  </a:t>
+            </a:r>
+            <a:r>
+              <a:rPr lang="fi-FI" dirty="0" err="1">
+                <a:solidFill>
+                  <a:srgbClr val="001080"/>
+                </a:solidFill>
+                <a:latin typeface="Consolas" panose="020B0609020204030204" pitchFamily="49" charset="0"/>
+              </a:rPr>
+              <a:t>knex</a:t>
+            </a:r>
+            <a:r>
+              <a:rPr lang="fi-FI" dirty="0" err="1">
+                <a:solidFill>
+                  <a:srgbClr val="000000"/>
+                </a:solidFill>
+                <a:latin typeface="Consolas" panose="020B0609020204030204" pitchFamily="49" charset="0"/>
+              </a:rPr>
+              <a:t>.</a:t>
+            </a:r>
+            <a:r>
+              <a:rPr lang="fi-FI" dirty="0" err="1">
+                <a:solidFill>
+                  <a:srgbClr val="795E26"/>
+                </a:solidFill>
+                <a:latin typeface="Consolas" panose="020B0609020204030204" pitchFamily="49" charset="0"/>
+              </a:rPr>
+              <a:t>select</a:t>
+            </a:r>
+            <a:r>
+              <a:rPr lang="fi-FI" dirty="0">
+                <a:solidFill>
+                  <a:srgbClr val="000000"/>
+                </a:solidFill>
+                <a:latin typeface="Consolas" panose="020B0609020204030204" pitchFamily="49" charset="0"/>
+              </a:rPr>
+              <a:t>().</a:t>
+            </a:r>
+            <a:r>
+              <a:rPr lang="fi-FI" dirty="0" err="1">
+                <a:solidFill>
+                  <a:srgbClr val="795E26"/>
+                </a:solidFill>
+                <a:latin typeface="Consolas" panose="020B0609020204030204" pitchFamily="49" charset="0"/>
+              </a:rPr>
+              <a:t>from</a:t>
+            </a:r>
+            <a:r>
+              <a:rPr lang="fi-FI" dirty="0">
+                <a:solidFill>
+                  <a:srgbClr val="000000"/>
+                </a:solidFill>
+                <a:latin typeface="Consolas" panose="020B0609020204030204" pitchFamily="49" charset="0"/>
+              </a:rPr>
+              <a:t>(</a:t>
+            </a:r>
+            <a:r>
+              <a:rPr lang="fi-FI" dirty="0">
+                <a:solidFill>
+                  <a:srgbClr val="A31515"/>
+                </a:solidFill>
+                <a:latin typeface="Consolas" panose="020B0609020204030204" pitchFamily="49" charset="0"/>
+              </a:rPr>
+              <a:t>"</a:t>
+            </a:r>
+            <a:r>
+              <a:rPr lang="fi-FI" dirty="0" err="1">
+                <a:solidFill>
+                  <a:srgbClr val="A31515"/>
+                </a:solidFill>
+                <a:latin typeface="Consolas" panose="020B0609020204030204" pitchFamily="49" charset="0"/>
+              </a:rPr>
+              <a:t>Category</a:t>
+            </a:r>
+            <a:r>
+              <a:rPr lang="fi-FI" dirty="0">
+                <a:solidFill>
+                  <a:srgbClr val="A31515"/>
+                </a:solidFill>
+                <a:latin typeface="Consolas" panose="020B0609020204030204" pitchFamily="49" charset="0"/>
+              </a:rPr>
+              <a:t>"</a:t>
+            </a:r>
+            <a:r>
+              <a:rPr lang="fi-FI" dirty="0">
+                <a:solidFill>
+                  <a:srgbClr val="000000"/>
+                </a:solidFill>
+                <a:latin typeface="Consolas" panose="020B0609020204030204" pitchFamily="49" charset="0"/>
+              </a:rPr>
+              <a:t>)</a:t>
+            </a:r>
+          </a:p>
+          <a:p>
+            <a:pPr marL="0" indent="0">
+              <a:buNone/>
+            </a:pPr>
+            <a:r>
+              <a:rPr lang="fi-FI" dirty="0">
+                <a:solidFill>
+                  <a:srgbClr val="000000"/>
+                </a:solidFill>
+                <a:latin typeface="Consolas" panose="020B0609020204030204" pitchFamily="49" charset="0"/>
+              </a:rPr>
+              <a:t>    .</a:t>
+            </a:r>
+            <a:r>
+              <a:rPr lang="fi-FI" dirty="0" err="1">
+                <a:solidFill>
+                  <a:srgbClr val="795E26"/>
+                </a:solidFill>
+                <a:latin typeface="Consolas" panose="020B0609020204030204" pitchFamily="49" charset="0"/>
+              </a:rPr>
+              <a:t>then</a:t>
+            </a:r>
+            <a:r>
+              <a:rPr lang="fi-FI" dirty="0">
+                <a:solidFill>
+                  <a:srgbClr val="000000"/>
+                </a:solidFill>
+                <a:latin typeface="Consolas" panose="020B0609020204030204" pitchFamily="49" charset="0"/>
+              </a:rPr>
+              <a:t>((</a:t>
+            </a:r>
+            <a:r>
+              <a:rPr lang="fi-FI" dirty="0">
+                <a:solidFill>
+                  <a:srgbClr val="001080"/>
+                </a:solidFill>
+                <a:latin typeface="Consolas" panose="020B0609020204030204" pitchFamily="49" charset="0"/>
+              </a:rPr>
+              <a:t>data)</a:t>
+            </a:r>
+            <a:r>
+              <a:rPr lang="fi-FI" dirty="0">
+                <a:solidFill>
+                  <a:srgbClr val="000000"/>
+                </a:solidFill>
+                <a:latin typeface="Consolas" panose="020B0609020204030204" pitchFamily="49" charset="0"/>
+              </a:rPr>
+              <a:t> </a:t>
+            </a:r>
+            <a:r>
+              <a:rPr lang="fi-FI" dirty="0">
+                <a:solidFill>
+                  <a:srgbClr val="0000FF"/>
+                </a:solidFill>
+                <a:latin typeface="Consolas" panose="020B0609020204030204" pitchFamily="49" charset="0"/>
+              </a:rPr>
+              <a:t>=&gt;</a:t>
+            </a:r>
+            <a:r>
+              <a:rPr lang="fi-FI" dirty="0">
+                <a:solidFill>
+                  <a:srgbClr val="000000"/>
+                </a:solidFill>
+                <a:latin typeface="Consolas" panose="020B0609020204030204" pitchFamily="49" charset="0"/>
+              </a:rPr>
+              <a:t> </a:t>
+            </a:r>
+            <a:r>
+              <a:rPr lang="fi-FI" b="1" dirty="0">
+                <a:solidFill>
+                  <a:srgbClr val="92D050"/>
+                </a:solidFill>
+                <a:latin typeface="Consolas" panose="020B0609020204030204" pitchFamily="49" charset="0"/>
+              </a:rPr>
+              <a:t>{</a:t>
+            </a:r>
+          </a:p>
+          <a:p>
+            <a:pPr marL="0" indent="0">
+              <a:buNone/>
+            </a:pPr>
+            <a:r>
+              <a:rPr lang="fi-FI" b="1" dirty="0">
+                <a:solidFill>
+                  <a:srgbClr val="92D050"/>
+                </a:solidFill>
+                <a:latin typeface="Consolas" panose="020B0609020204030204" pitchFamily="49" charset="0"/>
+              </a:rPr>
+              <a:t>      // </a:t>
+            </a:r>
+            <a:r>
+              <a:rPr lang="fi-FI" b="1" dirty="0" err="1">
+                <a:solidFill>
+                  <a:srgbClr val="92D050"/>
+                </a:solidFill>
+                <a:latin typeface="Consolas" panose="020B0609020204030204" pitchFamily="49" charset="0"/>
+              </a:rPr>
+              <a:t>whatever</a:t>
+            </a:r>
+            <a:r>
+              <a:rPr lang="fi-FI" b="1" dirty="0">
+                <a:solidFill>
+                  <a:srgbClr val="92D050"/>
+                </a:solidFill>
+                <a:latin typeface="Consolas" panose="020B0609020204030204" pitchFamily="49" charset="0"/>
+              </a:rPr>
+              <a:t> </a:t>
+            </a:r>
+            <a:r>
+              <a:rPr lang="fi-FI" b="1" dirty="0" err="1">
+                <a:solidFill>
+                  <a:srgbClr val="92D050"/>
+                </a:solidFill>
+                <a:latin typeface="Consolas" panose="020B0609020204030204" pitchFamily="49" charset="0"/>
+              </a:rPr>
+              <a:t>you</a:t>
+            </a:r>
+            <a:r>
+              <a:rPr lang="fi-FI" b="1" dirty="0">
+                <a:solidFill>
+                  <a:srgbClr val="92D050"/>
+                </a:solidFill>
+                <a:latin typeface="Consolas" panose="020B0609020204030204" pitchFamily="49" charset="0"/>
+              </a:rPr>
+              <a:t> </a:t>
+            </a:r>
+            <a:r>
+              <a:rPr lang="fi-FI" b="1" dirty="0" err="1">
+                <a:solidFill>
+                  <a:srgbClr val="92D050"/>
+                </a:solidFill>
+                <a:latin typeface="Consolas" panose="020B0609020204030204" pitchFamily="49" charset="0"/>
+              </a:rPr>
+              <a:t>want</a:t>
+            </a:r>
+            <a:r>
+              <a:rPr lang="fi-FI" b="1" dirty="0">
+                <a:solidFill>
+                  <a:srgbClr val="92D050"/>
+                </a:solidFill>
+                <a:latin typeface="Consolas" panose="020B0609020204030204" pitchFamily="49" charset="0"/>
+              </a:rPr>
+              <a:t> to </a:t>
+            </a:r>
+            <a:r>
+              <a:rPr lang="fi-FI" b="1" dirty="0" err="1">
+                <a:solidFill>
+                  <a:srgbClr val="92D050"/>
+                </a:solidFill>
+                <a:latin typeface="Consolas" panose="020B0609020204030204" pitchFamily="49" charset="0"/>
+              </a:rPr>
+              <a:t>do</a:t>
+            </a:r>
+            <a:r>
+              <a:rPr lang="fi-FI" b="1" dirty="0">
+                <a:solidFill>
+                  <a:srgbClr val="92D050"/>
+                </a:solidFill>
+                <a:latin typeface="Consolas" panose="020B0609020204030204" pitchFamily="49" charset="0"/>
+              </a:rPr>
+              <a:t> </a:t>
+            </a:r>
+            <a:r>
+              <a:rPr lang="fi-FI" b="1" dirty="0" err="1">
+                <a:solidFill>
+                  <a:srgbClr val="92D050"/>
+                </a:solidFill>
+                <a:latin typeface="Consolas" panose="020B0609020204030204" pitchFamily="49" charset="0"/>
+              </a:rPr>
+              <a:t>after</a:t>
+            </a:r>
+            <a:r>
+              <a:rPr lang="fi-FI" b="1" dirty="0">
+                <a:solidFill>
+                  <a:srgbClr val="92D050"/>
+                </a:solidFill>
+                <a:latin typeface="Consolas" panose="020B0609020204030204" pitchFamily="49" charset="0"/>
+              </a:rPr>
+              <a:t> ’</a:t>
+            </a:r>
+            <a:r>
+              <a:rPr lang="fi-FI" b="1" dirty="0" err="1">
+                <a:solidFill>
+                  <a:srgbClr val="92D050"/>
+                </a:solidFill>
+                <a:latin typeface="Consolas" panose="020B0609020204030204" pitchFamily="49" charset="0"/>
+              </a:rPr>
+              <a:t>succesful</a:t>
+            </a:r>
+            <a:r>
+              <a:rPr lang="fi-FI" b="1" dirty="0">
+                <a:solidFill>
+                  <a:srgbClr val="92D050"/>
+                </a:solidFill>
+                <a:latin typeface="Consolas" panose="020B0609020204030204" pitchFamily="49" charset="0"/>
+              </a:rPr>
+              <a:t>’ DB </a:t>
+            </a:r>
+            <a:r>
+              <a:rPr lang="fi-FI" b="1" dirty="0" err="1">
+                <a:solidFill>
+                  <a:srgbClr val="92D050"/>
+                </a:solidFill>
+                <a:latin typeface="Consolas" panose="020B0609020204030204" pitchFamily="49" charset="0"/>
+              </a:rPr>
+              <a:t>operation</a:t>
+            </a:r>
+            <a:r>
+              <a:rPr lang="fi-FI" b="1" dirty="0">
+                <a:solidFill>
+                  <a:srgbClr val="92D050"/>
+                </a:solidFill>
+                <a:latin typeface="Consolas" panose="020B0609020204030204" pitchFamily="49" charset="0"/>
+              </a:rPr>
+              <a:t> </a:t>
+            </a:r>
+            <a:r>
+              <a:rPr lang="fi-FI" b="1" u="sng" dirty="0" err="1">
+                <a:solidFill>
+                  <a:srgbClr val="92D050"/>
+                </a:solidFill>
+                <a:latin typeface="Consolas" panose="020B0609020204030204" pitchFamily="49" charset="0"/>
+              </a:rPr>
+              <a:t>must</a:t>
+            </a:r>
+            <a:r>
+              <a:rPr lang="fi-FI" b="1" u="sng" dirty="0">
+                <a:solidFill>
+                  <a:srgbClr val="92D050"/>
+                </a:solidFill>
+                <a:latin typeface="Consolas" panose="020B0609020204030204" pitchFamily="49" charset="0"/>
+              </a:rPr>
+              <a:t> </a:t>
+            </a:r>
+            <a:r>
+              <a:rPr lang="fi-FI" b="1" u="sng" dirty="0" err="1">
+                <a:solidFill>
+                  <a:srgbClr val="92D050"/>
+                </a:solidFill>
+                <a:latin typeface="Consolas" panose="020B0609020204030204" pitchFamily="49" charset="0"/>
+              </a:rPr>
+              <a:t>be</a:t>
+            </a:r>
+            <a:r>
+              <a:rPr lang="fi-FI" b="1" u="sng" dirty="0">
+                <a:solidFill>
+                  <a:srgbClr val="92D050"/>
+                </a:solidFill>
+                <a:latin typeface="Consolas" panose="020B0609020204030204" pitchFamily="49" charset="0"/>
+              </a:rPr>
+              <a:t> </a:t>
+            </a:r>
+            <a:r>
+              <a:rPr lang="fi-FI" b="1" u="sng" dirty="0" err="1">
+                <a:solidFill>
+                  <a:srgbClr val="92D050"/>
+                </a:solidFill>
+                <a:latin typeface="Consolas" panose="020B0609020204030204" pitchFamily="49" charset="0"/>
+              </a:rPr>
+              <a:t>only</a:t>
+            </a:r>
+            <a:r>
+              <a:rPr lang="fi-FI" b="1" u="sng" dirty="0">
+                <a:solidFill>
+                  <a:srgbClr val="92D050"/>
+                </a:solidFill>
+                <a:latin typeface="Consolas" panose="020B0609020204030204" pitchFamily="49" charset="0"/>
+              </a:rPr>
+              <a:t> </a:t>
+            </a:r>
+            <a:r>
+              <a:rPr lang="fi-FI" b="1" u="sng" dirty="0" err="1">
+                <a:solidFill>
+                  <a:srgbClr val="92D050"/>
+                </a:solidFill>
+                <a:latin typeface="Consolas" panose="020B0609020204030204" pitchFamily="49" charset="0"/>
+              </a:rPr>
+              <a:t>here</a:t>
+            </a:r>
+            <a:r>
+              <a:rPr lang="fi-FI" b="1" dirty="0">
+                <a:solidFill>
+                  <a:srgbClr val="92D050"/>
+                </a:solidFill>
+                <a:latin typeface="Consolas" panose="020B0609020204030204" pitchFamily="49" charset="0"/>
+              </a:rPr>
+              <a:t>.</a:t>
+            </a:r>
+          </a:p>
+          <a:p>
+            <a:pPr marL="0" indent="0">
+              <a:buNone/>
+            </a:pPr>
+            <a:r>
+              <a:rPr lang="fi-FI" b="1" dirty="0">
+                <a:solidFill>
+                  <a:srgbClr val="92D050"/>
+                </a:solidFill>
+                <a:latin typeface="Consolas" panose="020B0609020204030204" pitchFamily="49" charset="0"/>
+              </a:rPr>
+              <a:t>    }</a:t>
+            </a:r>
+            <a:r>
+              <a:rPr lang="fi-FI" dirty="0">
+                <a:solidFill>
+                  <a:srgbClr val="000000"/>
+                </a:solidFill>
+                <a:latin typeface="Consolas" panose="020B0609020204030204" pitchFamily="49" charset="0"/>
+              </a:rPr>
+              <a:t>)</a:t>
+            </a:r>
+            <a:br>
+              <a:rPr lang="fi-FI" dirty="0">
+                <a:solidFill>
+                  <a:srgbClr val="000000"/>
+                </a:solidFill>
+                <a:latin typeface="Consolas" panose="020B0609020204030204" pitchFamily="49" charset="0"/>
+              </a:rPr>
+            </a:br>
+            <a:r>
+              <a:rPr lang="fi-FI" dirty="0">
+                <a:solidFill>
+                  <a:srgbClr val="000000"/>
+                </a:solidFill>
+                <a:latin typeface="Consolas" panose="020B0609020204030204" pitchFamily="49" charset="0"/>
+              </a:rPr>
+              <a:t>    .</a:t>
+            </a:r>
+            <a:r>
+              <a:rPr lang="fi-FI" dirty="0" err="1">
+                <a:solidFill>
+                  <a:srgbClr val="795E26"/>
+                </a:solidFill>
+                <a:latin typeface="Consolas" panose="020B0609020204030204" pitchFamily="49" charset="0"/>
+              </a:rPr>
+              <a:t>catch</a:t>
+            </a:r>
+            <a:r>
+              <a:rPr lang="fi-FI" dirty="0">
+                <a:solidFill>
+                  <a:srgbClr val="000000"/>
+                </a:solidFill>
+                <a:latin typeface="Consolas" panose="020B0609020204030204" pitchFamily="49" charset="0"/>
+              </a:rPr>
+              <a:t>((</a:t>
+            </a:r>
+            <a:r>
+              <a:rPr lang="fi-FI" dirty="0" err="1">
+                <a:solidFill>
+                  <a:srgbClr val="001080"/>
+                </a:solidFill>
+                <a:latin typeface="Consolas" panose="020B0609020204030204" pitchFamily="49" charset="0"/>
+              </a:rPr>
+              <a:t>error</a:t>
+            </a:r>
+            <a:r>
+              <a:rPr lang="fi-FI" dirty="0">
+                <a:solidFill>
+                  <a:srgbClr val="000000"/>
+                </a:solidFill>
+                <a:latin typeface="Consolas" panose="020B0609020204030204" pitchFamily="49" charset="0"/>
+              </a:rPr>
+              <a:t>) </a:t>
+            </a:r>
+            <a:r>
+              <a:rPr lang="fi-FI" dirty="0">
+                <a:solidFill>
+                  <a:srgbClr val="0000FF"/>
+                </a:solidFill>
+                <a:latin typeface="Consolas" panose="020B0609020204030204" pitchFamily="49" charset="0"/>
+              </a:rPr>
+              <a:t>=&gt;</a:t>
+            </a:r>
+            <a:r>
+              <a:rPr lang="fi-FI" dirty="0">
+                <a:solidFill>
+                  <a:srgbClr val="000000"/>
+                </a:solidFill>
+                <a:latin typeface="Consolas" panose="020B0609020204030204" pitchFamily="49" charset="0"/>
+              </a:rPr>
+              <a:t> </a:t>
+            </a:r>
+            <a:r>
+              <a:rPr lang="fi-FI" b="1" dirty="0">
+                <a:solidFill>
+                  <a:srgbClr val="FF0000"/>
+                </a:solidFill>
+                <a:latin typeface="Consolas" panose="020B0609020204030204" pitchFamily="49" charset="0"/>
+              </a:rPr>
+              <a:t>{</a:t>
+            </a:r>
+          </a:p>
+          <a:p>
+            <a:pPr marL="0" indent="0">
+              <a:buNone/>
+            </a:pPr>
+            <a:r>
+              <a:rPr lang="fi-FI" b="1" dirty="0">
+                <a:solidFill>
+                  <a:srgbClr val="FF0000"/>
+                </a:solidFill>
+                <a:latin typeface="Consolas" panose="020B0609020204030204" pitchFamily="49" charset="0"/>
+              </a:rPr>
+              <a:t>      // </a:t>
+            </a:r>
+            <a:r>
+              <a:rPr lang="fi-FI" b="1" dirty="0" err="1">
+                <a:solidFill>
+                  <a:srgbClr val="FF0000"/>
+                </a:solidFill>
+                <a:latin typeface="Consolas" panose="020B0609020204030204" pitchFamily="49" charset="0"/>
+              </a:rPr>
+              <a:t>whatever</a:t>
+            </a:r>
+            <a:r>
+              <a:rPr lang="fi-FI" b="1" dirty="0">
+                <a:solidFill>
+                  <a:srgbClr val="FF0000"/>
+                </a:solidFill>
+                <a:latin typeface="Consolas" panose="020B0609020204030204" pitchFamily="49" charset="0"/>
+              </a:rPr>
+              <a:t> </a:t>
+            </a:r>
+            <a:r>
+              <a:rPr lang="en-US" b="1" dirty="0">
+                <a:solidFill>
+                  <a:srgbClr val="FF0000"/>
+                </a:solidFill>
+                <a:latin typeface="Consolas" panose="020B0609020204030204" pitchFamily="49" charset="0"/>
+              </a:rPr>
+              <a:t>you want to do after ‘crashed’ DB operation </a:t>
+            </a:r>
+            <a:r>
+              <a:rPr lang="en-US" b="1" u="sng" dirty="0">
+                <a:solidFill>
+                  <a:srgbClr val="FF0000"/>
+                </a:solidFill>
+                <a:latin typeface="Consolas" panose="020B0609020204030204" pitchFamily="49" charset="0"/>
+              </a:rPr>
+              <a:t>must be only here</a:t>
+            </a:r>
+            <a:r>
+              <a:rPr lang="en-US" b="1" dirty="0">
+                <a:solidFill>
+                  <a:srgbClr val="FF0000"/>
+                </a:solidFill>
+                <a:latin typeface="Consolas" panose="020B0609020204030204" pitchFamily="49" charset="0"/>
+              </a:rPr>
+              <a:t>.</a:t>
+            </a:r>
+          </a:p>
+          <a:p>
+            <a:pPr marL="0" indent="0">
+              <a:buNone/>
+            </a:pPr>
+            <a:r>
+              <a:rPr lang="fi-FI" b="1" dirty="0">
+                <a:solidFill>
+                  <a:srgbClr val="FF0000"/>
+                </a:solidFill>
+                <a:latin typeface="Consolas" panose="020B0609020204030204" pitchFamily="49" charset="0"/>
+              </a:rPr>
+              <a:t>    }</a:t>
+            </a:r>
+            <a:r>
+              <a:rPr lang="fi-FI" dirty="0">
+                <a:solidFill>
+                  <a:srgbClr val="000000"/>
+                </a:solidFill>
+                <a:latin typeface="Consolas" panose="020B0609020204030204" pitchFamily="49" charset="0"/>
+              </a:rPr>
+              <a:t>);</a:t>
+            </a:r>
+            <a:br>
+              <a:rPr lang="fi-FI" dirty="0">
+                <a:solidFill>
+                  <a:srgbClr val="000000"/>
+                </a:solidFill>
+                <a:latin typeface="Consolas" panose="020B0609020204030204" pitchFamily="49" charset="0"/>
+              </a:rPr>
+            </a:br>
+            <a:r>
+              <a:rPr lang="fi-FI" dirty="0">
+                <a:solidFill>
+                  <a:srgbClr val="000000"/>
+                </a:solidFill>
+                <a:latin typeface="Consolas" panose="020B0609020204030204" pitchFamily="49" charset="0"/>
+              </a:rPr>
+              <a:t>    </a:t>
+            </a:r>
+            <a:r>
+              <a:rPr lang="fi-FI" b="1" dirty="0">
+                <a:solidFill>
+                  <a:srgbClr val="000000"/>
+                </a:solidFill>
+                <a:latin typeface="Consolas" panose="020B0609020204030204" pitchFamily="49" charset="0"/>
+              </a:rPr>
+              <a:t>// No </a:t>
+            </a:r>
+            <a:r>
+              <a:rPr lang="fi-FI" b="1" dirty="0" err="1">
+                <a:solidFill>
+                  <a:srgbClr val="000000"/>
+                </a:solidFill>
+                <a:latin typeface="Consolas" panose="020B0609020204030204" pitchFamily="49" charset="0"/>
+              </a:rPr>
+              <a:t>code</a:t>
+            </a:r>
+            <a:r>
+              <a:rPr lang="fi-FI" b="1" dirty="0">
+                <a:solidFill>
+                  <a:srgbClr val="000000"/>
+                </a:solidFill>
+                <a:latin typeface="Consolas" panose="020B0609020204030204" pitchFamily="49" charset="0"/>
+              </a:rPr>
+              <a:t> </a:t>
+            </a:r>
+            <a:r>
+              <a:rPr lang="fi-FI" b="1" dirty="0" err="1">
+                <a:solidFill>
+                  <a:srgbClr val="000000"/>
+                </a:solidFill>
+                <a:latin typeface="Consolas" panose="020B0609020204030204" pitchFamily="49" charset="0"/>
+              </a:rPr>
+              <a:t>here</a:t>
+            </a:r>
+            <a:r>
+              <a:rPr lang="fi-FI" b="1" dirty="0">
+                <a:solidFill>
+                  <a:srgbClr val="000000"/>
+                </a:solidFill>
+                <a:latin typeface="Consolas" panose="020B0609020204030204" pitchFamily="49" charset="0"/>
+              </a:rPr>
+              <a:t>!</a:t>
+            </a:r>
+          </a:p>
+          <a:p>
+            <a:pPr marL="0" indent="0">
+              <a:buNone/>
+            </a:pPr>
+            <a:r>
+              <a:rPr lang="fi-FI" dirty="0">
+                <a:solidFill>
+                  <a:srgbClr val="000000"/>
+                </a:solidFill>
+                <a:latin typeface="Consolas" panose="020B0609020204030204" pitchFamily="49" charset="0"/>
+              </a:rPr>
+              <a:t>});</a:t>
+            </a:r>
+          </a:p>
+          <a:p>
+            <a:pPr marL="0" indent="0">
+              <a:buNone/>
+            </a:pPr>
+            <a:r>
+              <a:rPr lang="fi-FI" b="1" dirty="0">
+                <a:solidFill>
+                  <a:srgbClr val="000000"/>
+                </a:solidFill>
+                <a:latin typeface="Consolas" panose="020B0609020204030204" pitchFamily="49" charset="0"/>
+              </a:rPr>
+              <a:t>// No </a:t>
+            </a:r>
+            <a:r>
+              <a:rPr lang="fi-FI" b="1" dirty="0" err="1">
+                <a:solidFill>
+                  <a:srgbClr val="000000"/>
+                </a:solidFill>
+                <a:latin typeface="Consolas" panose="020B0609020204030204" pitchFamily="49" charset="0"/>
+              </a:rPr>
+              <a:t>code</a:t>
+            </a:r>
+            <a:r>
+              <a:rPr lang="fi-FI" b="1" dirty="0">
+                <a:solidFill>
+                  <a:srgbClr val="000000"/>
+                </a:solidFill>
+                <a:latin typeface="Consolas" panose="020B0609020204030204" pitchFamily="49" charset="0"/>
+              </a:rPr>
+              <a:t> </a:t>
+            </a:r>
+            <a:r>
+              <a:rPr lang="fi-FI" b="1" dirty="0" err="1">
+                <a:solidFill>
+                  <a:srgbClr val="000000"/>
+                </a:solidFill>
+                <a:latin typeface="Consolas" panose="020B0609020204030204" pitchFamily="49" charset="0"/>
+              </a:rPr>
+              <a:t>here</a:t>
+            </a:r>
+            <a:r>
+              <a:rPr lang="fi-FI" b="1" dirty="0">
+                <a:solidFill>
+                  <a:srgbClr val="000000"/>
+                </a:solidFill>
+                <a:latin typeface="Consolas" panose="020B0609020204030204" pitchFamily="49" charset="0"/>
+              </a:rPr>
+              <a:t>!</a:t>
+            </a:r>
+            <a:br>
+              <a:rPr lang="fi-FI" b="1" dirty="0">
+                <a:solidFill>
+                  <a:srgbClr val="000000"/>
+                </a:solidFill>
+                <a:latin typeface="Consolas" panose="020B0609020204030204" pitchFamily="49" charset="0"/>
+              </a:rPr>
+            </a:br>
+            <a:endParaRPr lang="en-US" b="1" dirty="0"/>
+          </a:p>
+          <a:p>
+            <a:pPr marL="342900" indent="-342900">
+              <a:buAutoNum type="arabicPeriod"/>
+            </a:pPr>
+            <a:r>
+              <a:rPr lang="en-US" b="1" i="1" dirty="0"/>
+              <a:t>Notice the handler functions, e.g. (data)…(error)… Write your code </a:t>
+            </a:r>
+            <a:r>
+              <a:rPr lang="en-US" b="1" i="1" u="sng" dirty="0"/>
+              <a:t>only</a:t>
+            </a:r>
+            <a:r>
+              <a:rPr lang="en-US" b="1" i="1" dirty="0"/>
+              <a:t> inside the handler functions.</a:t>
+            </a:r>
+          </a:p>
+          <a:p>
+            <a:pPr marL="342900" indent="-342900">
+              <a:buAutoNum type="arabicPeriod"/>
+            </a:pPr>
+            <a:r>
+              <a:rPr lang="en-US" b="1" i="1" dirty="0"/>
+              <a:t>E.g. write anything dependent on successful DB operation </a:t>
+            </a:r>
+            <a:r>
+              <a:rPr lang="en-US" b="1" i="1" u="sng" dirty="0"/>
+              <a:t>only</a:t>
+            </a:r>
+            <a:r>
+              <a:rPr lang="en-US" b="1" i="1" dirty="0"/>
+              <a:t> inside the </a:t>
+            </a:r>
+            <a:r>
+              <a:rPr lang="en-US" b="1" i="1" dirty="0">
+                <a:solidFill>
+                  <a:srgbClr val="92D050"/>
+                </a:solidFill>
+              </a:rPr>
+              <a:t>green</a:t>
+            </a:r>
+            <a:r>
+              <a:rPr lang="en-US" b="1" i="1" dirty="0"/>
+              <a:t> code block.</a:t>
+            </a:r>
+          </a:p>
+        </p:txBody>
+      </p:sp>
+      <p:sp>
+        <p:nvSpPr>
+          <p:cNvPr id="5" name="Date Placeholder 4">
+            <a:extLst>
+              <a:ext uri="{FF2B5EF4-FFF2-40B4-BE49-F238E27FC236}">
+                <a16:creationId xmlns:a16="http://schemas.microsoft.com/office/drawing/2014/main" id="{976244E2-AA76-2742-B2EC-FEC79276155C}"/>
+              </a:ext>
+            </a:extLst>
+          </p:cNvPr>
+          <p:cNvSpPr>
+            <a:spLocks noGrp="1"/>
+          </p:cNvSpPr>
+          <p:nvPr>
+            <p:ph type="dt" sz="half" idx="10"/>
+          </p:nvPr>
+        </p:nvSpPr>
+        <p:spPr/>
+        <p:txBody>
+          <a:bodyPr/>
+          <a:lstStyle/>
+          <a:p>
+            <a:fld id="{202E1EC2-47B8-044B-A09E-6A63B4D80C87}" type="datetime1">
+              <a:rPr lang="fi-FI" smtClean="0"/>
+              <a:t>8.2.2023</a:t>
+            </a:fld>
+            <a:endParaRPr lang="en-GB"/>
+          </a:p>
+        </p:txBody>
+      </p:sp>
+      <p:sp>
+        <p:nvSpPr>
+          <p:cNvPr id="6" name="Footer Placeholder 5">
+            <a:extLst>
+              <a:ext uri="{FF2B5EF4-FFF2-40B4-BE49-F238E27FC236}">
+                <a16:creationId xmlns:a16="http://schemas.microsoft.com/office/drawing/2014/main" id="{588CE607-4137-8840-8FEA-42EAC857E3A3}"/>
+              </a:ext>
+            </a:extLst>
+          </p:cNvPr>
+          <p:cNvSpPr>
+            <a:spLocks noGrp="1"/>
+          </p:cNvSpPr>
+          <p:nvPr>
+            <p:ph type="ftr" sz="quarter" idx="11"/>
+          </p:nvPr>
+        </p:nvSpPr>
+        <p:spPr/>
+        <p:txBody>
+          <a:bodyPr/>
+          <a:lstStyle/>
+          <a:p>
+            <a:endParaRPr lang="en-GB"/>
+          </a:p>
+        </p:txBody>
+      </p:sp>
+      <p:sp>
+        <p:nvSpPr>
+          <p:cNvPr id="7" name="Slide Number Placeholder 6">
+            <a:extLst>
+              <a:ext uri="{FF2B5EF4-FFF2-40B4-BE49-F238E27FC236}">
+                <a16:creationId xmlns:a16="http://schemas.microsoft.com/office/drawing/2014/main" id="{2E133A96-6C73-0844-B8CB-27C2B5F4CFB1}"/>
+              </a:ext>
+            </a:extLst>
+          </p:cNvPr>
+          <p:cNvSpPr>
+            <a:spLocks noGrp="1"/>
+          </p:cNvSpPr>
+          <p:nvPr>
+            <p:ph type="sldNum" sz="quarter" idx="12"/>
+          </p:nvPr>
+        </p:nvSpPr>
+        <p:spPr/>
+        <p:txBody>
+          <a:bodyPr/>
+          <a:lstStyle/>
+          <a:p>
+            <a:fld id="{76BAB7ED-EDE9-4D4B-9A2D-30E18C47C16E}" type="slidenum">
+              <a:rPr lang="en-GB" smtClean="0"/>
+              <a:t>8</a:t>
+            </a:fld>
+            <a:endParaRPr lang="en-GB"/>
+          </a:p>
+        </p:txBody>
+      </p:sp>
+    </p:spTree>
+    <p:extLst>
+      <p:ext uri="{BB962C8B-B14F-4D97-AF65-F5344CB8AC3E}">
+        <p14:creationId xmlns:p14="http://schemas.microsoft.com/office/powerpoint/2010/main" val="2916459160"/>
       </p:ext>
     </p:extLst>
   </p:cSld>
@@ -8258,6 +13069,15 @@
 </file>
 
 <file path=customXml/item1.xml><?xml version="1.0" encoding="utf-8"?>
+<p:properties xmlns:p="http://schemas.microsoft.com/office/2006/metadata/properties" xmlns:xsi="http://www.w3.org/2001/XMLSchema-instance" xmlns:pc="http://schemas.microsoft.com/office/infopath/2007/PartnerControls">
+  <documentManagement>
+    <PublishingExpirationDate xmlns="http://schemas.microsoft.com/sharepoint/v3" xsi:nil="true"/>
+    <PublishingStartDate xmlns="http://schemas.microsoft.com/sharepoint/v3" xsi:nil="true"/>
+  </documentManagement>
+</p:properties>
+</file>
+
+<file path=customXml/item2.xml><?xml version="1.0" encoding="utf-8"?>
 <ct:contentTypeSchema xmlns:ct="http://schemas.microsoft.com/office/2006/metadata/contentType" xmlns:ma="http://schemas.microsoft.com/office/2006/metadata/properties/metaAttributes" ct:_="" ma:_="" ma:contentTypeName="Document" ma:contentTypeID="0x01010024C55B41993A414DABB8DD07ACBA0814" ma:contentTypeVersion="1" ma:contentTypeDescription="Create a new document." ma:contentTypeScope="" ma:versionID="3ea0c22b5866975a7b271665de4056c5">
   <xsd:schema xmlns:xsd="http://www.w3.org/2001/XMLSchema" xmlns:xs="http://www.w3.org/2001/XMLSchema" xmlns:p="http://schemas.microsoft.com/office/2006/metadata/properties" xmlns:ns1="http://schemas.microsoft.com/sharepoint/v3" targetNamespace="http://schemas.microsoft.com/office/2006/metadata/properties" ma:root="true" ma:fieldsID="ef2aa9ed40e72a78c3822fc753b43e87" ns1:_="">
     <xsd:import namespace="http://schemas.microsoft.com/sharepoint/v3"/>
@@ -8389,15 +13209,6 @@
 </ct:contentTypeSchema>
 </file>
 
-<file path=customXml/item2.xml><?xml version="1.0" encoding="utf-8"?>
-<p:properties xmlns:p="http://schemas.microsoft.com/office/2006/metadata/properties" xmlns:xsi="http://www.w3.org/2001/XMLSchema-instance" xmlns:pc="http://schemas.microsoft.com/office/infopath/2007/PartnerControls">
-  <documentManagement>
-    <PublishingExpirationDate xmlns="http://schemas.microsoft.com/sharepoint/v3" xsi:nil="true"/>
-    <PublishingStartDate xmlns="http://schemas.microsoft.com/sharepoint/v3" xsi:nil="true"/>
-  </documentManagement>
-</p:properties>
-</file>
-
 <file path=customXml/item3.xml><?xml version="1.0" encoding="utf-8"?>
 <?mso-contentType ?>
 <FormTemplates xmlns="http://schemas.microsoft.com/sharepoint/v3/contenttype/forms">
@@ -8408,6 +13219,22 @@
 </file>
 
 <file path=customXml/itemProps1.xml><?xml version="1.0" encoding="utf-8"?>
+<ds:datastoreItem xmlns:ds="http://schemas.openxmlformats.org/officeDocument/2006/customXml" ds:itemID="{DED4E12E-7268-4B03-A47B-0755D62B5E31}">
+  <ds:schemaRefs>
+    <ds:schemaRef ds:uri="http://schemas.microsoft.com/office/infopath/2007/PartnerControls"/>
+    <ds:schemaRef ds:uri="http://schemas.microsoft.com/office/2006/documentManagement/types"/>
+    <ds:schemaRef ds:uri="http://purl.org/dc/terms/"/>
+    <ds:schemaRef ds:uri="http://purl.org/dc/elements/1.1/"/>
+    <ds:schemaRef ds:uri="http://schemas.microsoft.com/office/2006/metadata/properties"/>
+    <ds:schemaRef ds:uri="http://purl.org/dc/dcmitype/"/>
+    <ds:schemaRef ds:uri="http://schemas.openxmlformats.org/package/2006/metadata/core-properties"/>
+    <ds:schemaRef ds:uri="http://schemas.microsoft.com/sharepoint/v3"/>
+    <ds:schemaRef ds:uri="http://www.w3.org/XML/1998/namespace"/>
+  </ds:schemaRefs>
+</ds:datastoreItem>
+</file>
+
+<file path=customXml/itemProps2.xml><?xml version="1.0" encoding="utf-8"?>
 <ds:datastoreItem xmlns:ds="http://schemas.openxmlformats.org/officeDocument/2006/customXml" ds:itemID="{B9E4DC25-62AA-44A0-8D5C-DB44892588AF}">
   <ds:schemaRefs>
     <ds:schemaRef ds:uri="http://schemas.microsoft.com/office/2006/metadata/contentType"/>
@@ -8425,22 +13252,6 @@
 </ds:datastoreItem>
 </file>
 
-<file path=customXml/itemProps2.xml><?xml version="1.0" encoding="utf-8"?>
-<ds:datastoreItem xmlns:ds="http://schemas.openxmlformats.org/officeDocument/2006/customXml" ds:itemID="{DED4E12E-7268-4B03-A47B-0755D62B5E31}">
-  <ds:schemaRefs>
-    <ds:schemaRef ds:uri="http://schemas.microsoft.com/office/infopath/2007/PartnerControls"/>
-    <ds:schemaRef ds:uri="http://schemas.microsoft.com/office/2006/documentManagement/types"/>
-    <ds:schemaRef ds:uri="http://purl.org/dc/terms/"/>
-    <ds:schemaRef ds:uri="http://purl.org/dc/elements/1.1/"/>
-    <ds:schemaRef ds:uri="http://schemas.microsoft.com/office/2006/metadata/properties"/>
-    <ds:schemaRef ds:uri="http://purl.org/dc/dcmitype/"/>
-    <ds:schemaRef ds:uri="http://schemas.openxmlformats.org/package/2006/metadata/core-properties"/>
-    <ds:schemaRef ds:uri="http://schemas.microsoft.com/sharepoint/v3"/>
-    <ds:schemaRef ds:uri="http://www.w3.org/XML/1998/namespace"/>
-  </ds:schemaRefs>
-</ds:datastoreItem>
-</file>
-
 <file path=customXml/itemProps3.xml><?xml version="1.0" encoding="utf-8"?>
 <ds:datastoreItem xmlns:ds="http://schemas.openxmlformats.org/officeDocument/2006/customXml" ds:itemID="{D546C03B-CD3A-4EA0-AAA4-0E00E896454E}">
   <ds:schemaRefs>

--- a/05_es6_node/NodeJS_demo/03_asynchronous_code_promises/AsynchronousCode_Promises.pptx
+++ b/05_es6_node/NodeJS_demo/03_asynchronous_code_promises/AsynchronousCode_Promises.pptx
@@ -9425,7 +9425,7 @@
             </a:pPr>
             <a:r>
               <a:rPr lang="en-US" b="1" i="1" dirty="0"/>
-              <a:t>// Bolded underline parts are _executed_ at the server setup/startup! Rest of the code is _definition_ of the request handler, executed when and if a matching request will later arrive. Maybe days later.</a:t>
+              <a:t>// Bolded underlined parts are _executed_ at the server setup/startup! Rest of the code is _definition_ of the request handler, executed when and if a matching request will later arrive. Maybe days later.</a:t>
             </a:r>
           </a:p>
         </p:txBody>
@@ -10383,7 +10383,7 @@
             </a:pPr>
             <a:r>
               <a:rPr lang="en-US" b="1" i="1" dirty="0"/>
-              <a:t>// Bolded underline parts are _executed_ if and when a matching request has arrived. Rest of the code is _definition_ of the database operation result handlers, executed when database operation ready. Maybe milliseconds or seconds later. (Possibly microseconds if using in-memory database).</a:t>
+              <a:t>// Bolded underlined parts are _executed_ if and when a matching request has arrived. Rest of the code is _definition_ of the database operation result handlers, executed when database operation ready. Maybe milliseconds or seconds later. (Possibly microseconds if using in-memory database).</a:t>
             </a:r>
           </a:p>
         </p:txBody>
@@ -11341,7 +11341,7 @@
             </a:pPr>
             <a:r>
               <a:rPr lang="en-US" b="1" i="1" dirty="0"/>
-              <a:t>Now only executing code. No more definitions.</a:t>
+              <a:t>Now only executing the underlined code. Either a) success code or b) error code. No more definitions.</a:t>
             </a:r>
           </a:p>
         </p:txBody>
@@ -13069,12 +13069,12 @@
 </file>
 
 <file path=customXml/item1.xml><?xml version="1.0" encoding="utf-8"?>
-<p:properties xmlns:p="http://schemas.microsoft.com/office/2006/metadata/properties" xmlns:xsi="http://www.w3.org/2001/XMLSchema-instance" xmlns:pc="http://schemas.microsoft.com/office/infopath/2007/PartnerControls">
-  <documentManagement>
-    <PublishingExpirationDate xmlns="http://schemas.microsoft.com/sharepoint/v3" xsi:nil="true"/>
-    <PublishingStartDate xmlns="http://schemas.microsoft.com/sharepoint/v3" xsi:nil="true"/>
-  </documentManagement>
-</p:properties>
+<?mso-contentType ?>
+<FormTemplates xmlns="http://schemas.microsoft.com/sharepoint/v3/contenttype/forms">
+  <Display>DocumentLibraryForm</Display>
+  <Edit>DocumentLibraryForm</Edit>
+  <New>DocumentLibraryForm</New>
+</FormTemplates>
 </file>
 
 <file path=customXml/item2.xml><?xml version="1.0" encoding="utf-8"?>
@@ -13210,26 +13210,18 @@
 </file>
 
 <file path=customXml/item3.xml><?xml version="1.0" encoding="utf-8"?>
-<?mso-contentType ?>
-<FormTemplates xmlns="http://schemas.microsoft.com/sharepoint/v3/contenttype/forms">
-  <Display>DocumentLibraryForm</Display>
-  <Edit>DocumentLibraryForm</Edit>
-  <New>DocumentLibraryForm</New>
-</FormTemplates>
+<p:properties xmlns:p="http://schemas.microsoft.com/office/2006/metadata/properties" xmlns:xsi="http://www.w3.org/2001/XMLSchema-instance" xmlns:pc="http://schemas.microsoft.com/office/infopath/2007/PartnerControls">
+  <documentManagement>
+    <PublishingExpirationDate xmlns="http://schemas.microsoft.com/sharepoint/v3" xsi:nil="true"/>
+    <PublishingStartDate xmlns="http://schemas.microsoft.com/sharepoint/v3" xsi:nil="true"/>
+  </documentManagement>
+</p:properties>
 </file>
 
 <file path=customXml/itemProps1.xml><?xml version="1.0" encoding="utf-8"?>
-<ds:datastoreItem xmlns:ds="http://schemas.openxmlformats.org/officeDocument/2006/customXml" ds:itemID="{DED4E12E-7268-4B03-A47B-0755D62B5E31}">
+<ds:datastoreItem xmlns:ds="http://schemas.openxmlformats.org/officeDocument/2006/customXml" ds:itemID="{D546C03B-CD3A-4EA0-AAA4-0E00E896454E}">
   <ds:schemaRefs>
-    <ds:schemaRef ds:uri="http://schemas.microsoft.com/office/infopath/2007/PartnerControls"/>
-    <ds:schemaRef ds:uri="http://schemas.microsoft.com/office/2006/documentManagement/types"/>
-    <ds:schemaRef ds:uri="http://purl.org/dc/terms/"/>
-    <ds:schemaRef ds:uri="http://purl.org/dc/elements/1.1/"/>
-    <ds:schemaRef ds:uri="http://schemas.microsoft.com/office/2006/metadata/properties"/>
-    <ds:schemaRef ds:uri="http://purl.org/dc/dcmitype/"/>
-    <ds:schemaRef ds:uri="http://schemas.openxmlformats.org/package/2006/metadata/core-properties"/>
-    <ds:schemaRef ds:uri="http://schemas.microsoft.com/sharepoint/v3"/>
-    <ds:schemaRef ds:uri="http://www.w3.org/XML/1998/namespace"/>
+    <ds:schemaRef ds:uri="http://schemas.microsoft.com/sharepoint/v3/contenttype/forms"/>
   </ds:schemaRefs>
 </ds:datastoreItem>
 </file>
@@ -13253,9 +13245,17 @@
 </file>
 
 <file path=customXml/itemProps3.xml><?xml version="1.0" encoding="utf-8"?>
-<ds:datastoreItem xmlns:ds="http://schemas.openxmlformats.org/officeDocument/2006/customXml" ds:itemID="{D546C03B-CD3A-4EA0-AAA4-0E00E896454E}">
+<ds:datastoreItem xmlns:ds="http://schemas.openxmlformats.org/officeDocument/2006/customXml" ds:itemID="{DED4E12E-7268-4B03-A47B-0755D62B5E31}">
   <ds:schemaRefs>
-    <ds:schemaRef ds:uri="http://schemas.microsoft.com/sharepoint/v3/contenttype/forms"/>
+    <ds:schemaRef ds:uri="http://schemas.microsoft.com/office/infopath/2007/PartnerControls"/>
+    <ds:schemaRef ds:uri="http://schemas.microsoft.com/office/2006/documentManagement/types"/>
+    <ds:schemaRef ds:uri="http://purl.org/dc/terms/"/>
+    <ds:schemaRef ds:uri="http://purl.org/dc/elements/1.1/"/>
+    <ds:schemaRef ds:uri="http://schemas.microsoft.com/office/2006/metadata/properties"/>
+    <ds:schemaRef ds:uri="http://purl.org/dc/dcmitype/"/>
+    <ds:schemaRef ds:uri="http://schemas.openxmlformats.org/package/2006/metadata/core-properties"/>
+    <ds:schemaRef ds:uri="http://schemas.microsoft.com/sharepoint/v3"/>
+    <ds:schemaRef ds:uri="http://www.w3.org/XML/1998/namespace"/>
   </ds:schemaRefs>
 </ds:datastoreItem>
 </file>